--- a/docs/presentation/Presentation_OrganisationApp.pptx
+++ b/docs/presentation/Presentation_OrganisationApp.pptx
@@ -5,14 +5,27 @@
     <p:sldMasterId id="2147483648" r:id="rId1"/>
   </p:sldMasterIdLst>
   <p:notesMasterIdLst>
-    <p:notesMasterId r:id="rId4"/>
+    <p:notesMasterId r:id="rId17"/>
   </p:notesMasterIdLst>
   <p:handoutMasterIdLst>
-    <p:handoutMasterId r:id="rId5"/>
+    <p:handoutMasterId r:id="rId18"/>
   </p:handoutMasterIdLst>
   <p:sldIdLst>
     <p:sldId id="278" r:id="rId2"/>
     <p:sldId id="300" r:id="rId3"/>
+    <p:sldId id="301" r:id="rId4"/>
+    <p:sldId id="302" r:id="rId5"/>
+    <p:sldId id="305" r:id="rId6"/>
+    <p:sldId id="306" r:id="rId7"/>
+    <p:sldId id="307" r:id="rId8"/>
+    <p:sldId id="303" r:id="rId9"/>
+    <p:sldId id="308" r:id="rId10"/>
+    <p:sldId id="309" r:id="rId11"/>
+    <p:sldId id="304" r:id="rId12"/>
+    <p:sldId id="310" r:id="rId13"/>
+    <p:sldId id="313" r:id="rId14"/>
+    <p:sldId id="311" r:id="rId15"/>
+    <p:sldId id="312" r:id="rId16"/>
   </p:sldIdLst>
   <p:sldSz cx="12192000" cy="6858000"/>
   <p:notesSz cx="6858000" cy="9144000"/>
@@ -817,7 +830,7 @@
           <a:p>
             <a:fld id="{5D634CDC-2FDF-4C1B-8C8F-397BA5B2D9C2}" type="datetimeFigureOut">
               <a:rPr lang="de-DE" smtClean="0"/>
-              <a:t>11.01.2024</a:t>
+              <a:t>18.01.2024</a:t>
             </a:fld>
             <a:endParaRPr lang="de-DE"/>
           </a:p>
@@ -994,7 +1007,7 @@
           <a:p>
             <a:fld id="{41D9D135-AC5D-412D-9E0E-623545EAE33D}" type="datetimeFigureOut">
               <a:rPr lang="de-DE" smtClean="0"/>
-              <a:t>11.01.2024</a:t>
+              <a:t>18.01.2024</a:t>
             </a:fld>
             <a:endParaRPr lang="de-DE"/>
           </a:p>
@@ -1541,6 +1554,18 @@
   <p:clrMapOvr>
     <a:masterClrMapping/>
   </p:clrMapOvr>
+  <mc:AlternateContent xmlns:mc="http://schemas.openxmlformats.org/markup-compatibility/2006" xmlns:p159="http://schemas.microsoft.com/office/powerpoint/2015/09/main">
+    <mc:Choice Requires="p159">
+      <p:transition xmlns:p14="http://schemas.microsoft.com/office/powerpoint/2010/main" spd="slow" p14:dur="2000">
+        <p159:morph option="byObject"/>
+      </p:transition>
+    </mc:Choice>
+    <mc:Fallback xmlns="">
+      <p:transition spd="slow">
+        <p:fade/>
+      </p:transition>
+    </mc:Fallback>
+  </mc:AlternateContent>
 </p:sldLayout>
 </file>
 
@@ -1801,6 +1826,18 @@
   <p:clrMapOvr>
     <a:masterClrMapping/>
   </p:clrMapOvr>
+  <mc:AlternateContent xmlns:mc="http://schemas.openxmlformats.org/markup-compatibility/2006" xmlns:p159="http://schemas.microsoft.com/office/powerpoint/2015/09/main">
+    <mc:Choice Requires="p159">
+      <p:transition xmlns:p14="http://schemas.microsoft.com/office/powerpoint/2010/main" spd="slow" p14:dur="2000">
+        <p159:morph option="byObject"/>
+      </p:transition>
+    </mc:Choice>
+    <mc:Fallback xmlns="">
+      <p:transition spd="slow">
+        <p:fade/>
+      </p:transition>
+    </mc:Fallback>
+  </mc:AlternateContent>
 </p:sldLayout>
 </file>
 
@@ -1945,6 +1982,18 @@
   <p:clrMapOvr>
     <a:masterClrMapping/>
   </p:clrMapOvr>
+  <mc:AlternateContent xmlns:mc="http://schemas.openxmlformats.org/markup-compatibility/2006" xmlns:p159="http://schemas.microsoft.com/office/powerpoint/2015/09/main">
+    <mc:Choice Requires="p159">
+      <p:transition xmlns:p14="http://schemas.microsoft.com/office/powerpoint/2010/main" spd="slow" p14:dur="2000">
+        <p159:morph option="byObject"/>
+      </p:transition>
+    </mc:Choice>
+    <mc:Fallback xmlns="">
+      <p:transition spd="slow">
+        <p:fade/>
+      </p:transition>
+    </mc:Fallback>
+  </mc:AlternateContent>
 </p:sldLayout>
 </file>
 
@@ -2061,6 +2110,18 @@
   <p:clrMapOvr>
     <a:masterClrMapping/>
   </p:clrMapOvr>
+  <mc:AlternateContent xmlns:mc="http://schemas.openxmlformats.org/markup-compatibility/2006" xmlns:p159="http://schemas.microsoft.com/office/powerpoint/2015/09/main">
+    <mc:Choice Requires="p159">
+      <p:transition xmlns:p14="http://schemas.microsoft.com/office/powerpoint/2010/main" spd="slow" p14:dur="2000">
+        <p159:morph option="byObject"/>
+      </p:transition>
+    </mc:Choice>
+    <mc:Fallback xmlns="">
+      <p:transition spd="slow">
+        <p:fade/>
+      </p:transition>
+    </mc:Fallback>
+  </mc:AlternateContent>
 </p:sldLayout>
 </file>
 
@@ -2254,6 +2315,18 @@
   <p:clrMapOvr>
     <a:masterClrMapping/>
   </p:clrMapOvr>
+  <mc:AlternateContent xmlns:mc="http://schemas.openxmlformats.org/markup-compatibility/2006" xmlns:p159="http://schemas.microsoft.com/office/powerpoint/2015/09/main">
+    <mc:Choice Requires="p159">
+      <p:transition xmlns:p14="http://schemas.microsoft.com/office/powerpoint/2010/main" spd="slow" p14:dur="2000">
+        <p159:morph option="byObject"/>
+      </p:transition>
+    </mc:Choice>
+    <mc:Fallback xmlns="">
+      <p:transition spd="slow">
+        <p:fade/>
+      </p:transition>
+    </mc:Fallback>
+  </mc:AlternateContent>
 </p:sldLayout>
 </file>
 
@@ -2495,6 +2568,18 @@
   <p:clrMapOvr>
     <a:masterClrMapping/>
   </p:clrMapOvr>
+  <mc:AlternateContent xmlns:mc="http://schemas.openxmlformats.org/markup-compatibility/2006" xmlns:p159="http://schemas.microsoft.com/office/powerpoint/2015/09/main">
+    <mc:Choice Requires="p159">
+      <p:transition xmlns:p14="http://schemas.microsoft.com/office/powerpoint/2010/main" spd="slow" p14:dur="2000">
+        <p159:morph option="byObject"/>
+      </p:transition>
+    </mc:Choice>
+    <mc:Fallback xmlns="">
+      <p:transition spd="slow">
+        <p:fade/>
+      </p:transition>
+    </mc:Fallback>
+  </mc:AlternateContent>
 </p:sldLayout>
 </file>
 
@@ -2823,6 +2908,18 @@
   <p:clrMapOvr>
     <a:masterClrMapping/>
   </p:clrMapOvr>
+  <mc:AlternateContent xmlns:mc="http://schemas.openxmlformats.org/markup-compatibility/2006" xmlns:p159="http://schemas.microsoft.com/office/powerpoint/2015/09/main">
+    <mc:Choice Requires="p159">
+      <p:transition xmlns:p14="http://schemas.microsoft.com/office/powerpoint/2010/main" spd="slow" p14:dur="2000">
+        <p159:morph option="byObject"/>
+      </p:transition>
+    </mc:Choice>
+    <mc:Fallback xmlns="">
+      <p:transition spd="slow">
+        <p:fade/>
+      </p:transition>
+    </mc:Fallback>
+  </mc:AlternateContent>
   <p:extLst>
     <p:ext uri="{DCECCB84-F9BA-43D5-87BE-67443E8EF086}">
       <p15:sldGuideLst xmlns:p15="http://schemas.microsoft.com/office/powerpoint/2012/main">
@@ -3155,6 +3252,18 @@
   <p:clrMapOvr>
     <a:masterClrMapping/>
   </p:clrMapOvr>
+  <mc:AlternateContent xmlns:mc="http://schemas.openxmlformats.org/markup-compatibility/2006" xmlns:p159="http://schemas.microsoft.com/office/powerpoint/2015/09/main">
+    <mc:Choice Requires="p159">
+      <p:transition xmlns:p14="http://schemas.microsoft.com/office/powerpoint/2010/main" spd="slow" p14:dur="2000">
+        <p159:morph option="byObject"/>
+      </p:transition>
+    </mc:Choice>
+    <mc:Fallback xmlns="">
+      <p:transition spd="slow">
+        <p:fade/>
+      </p:transition>
+    </mc:Fallback>
+  </mc:AlternateContent>
 </p:sldLayout>
 </file>
 
@@ -3476,6 +3585,18 @@
   <p:clrMapOvr>
     <a:masterClrMapping/>
   </p:clrMapOvr>
+  <mc:AlternateContent xmlns:mc="http://schemas.openxmlformats.org/markup-compatibility/2006" xmlns:p159="http://schemas.microsoft.com/office/powerpoint/2015/09/main">
+    <mc:Choice Requires="p159">
+      <p:transition xmlns:p14="http://schemas.microsoft.com/office/powerpoint/2010/main" spd="slow" p14:dur="2000">
+        <p159:morph option="byObject"/>
+      </p:transition>
+    </mc:Choice>
+    <mc:Fallback xmlns="">
+      <p:transition spd="slow">
+        <p:fade/>
+      </p:transition>
+    </mc:Fallback>
+  </mc:AlternateContent>
 </p:sldLayout>
 </file>
 
@@ -3765,6 +3886,18 @@
   <p:clrMapOvr>
     <a:masterClrMapping/>
   </p:clrMapOvr>
+  <mc:AlternateContent xmlns:mc="http://schemas.openxmlformats.org/markup-compatibility/2006" xmlns:p159="http://schemas.microsoft.com/office/powerpoint/2015/09/main">
+    <mc:Choice Requires="p159">
+      <p:transition xmlns:p14="http://schemas.microsoft.com/office/powerpoint/2010/main" spd="slow" p14:dur="2000">
+        <p159:morph option="byObject"/>
+      </p:transition>
+    </mc:Choice>
+    <mc:Fallback xmlns="">
+      <p:transition spd="slow">
+        <p:fade/>
+      </p:transition>
+    </mc:Fallback>
+  </mc:AlternateContent>
 </p:sldLayout>
 </file>
 
@@ -4008,6 +4141,18 @@
   <p:clrMapOvr>
     <a:masterClrMapping/>
   </p:clrMapOvr>
+  <mc:AlternateContent xmlns:mc="http://schemas.openxmlformats.org/markup-compatibility/2006" xmlns:p159="http://schemas.microsoft.com/office/powerpoint/2015/09/main">
+    <mc:Choice Requires="p159">
+      <p:transition xmlns:p14="http://schemas.microsoft.com/office/powerpoint/2010/main" spd="slow" p14:dur="2000">
+        <p159:morph option="byObject"/>
+      </p:transition>
+    </mc:Choice>
+    <mc:Fallback xmlns="">
+      <p:transition spd="slow">
+        <p:fade/>
+      </p:transition>
+    </mc:Fallback>
+  </mc:AlternateContent>
 </p:sldLayout>
 </file>
 
@@ -4214,6 +4359,18 @@
   <p:clrMapOvr>
     <a:masterClrMapping/>
   </p:clrMapOvr>
+  <mc:AlternateContent xmlns:mc="http://schemas.openxmlformats.org/markup-compatibility/2006" xmlns:p159="http://schemas.microsoft.com/office/powerpoint/2015/09/main">
+    <mc:Choice Requires="p159">
+      <p:transition xmlns:p14="http://schemas.microsoft.com/office/powerpoint/2010/main" spd="slow" p14:dur="2000">
+        <p159:morph option="byObject"/>
+      </p:transition>
+    </mc:Choice>
+    <mc:Fallback xmlns="">
+      <p:transition spd="slow">
+        <p:fade/>
+      </p:transition>
+    </mc:Fallback>
+  </mc:AlternateContent>
 </p:sldLayout>
 </file>
 
@@ -4514,6 +4671,18 @@
   <p:clrMapOvr>
     <a:masterClrMapping/>
   </p:clrMapOvr>
+  <mc:AlternateContent xmlns:mc="http://schemas.openxmlformats.org/markup-compatibility/2006" xmlns:p159="http://schemas.microsoft.com/office/powerpoint/2015/09/main">
+    <mc:Choice Requires="p159">
+      <p:transition xmlns:p14="http://schemas.microsoft.com/office/powerpoint/2010/main" spd="slow" p14:dur="2000">
+        <p159:morph option="byObject"/>
+      </p:transition>
+    </mc:Choice>
+    <mc:Fallback xmlns="">
+      <p:transition spd="slow">
+        <p:fade/>
+      </p:transition>
+    </mc:Fallback>
+  </mc:AlternateContent>
 </p:sldLayout>
 </file>
 
@@ -4814,6 +4983,18 @@
   <p:clrMapOvr>
     <a:masterClrMapping/>
   </p:clrMapOvr>
+  <mc:AlternateContent xmlns:mc="http://schemas.openxmlformats.org/markup-compatibility/2006" xmlns:p159="http://schemas.microsoft.com/office/powerpoint/2015/09/main">
+    <mc:Choice Requires="p159">
+      <p:transition xmlns:p14="http://schemas.microsoft.com/office/powerpoint/2010/main" spd="slow" p14:dur="2000">
+        <p159:morph option="byObject"/>
+      </p:transition>
+    </mc:Choice>
+    <mc:Fallback xmlns="">
+      <p:transition spd="slow">
+        <p:fade/>
+      </p:transition>
+    </mc:Fallback>
+  </mc:AlternateContent>
 </p:sldLayout>
 </file>
 
@@ -5144,6 +5325,18 @@
   <p:clrMapOvr>
     <a:masterClrMapping/>
   </p:clrMapOvr>
+  <mc:AlternateContent xmlns:mc="http://schemas.openxmlformats.org/markup-compatibility/2006" xmlns:p159="http://schemas.microsoft.com/office/powerpoint/2015/09/main">
+    <mc:Choice Requires="p159">
+      <p:transition xmlns:p14="http://schemas.microsoft.com/office/powerpoint/2010/main" spd="slow" p14:dur="2000">
+        <p159:morph option="byObject"/>
+      </p:transition>
+    </mc:Choice>
+    <mc:Fallback xmlns="">
+      <p:transition spd="slow">
+        <p:fade/>
+      </p:transition>
+    </mc:Fallback>
+  </mc:AlternateContent>
 </p:sldLayout>
 </file>
 
@@ -5476,6 +5669,18 @@
     <p:sldLayoutId id="2147483665" r:id="rId14"/>
     <p:sldLayoutId id="2147483666" r:id="rId15"/>
   </p:sldLayoutIdLst>
+  <mc:AlternateContent xmlns:mc="http://schemas.openxmlformats.org/markup-compatibility/2006" xmlns:p159="http://schemas.microsoft.com/office/powerpoint/2015/09/main">
+    <mc:Choice Requires="p159">
+      <p:transition xmlns:p14="http://schemas.microsoft.com/office/powerpoint/2010/main" spd="slow" p14:dur="2000">
+        <p159:morph option="byObject"/>
+      </p:transition>
+    </mc:Choice>
+    <mc:Fallback xmlns="">
+      <p:transition spd="slow">
+        <p:fade/>
+      </p:transition>
+    </mc:Fallback>
+  </mc:AlternateContent>
   <p:hf hdr="0"/>
   <p:txStyles>
     <p:titleStyle>
@@ -5879,13 +6084,18 @@
             <p:ph type="ctrTitle"/>
           </p:nvPr>
         </p:nvSpPr>
-        <p:spPr/>
+        <p:spPr>
+          <a:xfrm>
+            <a:off x="6096000" y="795209"/>
+            <a:ext cx="5724524" cy="1547813"/>
+          </a:xfrm>
+        </p:spPr>
         <p:txBody>
           <a:bodyPr/>
           <a:lstStyle/>
           <a:p>
             <a:r>
-              <a:rPr lang="de-DE" dirty="0"/>
+              <a:rPr lang="de-DE" sz="3200" dirty="0"/>
               <a:t>Organisation App</a:t>
             </a:r>
             <a:br>
@@ -5908,7 +6118,15 @@
             </a:br>
             <a:r>
               <a:rPr lang="de-DE" sz="1450" b="0" dirty="0"/>
-              <a:t>Jan Weller, Leon Beckert, Ángel Currás Sánchez.</a:t>
+              <a:t>Jan Weller, Leon Beckert, Ángel </a:t>
+            </a:r>
+            <a:r>
+              <a:rPr lang="de-DE" sz="1450" b="0" dirty="0" err="1"/>
+              <a:t>Currás</a:t>
+            </a:r>
+            <a:r>
+              <a:rPr lang="de-DE" sz="1450" b="0" dirty="0"/>
+              <a:t> Sánchez</a:t>
             </a:r>
           </a:p>
         </p:txBody>
@@ -5929,7 +6147,12 @@
             <p:ph type="subTitle" idx="1"/>
           </p:nvPr>
         </p:nvSpPr>
-        <p:spPr/>
+        <p:spPr>
+          <a:xfrm>
+            <a:off x="371476" y="1225392"/>
+            <a:ext cx="1794949" cy="307621"/>
+          </a:xfrm>
+        </p:spPr>
         <p:txBody>
           <a:bodyPr/>
           <a:lstStyle/>
@@ -5944,6 +6167,246 @@
           </a:p>
         </p:txBody>
       </p:sp>
+      <p:pic>
+        <p:nvPicPr>
+          <p:cNvPr id="9" name="Picture 8" descr="A red cube with a white strip&#10;&#10;Description automatically generated">
+            <a:extLst>
+              <a:ext uri="{FF2B5EF4-FFF2-40B4-BE49-F238E27FC236}">
+                <a16:creationId xmlns:a16="http://schemas.microsoft.com/office/drawing/2014/main" id="{799D893F-DB5F-D487-45B1-F59A4128B712}"/>
+              </a:ext>
+            </a:extLst>
+          </p:cNvPr>
+          <p:cNvPicPr>
+            <a:picLocks noChangeAspect="1"/>
+          </p:cNvPicPr>
+          <p:nvPr/>
+        </p:nvPicPr>
+        <p:blipFill>
+          <a:blip r:embed="rId2">
+            <a:extLst>
+              <a:ext uri="{28A0092B-C50C-407E-A947-70E740481C1C}">
+                <a14:useLocalDpi xmlns:a14="http://schemas.microsoft.com/office/drawing/2010/main" val="0"/>
+              </a:ext>
+            </a:extLst>
+          </a:blip>
+          <a:stretch>
+            <a:fillRect/>
+          </a:stretch>
+        </p:blipFill>
+        <p:spPr>
+          <a:xfrm>
+            <a:off x="10516826" y="795209"/>
+            <a:ext cx="1303698" cy="1303698"/>
+          </a:xfrm>
+          <a:prstGeom prst="rect">
+            <a:avLst/>
+          </a:prstGeom>
+        </p:spPr>
+      </p:pic>
+      <p:pic>
+        <p:nvPicPr>
+          <p:cNvPr id="11" name="Picture 10" descr="A black and white photo&#10;&#10;Description automatically generated">
+            <a:extLst>
+              <a:ext uri="{FF2B5EF4-FFF2-40B4-BE49-F238E27FC236}">
+                <a16:creationId xmlns:a16="http://schemas.microsoft.com/office/drawing/2014/main" id="{25A6355F-EC4F-1B1D-08AD-780FC07C8663}"/>
+              </a:ext>
+            </a:extLst>
+          </p:cNvPr>
+          <p:cNvPicPr>
+            <a:picLocks noChangeAspect="1"/>
+          </p:cNvPicPr>
+          <p:nvPr/>
+        </p:nvPicPr>
+        <p:blipFill>
+          <a:blip r:embed="rId3">
+            <a:extLst>
+              <a:ext uri="{28A0092B-C50C-407E-A947-70E740481C1C}">
+                <a14:useLocalDpi xmlns:a14="http://schemas.microsoft.com/office/drawing/2010/main" val="0"/>
+              </a:ext>
+            </a:extLst>
+          </a:blip>
+          <a:stretch>
+            <a:fillRect/>
+          </a:stretch>
+        </p:blipFill>
+        <p:spPr>
+          <a:xfrm>
+            <a:off x="10357934" y="1985951"/>
+            <a:ext cx="1621482" cy="357071"/>
+          </a:xfrm>
+          <a:prstGeom prst="rect">
+            <a:avLst/>
+          </a:prstGeom>
+        </p:spPr>
+      </p:pic>
+      <p:pic>
+        <p:nvPicPr>
+          <p:cNvPr id="12" name="Graphic 11">
+            <a:extLst>
+              <a:ext uri="{FF2B5EF4-FFF2-40B4-BE49-F238E27FC236}">
+                <a16:creationId xmlns:a16="http://schemas.microsoft.com/office/drawing/2014/main" id="{8AC3378D-1299-8597-6A79-B8010CB8D63D}"/>
+              </a:ext>
+            </a:extLst>
+          </p:cNvPr>
+          <p:cNvPicPr>
+            <a:picLocks noChangeAspect="1"/>
+          </p:cNvPicPr>
+          <p:nvPr/>
+        </p:nvPicPr>
+        <p:blipFill>
+          <a:blip r:embed="rId4">
+            <a:extLst>
+              <a:ext uri="{28A0092B-C50C-407E-A947-70E740481C1C}">
+                <a14:useLocalDpi xmlns:a14="http://schemas.microsoft.com/office/drawing/2010/main" val="0"/>
+              </a:ext>
+              <a:ext uri="{96DAC541-7B7A-43D3-8B79-37D633B846F1}">
+                <asvg:svgBlip xmlns:asvg="http://schemas.microsoft.com/office/drawing/2016/SVG/main" r:embed="rId5"/>
+              </a:ext>
+            </a:extLst>
+          </a:blip>
+          <a:stretch>
+            <a:fillRect/>
+          </a:stretch>
+        </p:blipFill>
+        <p:spPr>
+          <a:xfrm>
+            <a:off x="8550478" y="3564710"/>
+            <a:ext cx="3270046" cy="950269"/>
+          </a:xfrm>
+          <a:prstGeom prst="rect">
+            <a:avLst/>
+          </a:prstGeom>
+        </p:spPr>
+      </p:pic>
+      <p:pic>
+        <p:nvPicPr>
+          <p:cNvPr id="13" name="Graphic 12">
+            <a:extLst>
+              <a:ext uri="{FF2B5EF4-FFF2-40B4-BE49-F238E27FC236}">
+                <a16:creationId xmlns:a16="http://schemas.microsoft.com/office/drawing/2014/main" id="{A7292ADD-A39E-A66E-C6F4-62C54FF88ADB}"/>
+              </a:ext>
+            </a:extLst>
+          </p:cNvPr>
+          <p:cNvPicPr>
+            <a:picLocks noChangeAspect="1"/>
+          </p:cNvPicPr>
+          <p:nvPr/>
+        </p:nvPicPr>
+        <p:blipFill>
+          <a:blip r:embed="rId6">
+            <a:extLst>
+              <a:ext uri="{28A0092B-C50C-407E-A947-70E740481C1C}">
+                <a14:useLocalDpi xmlns:a14="http://schemas.microsoft.com/office/drawing/2010/main" val="0"/>
+              </a:ext>
+              <a:ext uri="{96DAC541-7B7A-43D3-8B79-37D633B846F1}">
+                <asvg:svgBlip xmlns:asvg="http://schemas.microsoft.com/office/drawing/2016/SVG/main" r:embed="rId7"/>
+              </a:ext>
+            </a:extLst>
+          </a:blip>
+          <a:stretch>
+            <a:fillRect/>
+          </a:stretch>
+        </p:blipFill>
+        <p:spPr>
+          <a:xfrm>
+            <a:off x="8550478" y="4786112"/>
+            <a:ext cx="3270046" cy="840869"/>
+          </a:xfrm>
+          <a:prstGeom prst="rect">
+            <a:avLst/>
+          </a:prstGeom>
+        </p:spPr>
+      </p:pic>
+      <p:pic>
+        <p:nvPicPr>
+          <p:cNvPr id="14" name="Picture 13">
+            <a:extLst>
+              <a:ext uri="{FF2B5EF4-FFF2-40B4-BE49-F238E27FC236}">
+                <a16:creationId xmlns:a16="http://schemas.microsoft.com/office/drawing/2014/main" id="{39AF0AF6-4192-70B0-2446-D7F91E4C3650}"/>
+              </a:ext>
+            </a:extLst>
+          </p:cNvPr>
+          <p:cNvPicPr>
+            <a:picLocks noChangeAspect="1"/>
+          </p:cNvPicPr>
+          <p:nvPr/>
+        </p:nvPicPr>
+        <p:blipFill>
+          <a:blip r:embed="rId8"/>
+          <a:stretch>
+            <a:fillRect/>
+          </a:stretch>
+        </p:blipFill>
+        <p:spPr>
+          <a:xfrm flipH="1">
+            <a:off x="-269771" y="2985867"/>
+            <a:ext cx="122959" cy="273767"/>
+          </a:xfrm>
+          <a:prstGeom prst="rect">
+            <a:avLst/>
+          </a:prstGeom>
+        </p:spPr>
+      </p:pic>
+      <p:pic>
+        <p:nvPicPr>
+          <p:cNvPr id="15" name="Picture 14">
+            <a:extLst>
+              <a:ext uri="{FF2B5EF4-FFF2-40B4-BE49-F238E27FC236}">
+                <a16:creationId xmlns:a16="http://schemas.microsoft.com/office/drawing/2014/main" id="{D5D36A35-0510-45A4-944E-81ECC83E8BC6}"/>
+              </a:ext>
+            </a:extLst>
+          </p:cNvPr>
+          <p:cNvPicPr>
+            <a:picLocks noChangeAspect="1"/>
+          </p:cNvPicPr>
+          <p:nvPr/>
+        </p:nvPicPr>
+        <p:blipFill>
+          <a:blip r:embed="rId9"/>
+          <a:stretch>
+            <a:fillRect/>
+          </a:stretch>
+        </p:blipFill>
+        <p:spPr>
+          <a:xfrm>
+            <a:off x="12346528" y="93835"/>
+            <a:ext cx="166685" cy="370092"/>
+          </a:xfrm>
+          <a:prstGeom prst="rect">
+            <a:avLst/>
+          </a:prstGeom>
+        </p:spPr>
+      </p:pic>
+      <p:pic>
+        <p:nvPicPr>
+          <p:cNvPr id="16" name="Picture 15">
+            <a:extLst>
+              <a:ext uri="{FF2B5EF4-FFF2-40B4-BE49-F238E27FC236}">
+                <a16:creationId xmlns:a16="http://schemas.microsoft.com/office/drawing/2014/main" id="{840006E2-C874-F476-D0DE-3B892ED16BA4}"/>
+              </a:ext>
+            </a:extLst>
+          </p:cNvPr>
+          <p:cNvPicPr>
+            <a:picLocks noChangeAspect="1"/>
+          </p:cNvPicPr>
+          <p:nvPr/>
+        </p:nvPicPr>
+        <p:blipFill>
+          <a:blip r:embed="rId10"/>
+          <a:stretch>
+            <a:fillRect/>
+          </a:stretch>
+        </p:blipFill>
+        <p:spPr>
+          <a:xfrm flipH="1">
+            <a:off x="12513213" y="5531802"/>
+            <a:ext cx="85407" cy="190358"/>
+          </a:xfrm>
+          <a:prstGeom prst="rect">
+            <a:avLst/>
+          </a:prstGeom>
+        </p:spPr>
+      </p:pic>
     </p:spTree>
     <p:extLst>
       <p:ext uri="{BB962C8B-B14F-4D97-AF65-F5344CB8AC3E}">
@@ -5954,6 +6417,3350 @@
   <p:clrMapOvr>
     <a:masterClrMapping/>
   </p:clrMapOvr>
+  <mc:AlternateContent xmlns:mc="http://schemas.openxmlformats.org/markup-compatibility/2006">
+    <mc:Choice xmlns:p159="http://schemas.microsoft.com/office/powerpoint/2015/09/main" Requires="p159">
+      <p:transition xmlns:p14="http://schemas.microsoft.com/office/powerpoint/2010/main" spd="slow" p14:dur="2000">
+        <p159:morph option="byObject"/>
+      </p:transition>
+    </mc:Choice>
+    <mc:Fallback>
+      <p:transition spd="slow">
+        <p:fade/>
+      </p:transition>
+    </mc:Fallback>
+  </mc:AlternateContent>
+</p:sld>
+</file>
+
+<file path=ppt/slides/slide10.xml><?xml version="1.0" encoding="utf-8"?>
+<p:sld xmlns:a="http://schemas.openxmlformats.org/drawingml/2006/main" xmlns:r="http://schemas.openxmlformats.org/officeDocument/2006/relationships" xmlns:p="http://schemas.openxmlformats.org/presentationml/2006/main">
+  <p:cSld>
+    <p:spTree>
+      <p:nvGrpSpPr>
+        <p:cNvPr id="1" name="">
+          <a:extLst>
+            <a:ext uri="{FF2B5EF4-FFF2-40B4-BE49-F238E27FC236}">
+              <a16:creationId xmlns:a16="http://schemas.microsoft.com/office/drawing/2014/main" id="{D95D33F7-838D-1E58-7582-264475B65540}"/>
+            </a:ext>
+          </a:extLst>
+        </p:cNvPr>
+        <p:cNvGrpSpPr/>
+        <p:nvPr/>
+      </p:nvGrpSpPr>
+      <p:grpSpPr>
+        <a:xfrm>
+          <a:off x="0" y="0"/>
+          <a:ext cx="0" cy="0"/>
+          <a:chOff x="0" y="0"/>
+          <a:chExt cx="0" cy="0"/>
+        </a:xfrm>
+      </p:grpSpPr>
+      <p:sp>
+        <p:nvSpPr>
+          <p:cNvPr id="2" name="Titel 1">
+            <a:extLst>
+              <a:ext uri="{FF2B5EF4-FFF2-40B4-BE49-F238E27FC236}">
+                <a16:creationId xmlns:a16="http://schemas.microsoft.com/office/drawing/2014/main" id="{164F1F0A-6B74-2094-F193-CD5DA5E26837}"/>
+              </a:ext>
+            </a:extLst>
+          </p:cNvPr>
+          <p:cNvSpPr>
+            <a:spLocks noGrp="1"/>
+          </p:cNvSpPr>
+          <p:nvPr>
+            <p:ph type="title"/>
+          </p:nvPr>
+        </p:nvSpPr>
+        <p:spPr>
+          <a:xfrm>
+            <a:off x="582489" y="506469"/>
+            <a:ext cx="5364164" cy="648000"/>
+          </a:xfrm>
+        </p:spPr>
+        <p:txBody>
+          <a:bodyPr/>
+          <a:lstStyle/>
+          <a:p>
+            <a:r>
+              <a:rPr lang="de-DE" sz="3200" dirty="0">
+                <a:cs typeface="Arial"/>
+              </a:rPr>
+              <a:t>Live Demo</a:t>
+            </a:r>
+            <a:endParaRPr lang="de-DE" sz="3200" dirty="0"/>
+          </a:p>
+        </p:txBody>
+      </p:sp>
+      <p:sp>
+        <p:nvSpPr>
+          <p:cNvPr id="3" name="Inhaltsplatzhalter 2">
+            <a:extLst>
+              <a:ext uri="{FF2B5EF4-FFF2-40B4-BE49-F238E27FC236}">
+                <a16:creationId xmlns:a16="http://schemas.microsoft.com/office/drawing/2014/main" id="{54A1FD04-8F70-A1FB-C8C3-841D861A2C55}"/>
+              </a:ext>
+            </a:extLst>
+          </p:cNvPr>
+          <p:cNvSpPr>
+            <a:spLocks noGrp="1"/>
+          </p:cNvSpPr>
+          <p:nvPr>
+            <p:ph idx="1"/>
+          </p:nvPr>
+        </p:nvSpPr>
+        <p:spPr>
+          <a:xfrm>
+            <a:off x="757762" y="1374631"/>
+            <a:ext cx="11062762" cy="4456427"/>
+          </a:xfrm>
+        </p:spPr>
+        <p:txBody>
+          <a:bodyPr/>
+          <a:lstStyle/>
+          <a:p>
+            <a:pPr lvl="1">
+              <a:lnSpc>
+                <a:spcPct val="150000"/>
+              </a:lnSpc>
+              <a:buFont typeface="Arial" panose="020B0604020202020204" pitchFamily="34" charset="0"/>
+              <a:buChar char="•"/>
+            </a:pPr>
+            <a:endParaRPr lang="de-DE" sz="2400" dirty="0"/>
+          </a:p>
+          <a:p>
+            <a:pPr marL="180975" lvl="1" indent="0">
+              <a:lnSpc>
+                <a:spcPct val="150000"/>
+              </a:lnSpc>
+              <a:buNone/>
+            </a:pPr>
+            <a:endParaRPr lang="de-DE" sz="2400" dirty="0"/>
+          </a:p>
+          <a:p>
+            <a:pPr>
+              <a:lnSpc>
+                <a:spcPct val="150000"/>
+              </a:lnSpc>
+              <a:buFont typeface="Wingdings" panose="05000000000000000000" pitchFamily="2" charset="2"/>
+              <a:buChar char="§"/>
+            </a:pPr>
+            <a:endParaRPr lang="de-DE" sz="2400" dirty="0"/>
+          </a:p>
+          <a:p>
+            <a:pPr>
+              <a:lnSpc>
+                <a:spcPct val="150000"/>
+              </a:lnSpc>
+            </a:pPr>
+            <a:endParaRPr lang="de-DE" sz="2000" dirty="0"/>
+          </a:p>
+          <a:p>
+            <a:pPr>
+              <a:lnSpc>
+                <a:spcPct val="150000"/>
+              </a:lnSpc>
+            </a:pPr>
+            <a:endParaRPr lang="de-DE" sz="2000" dirty="0"/>
+          </a:p>
+          <a:p>
+            <a:pPr>
+              <a:lnSpc>
+                <a:spcPct val="150000"/>
+              </a:lnSpc>
+            </a:pPr>
+            <a:endParaRPr lang="de-DE" sz="2000" dirty="0"/>
+          </a:p>
+          <a:p>
+            <a:pPr>
+              <a:lnSpc>
+                <a:spcPct val="150000"/>
+              </a:lnSpc>
+            </a:pPr>
+            <a:endParaRPr lang="en-US" sz="2000" dirty="0"/>
+          </a:p>
+        </p:txBody>
+      </p:sp>
+      <p:sp>
+        <p:nvSpPr>
+          <p:cNvPr id="4" name="Datumsplatzhalter 3">
+            <a:extLst>
+              <a:ext uri="{FF2B5EF4-FFF2-40B4-BE49-F238E27FC236}">
+                <a16:creationId xmlns:a16="http://schemas.microsoft.com/office/drawing/2014/main" id="{F7BA9256-2450-08FE-52C3-C939BE79AB5A}"/>
+              </a:ext>
+            </a:extLst>
+          </p:cNvPr>
+          <p:cNvSpPr>
+            <a:spLocks noGrp="1"/>
+          </p:cNvSpPr>
+          <p:nvPr>
+            <p:ph type="dt" sz="half" idx="10"/>
+          </p:nvPr>
+        </p:nvSpPr>
+        <p:spPr>
+          <a:xfrm>
+            <a:off x="1789332" y="6069025"/>
+            <a:ext cx="3084342" cy="550838"/>
+          </a:xfrm>
+        </p:spPr>
+        <p:txBody>
+          <a:bodyPr/>
+          <a:lstStyle/>
+          <a:p>
+            <a:r>
+              <a:rPr lang="de-DE" dirty="0"/>
+              <a:t>Organisation App </a:t>
+            </a:r>
+          </a:p>
+          <a:p>
+            <a:r>
+              <a:rPr lang="en-US" dirty="0"/>
+              <a:t>18.01.2024</a:t>
+            </a:r>
+          </a:p>
+          <a:p>
+            <a:r>
+              <a:rPr lang="de-DE" sz="1100" b="0" dirty="0"/>
+              <a:t>Jan Weller, Leon Beckert, Ángel </a:t>
+            </a:r>
+            <a:r>
+              <a:rPr lang="de-DE" sz="1100" b="0" dirty="0" err="1"/>
+              <a:t>Currás</a:t>
+            </a:r>
+            <a:r>
+              <a:rPr lang="de-DE" sz="1100" b="0" dirty="0"/>
+              <a:t> Sánchez</a:t>
+            </a:r>
+            <a:endParaRPr lang="de-DE" dirty="0"/>
+          </a:p>
+        </p:txBody>
+      </p:sp>
+      <p:sp>
+        <p:nvSpPr>
+          <p:cNvPr id="8" name="Foliennummernplatzhalter 7">
+            <a:extLst>
+              <a:ext uri="{FF2B5EF4-FFF2-40B4-BE49-F238E27FC236}">
+                <a16:creationId xmlns:a16="http://schemas.microsoft.com/office/drawing/2014/main" id="{7B28D70B-1F88-1D03-C46A-4C0F9C9DD011}"/>
+              </a:ext>
+            </a:extLst>
+          </p:cNvPr>
+          <p:cNvSpPr>
+            <a:spLocks noGrp="1"/>
+          </p:cNvSpPr>
+          <p:nvPr>
+            <p:ph type="sldNum" sz="quarter" idx="12"/>
+          </p:nvPr>
+        </p:nvSpPr>
+        <p:spPr/>
+        <p:txBody>
+          <a:bodyPr/>
+          <a:lstStyle/>
+          <a:p>
+            <a:fld id="{A13361CF-9A47-4C8C-A01E-566DC0626ACC}" type="slidenum">
+              <a:rPr lang="de-DE" smtClean="0"/>
+              <a:t>10</a:t>
+            </a:fld>
+            <a:endParaRPr lang="de-DE"/>
+          </a:p>
+        </p:txBody>
+      </p:sp>
+      <p:pic>
+        <p:nvPicPr>
+          <p:cNvPr id="5" name="Graphic 4">
+            <a:extLst>
+              <a:ext uri="{FF2B5EF4-FFF2-40B4-BE49-F238E27FC236}">
+                <a16:creationId xmlns:a16="http://schemas.microsoft.com/office/drawing/2014/main" id="{A2EB0EC6-B9AB-38A4-3885-DAD2ADC17F12}"/>
+              </a:ext>
+            </a:extLst>
+          </p:cNvPr>
+          <p:cNvPicPr>
+            <a:picLocks noChangeAspect="1"/>
+          </p:cNvPicPr>
+          <p:nvPr/>
+        </p:nvPicPr>
+        <p:blipFill>
+          <a:blip r:embed="rId2">
+            <a:extLst>
+              <a:ext uri="{28A0092B-C50C-407E-A947-70E740481C1C}">
+                <a14:useLocalDpi xmlns:a14="http://schemas.microsoft.com/office/drawing/2010/main" val="0"/>
+              </a:ext>
+              <a:ext uri="{96DAC541-7B7A-43D3-8B79-37D633B846F1}">
+                <asvg:svgBlip xmlns:asvg="http://schemas.microsoft.com/office/drawing/2016/SVG/main" r:embed="rId3"/>
+              </a:ext>
+            </a:extLst>
+          </a:blip>
+          <a:stretch>
+            <a:fillRect/>
+          </a:stretch>
+        </p:blipFill>
+        <p:spPr>
+          <a:xfrm>
+            <a:off x="7082473" y="6064883"/>
+            <a:ext cx="1881279" cy="546696"/>
+          </a:xfrm>
+          <a:prstGeom prst="rect">
+            <a:avLst/>
+          </a:prstGeom>
+        </p:spPr>
+      </p:pic>
+      <p:pic>
+        <p:nvPicPr>
+          <p:cNvPr id="9" name="Graphic 8">
+            <a:extLst>
+              <a:ext uri="{FF2B5EF4-FFF2-40B4-BE49-F238E27FC236}">
+                <a16:creationId xmlns:a16="http://schemas.microsoft.com/office/drawing/2014/main" id="{BF7E26CB-B3D9-04E2-EE7D-E646F0FC071E}"/>
+              </a:ext>
+            </a:extLst>
+          </p:cNvPr>
+          <p:cNvPicPr>
+            <a:picLocks noChangeAspect="1"/>
+          </p:cNvPicPr>
+          <p:nvPr/>
+        </p:nvPicPr>
+        <p:blipFill>
+          <a:blip r:embed="rId4">
+            <a:extLst>
+              <a:ext uri="{28A0092B-C50C-407E-A947-70E740481C1C}">
+                <a14:useLocalDpi xmlns:a14="http://schemas.microsoft.com/office/drawing/2010/main" val="0"/>
+              </a:ext>
+              <a:ext uri="{96DAC541-7B7A-43D3-8B79-37D633B846F1}">
+                <asvg:svgBlip xmlns:asvg="http://schemas.microsoft.com/office/drawing/2016/SVG/main" r:embed="rId5"/>
+              </a:ext>
+            </a:extLst>
+          </a:blip>
+          <a:stretch>
+            <a:fillRect/>
+          </a:stretch>
+        </p:blipFill>
+        <p:spPr>
+          <a:xfrm>
+            <a:off x="9400100" y="6069025"/>
+            <a:ext cx="2177611" cy="559957"/>
+          </a:xfrm>
+          <a:prstGeom prst="rect">
+            <a:avLst/>
+          </a:prstGeom>
+        </p:spPr>
+      </p:pic>
+      <p:pic>
+        <p:nvPicPr>
+          <p:cNvPr id="11" name="Picture 10" descr="A red cube with a white strip&#10;&#10;Description automatically generated">
+            <a:extLst>
+              <a:ext uri="{FF2B5EF4-FFF2-40B4-BE49-F238E27FC236}">
+                <a16:creationId xmlns:a16="http://schemas.microsoft.com/office/drawing/2014/main" id="{5F2E7CED-EDE6-C06E-BE7E-BB73F9E20090}"/>
+              </a:ext>
+            </a:extLst>
+          </p:cNvPr>
+          <p:cNvPicPr>
+            <a:picLocks noChangeAspect="1"/>
+          </p:cNvPicPr>
+          <p:nvPr/>
+        </p:nvPicPr>
+        <p:blipFill>
+          <a:blip r:embed="rId6">
+            <a:extLst>
+              <a:ext uri="{28A0092B-C50C-407E-A947-70E740481C1C}">
+                <a14:useLocalDpi xmlns:a14="http://schemas.microsoft.com/office/drawing/2010/main" val="0"/>
+              </a:ext>
+            </a:extLst>
+          </a:blip>
+          <a:stretch>
+            <a:fillRect/>
+          </a:stretch>
+        </p:blipFill>
+        <p:spPr>
+          <a:xfrm>
+            <a:off x="6096000" y="6064883"/>
+            <a:ext cx="550838" cy="550838"/>
+          </a:xfrm>
+          <a:prstGeom prst="rect">
+            <a:avLst/>
+          </a:prstGeom>
+        </p:spPr>
+      </p:pic>
+      <p:pic>
+        <p:nvPicPr>
+          <p:cNvPr id="13" name="Picture 12" descr="A black and white photo&#10;&#10;Description automatically generated">
+            <a:extLst>
+              <a:ext uri="{FF2B5EF4-FFF2-40B4-BE49-F238E27FC236}">
+                <a16:creationId xmlns:a16="http://schemas.microsoft.com/office/drawing/2014/main" id="{7EBE25DC-6FC1-2898-2BBF-EA1CFB3069E5}"/>
+              </a:ext>
+            </a:extLst>
+          </p:cNvPr>
+          <p:cNvPicPr>
+            <a:picLocks noChangeAspect="1"/>
+          </p:cNvPicPr>
+          <p:nvPr/>
+        </p:nvPicPr>
+        <p:blipFill>
+          <a:blip r:embed="rId7">
+            <a:extLst>
+              <a:ext uri="{28A0092B-C50C-407E-A947-70E740481C1C}">
+                <a14:useLocalDpi xmlns:a14="http://schemas.microsoft.com/office/drawing/2010/main" val="0"/>
+              </a:ext>
+            </a:extLst>
+          </a:blip>
+          <a:stretch>
+            <a:fillRect/>
+          </a:stretch>
+        </p:blipFill>
+        <p:spPr>
+          <a:xfrm>
+            <a:off x="6096713" y="6585802"/>
+            <a:ext cx="549412" cy="166325"/>
+          </a:xfrm>
+          <a:prstGeom prst="rect">
+            <a:avLst/>
+          </a:prstGeom>
+        </p:spPr>
+      </p:pic>
+      <p:pic>
+        <p:nvPicPr>
+          <p:cNvPr id="10" name="Picture 9">
+            <a:extLst>
+              <a:ext uri="{FF2B5EF4-FFF2-40B4-BE49-F238E27FC236}">
+                <a16:creationId xmlns:a16="http://schemas.microsoft.com/office/drawing/2014/main" id="{C5AAA963-F060-47D1-DBD5-9019E8F326E8}"/>
+              </a:ext>
+            </a:extLst>
+          </p:cNvPr>
+          <p:cNvPicPr>
+            <a:picLocks noChangeAspect="1"/>
+          </p:cNvPicPr>
+          <p:nvPr/>
+        </p:nvPicPr>
+        <p:blipFill>
+          <a:blip r:embed="rId8"/>
+          <a:stretch>
+            <a:fillRect/>
+          </a:stretch>
+        </p:blipFill>
+        <p:spPr>
+          <a:xfrm>
+            <a:off x="3264571" y="760852"/>
+            <a:ext cx="5632249" cy="4823092"/>
+          </a:xfrm>
+          <a:prstGeom prst="rect">
+            <a:avLst/>
+          </a:prstGeom>
+        </p:spPr>
+      </p:pic>
+    </p:spTree>
+    <p:extLst>
+      <p:ext uri="{BB962C8B-B14F-4D97-AF65-F5344CB8AC3E}">
+        <p14:creationId xmlns:p14="http://schemas.microsoft.com/office/powerpoint/2010/main" val="76830410"/>
+      </p:ext>
+    </p:extLst>
+  </p:cSld>
+  <p:clrMapOvr>
+    <a:masterClrMapping/>
+  </p:clrMapOvr>
+  <mc:AlternateContent xmlns:mc="http://schemas.openxmlformats.org/markup-compatibility/2006">
+    <mc:Choice xmlns:p15="http://schemas.microsoft.com/office/powerpoint/2012/main" Requires="p15">
+      <p:transition xmlns:p14="http://schemas.microsoft.com/office/powerpoint/2010/main" spd="slow" p14:dur="2500">
+        <p15:prstTrans prst="curtains"/>
+      </p:transition>
+    </mc:Choice>
+    <mc:Fallback>
+      <p:transition spd="slow">
+        <p:fade/>
+      </p:transition>
+    </mc:Fallback>
+  </mc:AlternateContent>
+</p:sld>
+</file>
+
+<file path=ppt/slides/slide11.xml><?xml version="1.0" encoding="utf-8"?>
+<p:sld xmlns:a="http://schemas.openxmlformats.org/drawingml/2006/main" xmlns:r="http://schemas.openxmlformats.org/officeDocument/2006/relationships" xmlns:p="http://schemas.openxmlformats.org/presentationml/2006/main">
+  <p:cSld>
+    <p:spTree>
+      <p:nvGrpSpPr>
+        <p:cNvPr id="1" name="">
+          <a:extLst>
+            <a:ext uri="{FF2B5EF4-FFF2-40B4-BE49-F238E27FC236}">
+              <a16:creationId xmlns:a16="http://schemas.microsoft.com/office/drawing/2014/main" id="{3589D051-BCC5-52BF-2E9E-05A0F900773F}"/>
+            </a:ext>
+          </a:extLst>
+        </p:cNvPr>
+        <p:cNvGrpSpPr/>
+        <p:nvPr/>
+      </p:nvGrpSpPr>
+      <p:grpSpPr>
+        <a:xfrm>
+          <a:off x="0" y="0"/>
+          <a:ext cx="0" cy="0"/>
+          <a:chOff x="0" y="0"/>
+          <a:chExt cx="0" cy="0"/>
+        </a:xfrm>
+      </p:grpSpPr>
+      <p:sp>
+        <p:nvSpPr>
+          <p:cNvPr id="2" name="Titel 1">
+            <a:extLst>
+              <a:ext uri="{FF2B5EF4-FFF2-40B4-BE49-F238E27FC236}">
+                <a16:creationId xmlns:a16="http://schemas.microsoft.com/office/drawing/2014/main" id="{4967A190-3EB9-E924-23D3-7A154A95BFE8}"/>
+              </a:ext>
+            </a:extLst>
+          </p:cNvPr>
+          <p:cNvSpPr>
+            <a:spLocks noGrp="1"/>
+          </p:cNvSpPr>
+          <p:nvPr>
+            <p:ph type="title"/>
+          </p:nvPr>
+        </p:nvSpPr>
+        <p:spPr>
+          <a:xfrm>
+            <a:off x="582488" y="506469"/>
+            <a:ext cx="8554637" cy="648000"/>
+          </a:xfrm>
+        </p:spPr>
+        <p:txBody>
+          <a:bodyPr/>
+          <a:lstStyle/>
+          <a:p>
+            <a:r>
+              <a:rPr lang="de-DE" sz="3200" dirty="0">
+                <a:cs typeface="Arial"/>
+              </a:rPr>
+              <a:t>Was konnte nicht umgesetzt werden?</a:t>
+            </a:r>
+            <a:endParaRPr lang="de-DE" sz="3200" dirty="0"/>
+          </a:p>
+        </p:txBody>
+      </p:sp>
+      <p:sp>
+        <p:nvSpPr>
+          <p:cNvPr id="3" name="Inhaltsplatzhalter 2">
+            <a:extLst>
+              <a:ext uri="{FF2B5EF4-FFF2-40B4-BE49-F238E27FC236}">
+                <a16:creationId xmlns:a16="http://schemas.microsoft.com/office/drawing/2014/main" id="{EF0D5BDE-11D5-C9D8-1AA5-B77BE79AF486}"/>
+              </a:ext>
+            </a:extLst>
+          </p:cNvPr>
+          <p:cNvSpPr>
+            <a:spLocks noGrp="1"/>
+          </p:cNvSpPr>
+          <p:nvPr>
+            <p:ph idx="1"/>
+          </p:nvPr>
+        </p:nvSpPr>
+        <p:spPr>
+          <a:xfrm>
+            <a:off x="757762" y="1374631"/>
+            <a:ext cx="11062762" cy="4456427"/>
+          </a:xfrm>
+        </p:spPr>
+        <p:txBody>
+          <a:bodyPr/>
+          <a:lstStyle/>
+          <a:p>
+            <a:pPr marL="180975" lvl="1" indent="0">
+              <a:lnSpc>
+                <a:spcPct val="150000"/>
+              </a:lnSpc>
+              <a:buNone/>
+            </a:pPr>
+            <a:endParaRPr lang="de-DE" sz="2400" dirty="0"/>
+          </a:p>
+          <a:p>
+            <a:pPr marL="180975" lvl="1" indent="0">
+              <a:lnSpc>
+                <a:spcPct val="150000"/>
+              </a:lnSpc>
+              <a:buNone/>
+            </a:pPr>
+            <a:endParaRPr lang="de-DE" sz="2400" dirty="0"/>
+          </a:p>
+          <a:p>
+            <a:pPr>
+              <a:lnSpc>
+                <a:spcPct val="150000"/>
+              </a:lnSpc>
+              <a:buFont typeface="Wingdings" panose="05000000000000000000" pitchFamily="2" charset="2"/>
+              <a:buChar char="§"/>
+            </a:pPr>
+            <a:endParaRPr lang="de-DE" sz="2400" dirty="0"/>
+          </a:p>
+          <a:p>
+            <a:pPr>
+              <a:lnSpc>
+                <a:spcPct val="150000"/>
+              </a:lnSpc>
+            </a:pPr>
+            <a:endParaRPr lang="de-DE" sz="2000" dirty="0"/>
+          </a:p>
+          <a:p>
+            <a:pPr>
+              <a:lnSpc>
+                <a:spcPct val="150000"/>
+              </a:lnSpc>
+            </a:pPr>
+            <a:endParaRPr lang="de-DE" sz="2000" dirty="0"/>
+          </a:p>
+          <a:p>
+            <a:pPr>
+              <a:lnSpc>
+                <a:spcPct val="150000"/>
+              </a:lnSpc>
+            </a:pPr>
+            <a:endParaRPr lang="de-DE" sz="2000" dirty="0"/>
+          </a:p>
+          <a:p>
+            <a:pPr>
+              <a:lnSpc>
+                <a:spcPct val="150000"/>
+              </a:lnSpc>
+            </a:pPr>
+            <a:endParaRPr lang="en-US" sz="2000" dirty="0"/>
+          </a:p>
+        </p:txBody>
+      </p:sp>
+      <p:sp>
+        <p:nvSpPr>
+          <p:cNvPr id="4" name="Datumsplatzhalter 3">
+            <a:extLst>
+              <a:ext uri="{FF2B5EF4-FFF2-40B4-BE49-F238E27FC236}">
+                <a16:creationId xmlns:a16="http://schemas.microsoft.com/office/drawing/2014/main" id="{6A2253C9-CA27-160C-3101-B3844C43F1B2}"/>
+              </a:ext>
+            </a:extLst>
+          </p:cNvPr>
+          <p:cNvSpPr>
+            <a:spLocks noGrp="1"/>
+          </p:cNvSpPr>
+          <p:nvPr>
+            <p:ph type="dt" sz="half" idx="10"/>
+          </p:nvPr>
+        </p:nvSpPr>
+        <p:spPr>
+          <a:xfrm>
+            <a:off x="1789332" y="6069025"/>
+            <a:ext cx="3084342" cy="550838"/>
+          </a:xfrm>
+        </p:spPr>
+        <p:txBody>
+          <a:bodyPr/>
+          <a:lstStyle/>
+          <a:p>
+            <a:r>
+              <a:rPr lang="de-DE" dirty="0"/>
+              <a:t>Organisation App </a:t>
+            </a:r>
+          </a:p>
+          <a:p>
+            <a:r>
+              <a:rPr lang="en-US" dirty="0"/>
+              <a:t>18.01.2024</a:t>
+            </a:r>
+          </a:p>
+          <a:p>
+            <a:r>
+              <a:rPr lang="de-DE" sz="1100" b="0" dirty="0"/>
+              <a:t>Jan Weller, Leon Beckert, Ángel </a:t>
+            </a:r>
+            <a:r>
+              <a:rPr lang="de-DE" sz="1100" b="0" dirty="0" err="1"/>
+              <a:t>Currás</a:t>
+            </a:r>
+            <a:r>
+              <a:rPr lang="de-DE" sz="1100" b="0" dirty="0"/>
+              <a:t> Sánchez</a:t>
+            </a:r>
+            <a:endParaRPr lang="de-DE" dirty="0"/>
+          </a:p>
+        </p:txBody>
+      </p:sp>
+      <p:sp>
+        <p:nvSpPr>
+          <p:cNvPr id="8" name="Foliennummernplatzhalter 7">
+            <a:extLst>
+              <a:ext uri="{FF2B5EF4-FFF2-40B4-BE49-F238E27FC236}">
+                <a16:creationId xmlns:a16="http://schemas.microsoft.com/office/drawing/2014/main" id="{A9F48674-E293-EADA-EA68-4DBB99D52A85}"/>
+              </a:ext>
+            </a:extLst>
+          </p:cNvPr>
+          <p:cNvSpPr>
+            <a:spLocks noGrp="1"/>
+          </p:cNvSpPr>
+          <p:nvPr>
+            <p:ph type="sldNum" sz="quarter" idx="12"/>
+          </p:nvPr>
+        </p:nvSpPr>
+        <p:spPr/>
+        <p:txBody>
+          <a:bodyPr/>
+          <a:lstStyle/>
+          <a:p>
+            <a:fld id="{A13361CF-9A47-4C8C-A01E-566DC0626ACC}" type="slidenum">
+              <a:rPr lang="de-DE" smtClean="0"/>
+              <a:t>11</a:t>
+            </a:fld>
+            <a:endParaRPr lang="de-DE"/>
+          </a:p>
+        </p:txBody>
+      </p:sp>
+      <p:pic>
+        <p:nvPicPr>
+          <p:cNvPr id="5" name="Graphic 4">
+            <a:extLst>
+              <a:ext uri="{FF2B5EF4-FFF2-40B4-BE49-F238E27FC236}">
+                <a16:creationId xmlns:a16="http://schemas.microsoft.com/office/drawing/2014/main" id="{76470EC3-76CB-AF77-6D53-358C86D5DAA1}"/>
+              </a:ext>
+            </a:extLst>
+          </p:cNvPr>
+          <p:cNvPicPr>
+            <a:picLocks noChangeAspect="1"/>
+          </p:cNvPicPr>
+          <p:nvPr/>
+        </p:nvPicPr>
+        <p:blipFill>
+          <a:blip r:embed="rId2">
+            <a:extLst>
+              <a:ext uri="{28A0092B-C50C-407E-A947-70E740481C1C}">
+                <a14:useLocalDpi xmlns:a14="http://schemas.microsoft.com/office/drawing/2010/main" val="0"/>
+              </a:ext>
+              <a:ext uri="{96DAC541-7B7A-43D3-8B79-37D633B846F1}">
+                <asvg:svgBlip xmlns:asvg="http://schemas.microsoft.com/office/drawing/2016/SVG/main" r:embed="rId3"/>
+              </a:ext>
+            </a:extLst>
+          </a:blip>
+          <a:stretch>
+            <a:fillRect/>
+          </a:stretch>
+        </p:blipFill>
+        <p:spPr>
+          <a:xfrm>
+            <a:off x="7082473" y="6064883"/>
+            <a:ext cx="1881279" cy="546696"/>
+          </a:xfrm>
+          <a:prstGeom prst="rect">
+            <a:avLst/>
+          </a:prstGeom>
+        </p:spPr>
+      </p:pic>
+      <p:pic>
+        <p:nvPicPr>
+          <p:cNvPr id="9" name="Graphic 8">
+            <a:extLst>
+              <a:ext uri="{FF2B5EF4-FFF2-40B4-BE49-F238E27FC236}">
+                <a16:creationId xmlns:a16="http://schemas.microsoft.com/office/drawing/2014/main" id="{DD7A97FC-DEEC-39D9-213E-9C97F0E59E58}"/>
+              </a:ext>
+            </a:extLst>
+          </p:cNvPr>
+          <p:cNvPicPr>
+            <a:picLocks noChangeAspect="1"/>
+          </p:cNvPicPr>
+          <p:nvPr/>
+        </p:nvPicPr>
+        <p:blipFill>
+          <a:blip r:embed="rId4">
+            <a:extLst>
+              <a:ext uri="{28A0092B-C50C-407E-A947-70E740481C1C}">
+                <a14:useLocalDpi xmlns:a14="http://schemas.microsoft.com/office/drawing/2010/main" val="0"/>
+              </a:ext>
+              <a:ext uri="{96DAC541-7B7A-43D3-8B79-37D633B846F1}">
+                <asvg:svgBlip xmlns:asvg="http://schemas.microsoft.com/office/drawing/2016/SVG/main" r:embed="rId5"/>
+              </a:ext>
+            </a:extLst>
+          </a:blip>
+          <a:stretch>
+            <a:fillRect/>
+          </a:stretch>
+        </p:blipFill>
+        <p:spPr>
+          <a:xfrm>
+            <a:off x="9400100" y="6069025"/>
+            <a:ext cx="2177611" cy="559957"/>
+          </a:xfrm>
+          <a:prstGeom prst="rect">
+            <a:avLst/>
+          </a:prstGeom>
+        </p:spPr>
+      </p:pic>
+      <p:pic>
+        <p:nvPicPr>
+          <p:cNvPr id="11" name="Picture 10" descr="A red cube with a white strip&#10;&#10;Description automatically generated">
+            <a:extLst>
+              <a:ext uri="{FF2B5EF4-FFF2-40B4-BE49-F238E27FC236}">
+                <a16:creationId xmlns:a16="http://schemas.microsoft.com/office/drawing/2014/main" id="{6B0A2678-B5DA-7CCE-8B5E-6DF62A167201}"/>
+              </a:ext>
+            </a:extLst>
+          </p:cNvPr>
+          <p:cNvPicPr>
+            <a:picLocks noChangeAspect="1"/>
+          </p:cNvPicPr>
+          <p:nvPr/>
+        </p:nvPicPr>
+        <p:blipFill>
+          <a:blip r:embed="rId6">
+            <a:extLst>
+              <a:ext uri="{28A0092B-C50C-407E-A947-70E740481C1C}">
+                <a14:useLocalDpi xmlns:a14="http://schemas.microsoft.com/office/drawing/2010/main" val="0"/>
+              </a:ext>
+            </a:extLst>
+          </a:blip>
+          <a:stretch>
+            <a:fillRect/>
+          </a:stretch>
+        </p:blipFill>
+        <p:spPr>
+          <a:xfrm>
+            <a:off x="6096000" y="6064883"/>
+            <a:ext cx="550838" cy="550838"/>
+          </a:xfrm>
+          <a:prstGeom prst="rect">
+            <a:avLst/>
+          </a:prstGeom>
+        </p:spPr>
+      </p:pic>
+      <p:pic>
+        <p:nvPicPr>
+          <p:cNvPr id="13" name="Picture 12" descr="A black and white photo&#10;&#10;Description automatically generated">
+            <a:extLst>
+              <a:ext uri="{FF2B5EF4-FFF2-40B4-BE49-F238E27FC236}">
+                <a16:creationId xmlns:a16="http://schemas.microsoft.com/office/drawing/2014/main" id="{3C2AC800-E089-AA17-7F19-1301C63C288B}"/>
+              </a:ext>
+            </a:extLst>
+          </p:cNvPr>
+          <p:cNvPicPr>
+            <a:picLocks noChangeAspect="1"/>
+          </p:cNvPicPr>
+          <p:nvPr/>
+        </p:nvPicPr>
+        <p:blipFill>
+          <a:blip r:embed="rId7">
+            <a:extLst>
+              <a:ext uri="{28A0092B-C50C-407E-A947-70E740481C1C}">
+                <a14:useLocalDpi xmlns:a14="http://schemas.microsoft.com/office/drawing/2010/main" val="0"/>
+              </a:ext>
+            </a:extLst>
+          </a:blip>
+          <a:stretch>
+            <a:fillRect/>
+          </a:stretch>
+        </p:blipFill>
+        <p:spPr>
+          <a:xfrm>
+            <a:off x="6096713" y="6585802"/>
+            <a:ext cx="549412" cy="166325"/>
+          </a:xfrm>
+          <a:prstGeom prst="rect">
+            <a:avLst/>
+          </a:prstGeom>
+        </p:spPr>
+      </p:pic>
+      <p:sp>
+        <p:nvSpPr>
+          <p:cNvPr id="6" name="Inhaltsplatzhalter 2">
+            <a:extLst>
+              <a:ext uri="{FF2B5EF4-FFF2-40B4-BE49-F238E27FC236}">
+                <a16:creationId xmlns:a16="http://schemas.microsoft.com/office/drawing/2014/main" id="{971510B1-ACCA-4C87-0F5B-E29ABAE37FB3}"/>
+              </a:ext>
+            </a:extLst>
+          </p:cNvPr>
+          <p:cNvSpPr txBox="1">
+            <a:spLocks/>
+          </p:cNvSpPr>
+          <p:nvPr/>
+        </p:nvSpPr>
+        <p:spPr>
+          <a:xfrm>
+            <a:off x="910162" y="1527031"/>
+            <a:ext cx="11062762" cy="4456427"/>
+          </a:xfrm>
+          <a:prstGeom prst="rect">
+            <a:avLst/>
+          </a:prstGeom>
+        </p:spPr>
+        <p:txBody>
+          <a:bodyPr vert="horz" lIns="0" tIns="0" rIns="0" bIns="0" rtlCol="0" anchor="t" anchorCtr="0">
+            <a:noAutofit/>
+          </a:bodyPr>
+          <a:lstStyle>
+            <a:lvl1pPr marL="180975" indent="-180975" algn="l" defTabSz="914400" rtl="0" eaLnBrk="1" latinLnBrk="0" hangingPunct="1">
+              <a:lnSpc>
+                <a:spcPct val="97000"/>
+              </a:lnSpc>
+              <a:spcBef>
+                <a:spcPts val="0"/>
+              </a:spcBef>
+              <a:buFont typeface="Arial" panose="020B0604020202020204" pitchFamily="34" charset="0"/>
+              <a:buChar char="•"/>
+              <a:defRPr sz="1800" kern="1200">
+                <a:solidFill>
+                  <a:schemeClr val="tx1"/>
+                </a:solidFill>
+                <a:latin typeface="+mn-lt"/>
+                <a:ea typeface="+mn-ea"/>
+                <a:cs typeface="+mn-cs"/>
+              </a:defRPr>
+            </a:lvl1pPr>
+            <a:lvl2pPr marL="361950" indent="-180975" algn="l" defTabSz="914400" rtl="0" eaLnBrk="1" latinLnBrk="0" hangingPunct="1">
+              <a:lnSpc>
+                <a:spcPct val="97000"/>
+              </a:lnSpc>
+              <a:spcBef>
+                <a:spcPts val="0"/>
+              </a:spcBef>
+              <a:buFont typeface="Arial" panose="020B0604020202020204" pitchFamily="34" charset="0"/>
+              <a:buChar char="‒"/>
+              <a:defRPr sz="1800" kern="1200">
+                <a:solidFill>
+                  <a:schemeClr val="tx1"/>
+                </a:solidFill>
+                <a:latin typeface="+mn-lt"/>
+                <a:ea typeface="+mn-ea"/>
+                <a:cs typeface="+mn-cs"/>
+              </a:defRPr>
+            </a:lvl2pPr>
+            <a:lvl3pPr marL="542925" indent="-180975" algn="l" defTabSz="914400" rtl="0" eaLnBrk="1" latinLnBrk="0" hangingPunct="1">
+              <a:lnSpc>
+                <a:spcPct val="97000"/>
+              </a:lnSpc>
+              <a:spcBef>
+                <a:spcPts val="0"/>
+              </a:spcBef>
+              <a:buFont typeface="Arial" panose="020B0604020202020204" pitchFamily="34" charset="0"/>
+              <a:buChar char="‒"/>
+              <a:defRPr sz="1800" kern="1200">
+                <a:solidFill>
+                  <a:schemeClr val="tx1"/>
+                </a:solidFill>
+                <a:latin typeface="+mn-lt"/>
+                <a:ea typeface="+mn-ea"/>
+                <a:cs typeface="+mn-cs"/>
+              </a:defRPr>
+            </a:lvl3pPr>
+            <a:lvl4pPr marL="714375" indent="-171450" algn="l" defTabSz="914400" rtl="0" eaLnBrk="1" latinLnBrk="0" hangingPunct="1">
+              <a:lnSpc>
+                <a:spcPct val="97000"/>
+              </a:lnSpc>
+              <a:spcBef>
+                <a:spcPts val="0"/>
+              </a:spcBef>
+              <a:buFont typeface="Arial" panose="020B0604020202020204" pitchFamily="34" charset="0"/>
+              <a:buChar char="‒"/>
+              <a:defRPr sz="1800" kern="1200">
+                <a:solidFill>
+                  <a:schemeClr val="tx1"/>
+                </a:solidFill>
+                <a:latin typeface="+mn-lt"/>
+                <a:ea typeface="+mn-ea"/>
+                <a:cs typeface="+mn-cs"/>
+              </a:defRPr>
+            </a:lvl4pPr>
+            <a:lvl5pPr marL="895350" indent="-180975" algn="l" defTabSz="914400" rtl="0" eaLnBrk="1" latinLnBrk="0" hangingPunct="1">
+              <a:lnSpc>
+                <a:spcPct val="97000"/>
+              </a:lnSpc>
+              <a:spcBef>
+                <a:spcPts val="0"/>
+              </a:spcBef>
+              <a:buFont typeface="Arial" panose="020B0604020202020204" pitchFamily="34" charset="0"/>
+              <a:buChar char="‒"/>
+              <a:defRPr sz="1800" kern="1200">
+                <a:solidFill>
+                  <a:schemeClr val="tx1"/>
+                </a:solidFill>
+                <a:latin typeface="+mn-lt"/>
+                <a:ea typeface="+mn-ea"/>
+                <a:cs typeface="+mn-cs"/>
+              </a:defRPr>
+            </a:lvl5pPr>
+            <a:lvl6pPr marL="2514600" indent="-228600" algn="l" defTabSz="914400" rtl="0" eaLnBrk="1" latinLnBrk="0" hangingPunct="1">
+              <a:lnSpc>
+                <a:spcPct val="90000"/>
+              </a:lnSpc>
+              <a:spcBef>
+                <a:spcPts val="500"/>
+              </a:spcBef>
+              <a:buFont typeface="Arial" panose="020B0604020202020204" pitchFamily="34" charset="0"/>
+              <a:buChar char="•"/>
+              <a:defRPr sz="1800" kern="1200">
+                <a:solidFill>
+                  <a:schemeClr val="tx1"/>
+                </a:solidFill>
+                <a:latin typeface="+mn-lt"/>
+                <a:ea typeface="+mn-ea"/>
+                <a:cs typeface="+mn-cs"/>
+              </a:defRPr>
+            </a:lvl6pPr>
+            <a:lvl7pPr marL="2971800" indent="-228600" algn="l" defTabSz="914400" rtl="0" eaLnBrk="1" latinLnBrk="0" hangingPunct="1">
+              <a:lnSpc>
+                <a:spcPct val="90000"/>
+              </a:lnSpc>
+              <a:spcBef>
+                <a:spcPts val="500"/>
+              </a:spcBef>
+              <a:buFont typeface="Arial" panose="020B0604020202020204" pitchFamily="34" charset="0"/>
+              <a:buChar char="•"/>
+              <a:defRPr sz="1800" kern="1200">
+                <a:solidFill>
+                  <a:schemeClr val="tx1"/>
+                </a:solidFill>
+                <a:latin typeface="+mn-lt"/>
+                <a:ea typeface="+mn-ea"/>
+                <a:cs typeface="+mn-cs"/>
+              </a:defRPr>
+            </a:lvl7pPr>
+            <a:lvl8pPr marL="3429000" indent="-228600" algn="l" defTabSz="914400" rtl="0" eaLnBrk="1" latinLnBrk="0" hangingPunct="1">
+              <a:lnSpc>
+                <a:spcPct val="90000"/>
+              </a:lnSpc>
+              <a:spcBef>
+                <a:spcPts val="500"/>
+              </a:spcBef>
+              <a:buFont typeface="Arial" panose="020B0604020202020204" pitchFamily="34" charset="0"/>
+              <a:buChar char="•"/>
+              <a:defRPr sz="1800" kern="1200">
+                <a:solidFill>
+                  <a:schemeClr val="tx1"/>
+                </a:solidFill>
+                <a:latin typeface="+mn-lt"/>
+                <a:ea typeface="+mn-ea"/>
+                <a:cs typeface="+mn-cs"/>
+              </a:defRPr>
+            </a:lvl8pPr>
+            <a:lvl9pPr marL="3886200" indent="-228600" algn="l" defTabSz="914400" rtl="0" eaLnBrk="1" latinLnBrk="0" hangingPunct="1">
+              <a:lnSpc>
+                <a:spcPct val="90000"/>
+              </a:lnSpc>
+              <a:spcBef>
+                <a:spcPts val="500"/>
+              </a:spcBef>
+              <a:buFont typeface="Arial" panose="020B0604020202020204" pitchFamily="34" charset="0"/>
+              <a:buChar char="•"/>
+              <a:defRPr sz="1800" kern="1200">
+                <a:solidFill>
+                  <a:schemeClr val="tx1"/>
+                </a:solidFill>
+                <a:latin typeface="+mn-lt"/>
+                <a:ea typeface="+mn-ea"/>
+                <a:cs typeface="+mn-cs"/>
+              </a:defRPr>
+            </a:lvl9pPr>
+          </a:lstStyle>
+          <a:p>
+            <a:pPr lvl="1">
+              <a:lnSpc>
+                <a:spcPct val="150000"/>
+              </a:lnSpc>
+              <a:buFont typeface="Arial" panose="020B0604020202020204" pitchFamily="34" charset="0"/>
+              <a:buChar char="•"/>
+            </a:pPr>
+            <a:r>
+              <a:rPr lang="de-DE" sz="2400" dirty="0"/>
+              <a:t>Kalender View: Anzeige der Termin und Aufgaben</a:t>
+            </a:r>
+          </a:p>
+          <a:p>
+            <a:pPr lvl="1">
+              <a:lnSpc>
+                <a:spcPct val="150000"/>
+              </a:lnSpc>
+              <a:buFont typeface="Arial" panose="020B0604020202020204" pitchFamily="34" charset="0"/>
+              <a:buChar char="•"/>
+            </a:pPr>
+            <a:r>
+              <a:rPr lang="de-DE" sz="2400" dirty="0"/>
+              <a:t>Intelligente Planung der Termine</a:t>
+            </a:r>
+          </a:p>
+          <a:p>
+            <a:pPr lvl="1">
+              <a:lnSpc>
+                <a:spcPct val="150000"/>
+              </a:lnSpc>
+              <a:buFont typeface="Arial" panose="020B0604020202020204" pitchFamily="34" charset="0"/>
+              <a:buChar char="•"/>
+            </a:pPr>
+            <a:r>
+              <a:rPr lang="de-DE" sz="2400" dirty="0"/>
+              <a:t>Flexiblere Konfiguration der Kurse</a:t>
+            </a:r>
+          </a:p>
+          <a:p>
+            <a:pPr lvl="1">
+              <a:lnSpc>
+                <a:spcPct val="150000"/>
+              </a:lnSpc>
+              <a:buFont typeface="Arial" panose="020B0604020202020204" pitchFamily="34" charset="0"/>
+              <a:buChar char="•"/>
+            </a:pPr>
+            <a:r>
+              <a:rPr lang="de-DE" sz="2400" dirty="0"/>
+              <a:t>Anmeldung mit bekannten Diensten</a:t>
+            </a:r>
+          </a:p>
+          <a:p>
+            <a:pPr lvl="1">
+              <a:lnSpc>
+                <a:spcPct val="150000"/>
+              </a:lnSpc>
+              <a:buFont typeface="Arial" panose="020B0604020202020204" pitchFamily="34" charset="0"/>
+              <a:buChar char="•"/>
+            </a:pPr>
+            <a:r>
+              <a:rPr lang="de-DE" sz="2400" dirty="0"/>
+              <a:t>Task Labels und Unteraufgaben</a:t>
+            </a:r>
+          </a:p>
+          <a:p>
+            <a:pPr marL="180975" lvl="1" indent="0">
+              <a:lnSpc>
+                <a:spcPct val="150000"/>
+              </a:lnSpc>
+              <a:buFont typeface="Arial" panose="020B0604020202020204" pitchFamily="34" charset="0"/>
+              <a:buNone/>
+            </a:pPr>
+            <a:endParaRPr lang="de-DE" sz="2400" dirty="0"/>
+          </a:p>
+          <a:p>
+            <a:pPr>
+              <a:lnSpc>
+                <a:spcPct val="150000"/>
+              </a:lnSpc>
+              <a:buFont typeface="Wingdings" panose="05000000000000000000" pitchFamily="2" charset="2"/>
+              <a:buChar char="§"/>
+            </a:pPr>
+            <a:endParaRPr lang="de-DE" sz="2400" dirty="0"/>
+          </a:p>
+          <a:p>
+            <a:pPr>
+              <a:lnSpc>
+                <a:spcPct val="150000"/>
+              </a:lnSpc>
+            </a:pPr>
+            <a:endParaRPr lang="de-DE" sz="2000" dirty="0"/>
+          </a:p>
+          <a:p>
+            <a:pPr>
+              <a:lnSpc>
+                <a:spcPct val="150000"/>
+              </a:lnSpc>
+            </a:pPr>
+            <a:endParaRPr lang="de-DE" sz="2000" dirty="0"/>
+          </a:p>
+          <a:p>
+            <a:pPr>
+              <a:lnSpc>
+                <a:spcPct val="150000"/>
+              </a:lnSpc>
+            </a:pPr>
+            <a:endParaRPr lang="de-DE" sz="2000" dirty="0"/>
+          </a:p>
+          <a:p>
+            <a:pPr>
+              <a:lnSpc>
+                <a:spcPct val="150000"/>
+              </a:lnSpc>
+            </a:pPr>
+            <a:endParaRPr lang="en-US" sz="2000" dirty="0"/>
+          </a:p>
+        </p:txBody>
+      </p:sp>
+    </p:spTree>
+    <p:extLst>
+      <p:ext uri="{BB962C8B-B14F-4D97-AF65-F5344CB8AC3E}">
+        <p14:creationId xmlns:p14="http://schemas.microsoft.com/office/powerpoint/2010/main" val="1976997206"/>
+      </p:ext>
+    </p:extLst>
+  </p:cSld>
+  <p:clrMapOvr>
+    <a:masterClrMapping/>
+  </p:clrMapOvr>
+  <mc:AlternateContent xmlns:mc="http://schemas.openxmlformats.org/markup-compatibility/2006">
+    <mc:Choice xmlns:p14="http://schemas.microsoft.com/office/powerpoint/2010/main" Requires="p14">
+      <p:transition spd="med" p14:dur="700">
+        <p:fade/>
+      </p:transition>
+    </mc:Choice>
+    <mc:Fallback>
+      <p:transition spd="med">
+        <p:fade/>
+      </p:transition>
+    </mc:Fallback>
+  </mc:AlternateContent>
+</p:sld>
+</file>
+
+<file path=ppt/slides/slide12.xml><?xml version="1.0" encoding="utf-8"?>
+<p:sld xmlns:a="http://schemas.openxmlformats.org/drawingml/2006/main" xmlns:r="http://schemas.openxmlformats.org/officeDocument/2006/relationships" xmlns:p="http://schemas.openxmlformats.org/presentationml/2006/main">
+  <p:cSld>
+    <p:spTree>
+      <p:nvGrpSpPr>
+        <p:cNvPr id="1" name="">
+          <a:extLst>
+            <a:ext uri="{FF2B5EF4-FFF2-40B4-BE49-F238E27FC236}">
+              <a16:creationId xmlns:a16="http://schemas.microsoft.com/office/drawing/2014/main" id="{E3D648C2-0FC6-6C18-E0FC-DD47298BA1AE}"/>
+            </a:ext>
+          </a:extLst>
+        </p:cNvPr>
+        <p:cNvGrpSpPr/>
+        <p:nvPr/>
+      </p:nvGrpSpPr>
+      <p:grpSpPr>
+        <a:xfrm>
+          <a:off x="0" y="0"/>
+          <a:ext cx="0" cy="0"/>
+          <a:chOff x="0" y="0"/>
+          <a:chExt cx="0" cy="0"/>
+        </a:xfrm>
+      </p:grpSpPr>
+      <p:sp>
+        <p:nvSpPr>
+          <p:cNvPr id="2" name="Titel 1">
+            <a:extLst>
+              <a:ext uri="{FF2B5EF4-FFF2-40B4-BE49-F238E27FC236}">
+                <a16:creationId xmlns:a16="http://schemas.microsoft.com/office/drawing/2014/main" id="{AFEB2DA1-EA3F-7FCA-60DE-8850BA5DFD4D}"/>
+              </a:ext>
+            </a:extLst>
+          </p:cNvPr>
+          <p:cNvSpPr>
+            <a:spLocks noGrp="1"/>
+          </p:cNvSpPr>
+          <p:nvPr>
+            <p:ph type="title"/>
+          </p:nvPr>
+        </p:nvSpPr>
+        <p:spPr>
+          <a:xfrm>
+            <a:off x="582488" y="506469"/>
+            <a:ext cx="6845253" cy="648000"/>
+          </a:xfrm>
+        </p:spPr>
+        <p:txBody>
+          <a:bodyPr/>
+          <a:lstStyle/>
+          <a:p>
+            <a:r>
+              <a:rPr lang="de-DE" sz="3200" dirty="0">
+                <a:cs typeface="Arial"/>
+              </a:rPr>
+              <a:t>Kritik: Was lief gut?</a:t>
+            </a:r>
+            <a:endParaRPr lang="de-DE" sz="3200" dirty="0"/>
+          </a:p>
+        </p:txBody>
+      </p:sp>
+      <p:sp>
+        <p:nvSpPr>
+          <p:cNvPr id="3" name="Inhaltsplatzhalter 2">
+            <a:extLst>
+              <a:ext uri="{FF2B5EF4-FFF2-40B4-BE49-F238E27FC236}">
+                <a16:creationId xmlns:a16="http://schemas.microsoft.com/office/drawing/2014/main" id="{FDC5A24F-AD6B-E477-46B7-24433B5A7D43}"/>
+              </a:ext>
+            </a:extLst>
+          </p:cNvPr>
+          <p:cNvSpPr>
+            <a:spLocks noGrp="1"/>
+          </p:cNvSpPr>
+          <p:nvPr>
+            <p:ph idx="1"/>
+          </p:nvPr>
+        </p:nvSpPr>
+        <p:spPr>
+          <a:xfrm>
+            <a:off x="757762" y="1374631"/>
+            <a:ext cx="11062762" cy="4456427"/>
+          </a:xfrm>
+        </p:spPr>
+        <p:txBody>
+          <a:bodyPr/>
+          <a:lstStyle/>
+          <a:p>
+            <a:pPr marL="180975" lvl="1" indent="0">
+              <a:lnSpc>
+                <a:spcPct val="150000"/>
+              </a:lnSpc>
+              <a:buNone/>
+            </a:pPr>
+            <a:endParaRPr lang="de-DE" sz="2400" dirty="0"/>
+          </a:p>
+          <a:p>
+            <a:pPr marL="180975" lvl="1" indent="0">
+              <a:lnSpc>
+                <a:spcPct val="150000"/>
+              </a:lnSpc>
+              <a:buNone/>
+            </a:pPr>
+            <a:endParaRPr lang="de-DE" sz="2400" dirty="0"/>
+          </a:p>
+          <a:p>
+            <a:pPr>
+              <a:lnSpc>
+                <a:spcPct val="150000"/>
+              </a:lnSpc>
+              <a:buFont typeface="Wingdings" panose="05000000000000000000" pitchFamily="2" charset="2"/>
+              <a:buChar char="§"/>
+            </a:pPr>
+            <a:endParaRPr lang="de-DE" sz="2400" dirty="0"/>
+          </a:p>
+          <a:p>
+            <a:pPr>
+              <a:lnSpc>
+                <a:spcPct val="150000"/>
+              </a:lnSpc>
+            </a:pPr>
+            <a:endParaRPr lang="de-DE" sz="2000" dirty="0"/>
+          </a:p>
+          <a:p>
+            <a:pPr>
+              <a:lnSpc>
+                <a:spcPct val="150000"/>
+              </a:lnSpc>
+            </a:pPr>
+            <a:endParaRPr lang="de-DE" sz="2000" dirty="0"/>
+          </a:p>
+          <a:p>
+            <a:pPr>
+              <a:lnSpc>
+                <a:spcPct val="150000"/>
+              </a:lnSpc>
+            </a:pPr>
+            <a:endParaRPr lang="de-DE" sz="2000" dirty="0"/>
+          </a:p>
+          <a:p>
+            <a:pPr>
+              <a:lnSpc>
+                <a:spcPct val="150000"/>
+              </a:lnSpc>
+            </a:pPr>
+            <a:endParaRPr lang="en-US" sz="2000" dirty="0"/>
+          </a:p>
+        </p:txBody>
+      </p:sp>
+      <p:sp>
+        <p:nvSpPr>
+          <p:cNvPr id="4" name="Datumsplatzhalter 3">
+            <a:extLst>
+              <a:ext uri="{FF2B5EF4-FFF2-40B4-BE49-F238E27FC236}">
+                <a16:creationId xmlns:a16="http://schemas.microsoft.com/office/drawing/2014/main" id="{4C72B002-62C6-F966-C83D-171EABF2AC01}"/>
+              </a:ext>
+            </a:extLst>
+          </p:cNvPr>
+          <p:cNvSpPr>
+            <a:spLocks noGrp="1"/>
+          </p:cNvSpPr>
+          <p:nvPr>
+            <p:ph type="dt" sz="half" idx="10"/>
+          </p:nvPr>
+        </p:nvSpPr>
+        <p:spPr>
+          <a:xfrm>
+            <a:off x="1789332" y="6069025"/>
+            <a:ext cx="3084342" cy="550838"/>
+          </a:xfrm>
+        </p:spPr>
+        <p:txBody>
+          <a:bodyPr/>
+          <a:lstStyle/>
+          <a:p>
+            <a:r>
+              <a:rPr lang="de-DE" dirty="0"/>
+              <a:t>Organisation App </a:t>
+            </a:r>
+          </a:p>
+          <a:p>
+            <a:r>
+              <a:rPr lang="en-US" dirty="0"/>
+              <a:t>18.01.2024</a:t>
+            </a:r>
+          </a:p>
+          <a:p>
+            <a:r>
+              <a:rPr lang="de-DE" sz="1100" b="0" dirty="0"/>
+              <a:t>Jan Weller, Leon Beckert, Ángel </a:t>
+            </a:r>
+            <a:r>
+              <a:rPr lang="de-DE" sz="1100" b="0" dirty="0" err="1"/>
+              <a:t>Currás</a:t>
+            </a:r>
+            <a:r>
+              <a:rPr lang="de-DE" sz="1100" b="0" dirty="0"/>
+              <a:t> Sánchez</a:t>
+            </a:r>
+            <a:endParaRPr lang="de-DE" dirty="0"/>
+          </a:p>
+        </p:txBody>
+      </p:sp>
+      <p:sp>
+        <p:nvSpPr>
+          <p:cNvPr id="8" name="Foliennummernplatzhalter 7">
+            <a:extLst>
+              <a:ext uri="{FF2B5EF4-FFF2-40B4-BE49-F238E27FC236}">
+                <a16:creationId xmlns:a16="http://schemas.microsoft.com/office/drawing/2014/main" id="{4CF6BFE9-BCB4-BCA7-3EBA-6BA8A0098AA4}"/>
+              </a:ext>
+            </a:extLst>
+          </p:cNvPr>
+          <p:cNvSpPr>
+            <a:spLocks noGrp="1"/>
+          </p:cNvSpPr>
+          <p:nvPr>
+            <p:ph type="sldNum" sz="quarter" idx="12"/>
+          </p:nvPr>
+        </p:nvSpPr>
+        <p:spPr/>
+        <p:txBody>
+          <a:bodyPr/>
+          <a:lstStyle/>
+          <a:p>
+            <a:fld id="{A13361CF-9A47-4C8C-A01E-566DC0626ACC}" type="slidenum">
+              <a:rPr lang="de-DE" smtClean="0"/>
+              <a:t>12</a:t>
+            </a:fld>
+            <a:endParaRPr lang="de-DE"/>
+          </a:p>
+        </p:txBody>
+      </p:sp>
+      <p:pic>
+        <p:nvPicPr>
+          <p:cNvPr id="5" name="Graphic 4">
+            <a:extLst>
+              <a:ext uri="{FF2B5EF4-FFF2-40B4-BE49-F238E27FC236}">
+                <a16:creationId xmlns:a16="http://schemas.microsoft.com/office/drawing/2014/main" id="{000EC0ED-0850-A584-DB5E-8D08049A05B1}"/>
+              </a:ext>
+            </a:extLst>
+          </p:cNvPr>
+          <p:cNvPicPr>
+            <a:picLocks noChangeAspect="1"/>
+          </p:cNvPicPr>
+          <p:nvPr/>
+        </p:nvPicPr>
+        <p:blipFill>
+          <a:blip r:embed="rId2">
+            <a:extLst>
+              <a:ext uri="{28A0092B-C50C-407E-A947-70E740481C1C}">
+                <a14:useLocalDpi xmlns:a14="http://schemas.microsoft.com/office/drawing/2010/main" val="0"/>
+              </a:ext>
+              <a:ext uri="{96DAC541-7B7A-43D3-8B79-37D633B846F1}">
+                <asvg:svgBlip xmlns:asvg="http://schemas.microsoft.com/office/drawing/2016/SVG/main" r:embed="rId3"/>
+              </a:ext>
+            </a:extLst>
+          </a:blip>
+          <a:stretch>
+            <a:fillRect/>
+          </a:stretch>
+        </p:blipFill>
+        <p:spPr>
+          <a:xfrm>
+            <a:off x="7082473" y="6064883"/>
+            <a:ext cx="1881279" cy="546696"/>
+          </a:xfrm>
+          <a:prstGeom prst="rect">
+            <a:avLst/>
+          </a:prstGeom>
+        </p:spPr>
+      </p:pic>
+      <p:pic>
+        <p:nvPicPr>
+          <p:cNvPr id="9" name="Graphic 8">
+            <a:extLst>
+              <a:ext uri="{FF2B5EF4-FFF2-40B4-BE49-F238E27FC236}">
+                <a16:creationId xmlns:a16="http://schemas.microsoft.com/office/drawing/2014/main" id="{0FA94949-D9A9-468A-AD6F-CA6558BA3FFC}"/>
+              </a:ext>
+            </a:extLst>
+          </p:cNvPr>
+          <p:cNvPicPr>
+            <a:picLocks noChangeAspect="1"/>
+          </p:cNvPicPr>
+          <p:nvPr/>
+        </p:nvPicPr>
+        <p:blipFill>
+          <a:blip r:embed="rId4">
+            <a:extLst>
+              <a:ext uri="{28A0092B-C50C-407E-A947-70E740481C1C}">
+                <a14:useLocalDpi xmlns:a14="http://schemas.microsoft.com/office/drawing/2010/main" val="0"/>
+              </a:ext>
+              <a:ext uri="{96DAC541-7B7A-43D3-8B79-37D633B846F1}">
+                <asvg:svgBlip xmlns:asvg="http://schemas.microsoft.com/office/drawing/2016/SVG/main" r:embed="rId5"/>
+              </a:ext>
+            </a:extLst>
+          </a:blip>
+          <a:stretch>
+            <a:fillRect/>
+          </a:stretch>
+        </p:blipFill>
+        <p:spPr>
+          <a:xfrm>
+            <a:off x="9400100" y="6069025"/>
+            <a:ext cx="2177611" cy="559957"/>
+          </a:xfrm>
+          <a:prstGeom prst="rect">
+            <a:avLst/>
+          </a:prstGeom>
+        </p:spPr>
+      </p:pic>
+      <p:pic>
+        <p:nvPicPr>
+          <p:cNvPr id="11" name="Picture 10" descr="A red cube with a white strip&#10;&#10;Description automatically generated">
+            <a:extLst>
+              <a:ext uri="{FF2B5EF4-FFF2-40B4-BE49-F238E27FC236}">
+                <a16:creationId xmlns:a16="http://schemas.microsoft.com/office/drawing/2014/main" id="{6146969F-618E-07E6-5223-FDBBC967E8D3}"/>
+              </a:ext>
+            </a:extLst>
+          </p:cNvPr>
+          <p:cNvPicPr>
+            <a:picLocks noChangeAspect="1"/>
+          </p:cNvPicPr>
+          <p:nvPr/>
+        </p:nvPicPr>
+        <p:blipFill>
+          <a:blip r:embed="rId6">
+            <a:extLst>
+              <a:ext uri="{28A0092B-C50C-407E-A947-70E740481C1C}">
+                <a14:useLocalDpi xmlns:a14="http://schemas.microsoft.com/office/drawing/2010/main" val="0"/>
+              </a:ext>
+            </a:extLst>
+          </a:blip>
+          <a:stretch>
+            <a:fillRect/>
+          </a:stretch>
+        </p:blipFill>
+        <p:spPr>
+          <a:xfrm>
+            <a:off x="6096000" y="6064883"/>
+            <a:ext cx="550838" cy="550838"/>
+          </a:xfrm>
+          <a:prstGeom prst="rect">
+            <a:avLst/>
+          </a:prstGeom>
+        </p:spPr>
+      </p:pic>
+      <p:pic>
+        <p:nvPicPr>
+          <p:cNvPr id="13" name="Picture 12" descr="A black and white photo&#10;&#10;Description automatically generated">
+            <a:extLst>
+              <a:ext uri="{FF2B5EF4-FFF2-40B4-BE49-F238E27FC236}">
+                <a16:creationId xmlns:a16="http://schemas.microsoft.com/office/drawing/2014/main" id="{06D2CEAF-4DCA-FAA5-EADF-2593B41627EB}"/>
+              </a:ext>
+            </a:extLst>
+          </p:cNvPr>
+          <p:cNvPicPr>
+            <a:picLocks noChangeAspect="1"/>
+          </p:cNvPicPr>
+          <p:nvPr/>
+        </p:nvPicPr>
+        <p:blipFill>
+          <a:blip r:embed="rId7">
+            <a:extLst>
+              <a:ext uri="{28A0092B-C50C-407E-A947-70E740481C1C}">
+                <a14:useLocalDpi xmlns:a14="http://schemas.microsoft.com/office/drawing/2010/main" val="0"/>
+              </a:ext>
+            </a:extLst>
+          </a:blip>
+          <a:stretch>
+            <a:fillRect/>
+          </a:stretch>
+        </p:blipFill>
+        <p:spPr>
+          <a:xfrm>
+            <a:off x="6096713" y="6585802"/>
+            <a:ext cx="549412" cy="166325"/>
+          </a:xfrm>
+          <a:prstGeom prst="rect">
+            <a:avLst/>
+          </a:prstGeom>
+        </p:spPr>
+      </p:pic>
+      <p:sp>
+        <p:nvSpPr>
+          <p:cNvPr id="6" name="Inhaltsplatzhalter 2">
+            <a:extLst>
+              <a:ext uri="{FF2B5EF4-FFF2-40B4-BE49-F238E27FC236}">
+                <a16:creationId xmlns:a16="http://schemas.microsoft.com/office/drawing/2014/main" id="{329269F0-1D95-0013-948D-97A4A67D0B40}"/>
+              </a:ext>
+            </a:extLst>
+          </p:cNvPr>
+          <p:cNvSpPr txBox="1">
+            <a:spLocks/>
+          </p:cNvSpPr>
+          <p:nvPr/>
+        </p:nvSpPr>
+        <p:spPr>
+          <a:xfrm>
+            <a:off x="910162" y="1527031"/>
+            <a:ext cx="11062762" cy="4456427"/>
+          </a:xfrm>
+          <a:prstGeom prst="rect">
+            <a:avLst/>
+          </a:prstGeom>
+        </p:spPr>
+        <p:txBody>
+          <a:bodyPr vert="horz" lIns="0" tIns="0" rIns="0" bIns="0" rtlCol="0" anchor="t" anchorCtr="0">
+            <a:noAutofit/>
+          </a:bodyPr>
+          <a:lstStyle>
+            <a:lvl1pPr marL="180975" indent="-180975" algn="l" defTabSz="914400" rtl="0" eaLnBrk="1" latinLnBrk="0" hangingPunct="1">
+              <a:lnSpc>
+                <a:spcPct val="97000"/>
+              </a:lnSpc>
+              <a:spcBef>
+                <a:spcPts val="0"/>
+              </a:spcBef>
+              <a:buFont typeface="Arial" panose="020B0604020202020204" pitchFamily="34" charset="0"/>
+              <a:buChar char="•"/>
+              <a:defRPr sz="1800" kern="1200">
+                <a:solidFill>
+                  <a:schemeClr val="tx1"/>
+                </a:solidFill>
+                <a:latin typeface="+mn-lt"/>
+                <a:ea typeface="+mn-ea"/>
+                <a:cs typeface="+mn-cs"/>
+              </a:defRPr>
+            </a:lvl1pPr>
+            <a:lvl2pPr marL="361950" indent="-180975" algn="l" defTabSz="914400" rtl="0" eaLnBrk="1" latinLnBrk="0" hangingPunct="1">
+              <a:lnSpc>
+                <a:spcPct val="97000"/>
+              </a:lnSpc>
+              <a:spcBef>
+                <a:spcPts val="0"/>
+              </a:spcBef>
+              <a:buFont typeface="Arial" panose="020B0604020202020204" pitchFamily="34" charset="0"/>
+              <a:buChar char="‒"/>
+              <a:defRPr sz="1800" kern="1200">
+                <a:solidFill>
+                  <a:schemeClr val="tx1"/>
+                </a:solidFill>
+                <a:latin typeface="+mn-lt"/>
+                <a:ea typeface="+mn-ea"/>
+                <a:cs typeface="+mn-cs"/>
+              </a:defRPr>
+            </a:lvl2pPr>
+            <a:lvl3pPr marL="542925" indent="-180975" algn="l" defTabSz="914400" rtl="0" eaLnBrk="1" latinLnBrk="0" hangingPunct="1">
+              <a:lnSpc>
+                <a:spcPct val="97000"/>
+              </a:lnSpc>
+              <a:spcBef>
+                <a:spcPts val="0"/>
+              </a:spcBef>
+              <a:buFont typeface="Arial" panose="020B0604020202020204" pitchFamily="34" charset="0"/>
+              <a:buChar char="‒"/>
+              <a:defRPr sz="1800" kern="1200">
+                <a:solidFill>
+                  <a:schemeClr val="tx1"/>
+                </a:solidFill>
+                <a:latin typeface="+mn-lt"/>
+                <a:ea typeface="+mn-ea"/>
+                <a:cs typeface="+mn-cs"/>
+              </a:defRPr>
+            </a:lvl3pPr>
+            <a:lvl4pPr marL="714375" indent="-171450" algn="l" defTabSz="914400" rtl="0" eaLnBrk="1" latinLnBrk="0" hangingPunct="1">
+              <a:lnSpc>
+                <a:spcPct val="97000"/>
+              </a:lnSpc>
+              <a:spcBef>
+                <a:spcPts val="0"/>
+              </a:spcBef>
+              <a:buFont typeface="Arial" panose="020B0604020202020204" pitchFamily="34" charset="0"/>
+              <a:buChar char="‒"/>
+              <a:defRPr sz="1800" kern="1200">
+                <a:solidFill>
+                  <a:schemeClr val="tx1"/>
+                </a:solidFill>
+                <a:latin typeface="+mn-lt"/>
+                <a:ea typeface="+mn-ea"/>
+                <a:cs typeface="+mn-cs"/>
+              </a:defRPr>
+            </a:lvl4pPr>
+            <a:lvl5pPr marL="895350" indent="-180975" algn="l" defTabSz="914400" rtl="0" eaLnBrk="1" latinLnBrk="0" hangingPunct="1">
+              <a:lnSpc>
+                <a:spcPct val="97000"/>
+              </a:lnSpc>
+              <a:spcBef>
+                <a:spcPts val="0"/>
+              </a:spcBef>
+              <a:buFont typeface="Arial" panose="020B0604020202020204" pitchFamily="34" charset="0"/>
+              <a:buChar char="‒"/>
+              <a:defRPr sz="1800" kern="1200">
+                <a:solidFill>
+                  <a:schemeClr val="tx1"/>
+                </a:solidFill>
+                <a:latin typeface="+mn-lt"/>
+                <a:ea typeface="+mn-ea"/>
+                <a:cs typeface="+mn-cs"/>
+              </a:defRPr>
+            </a:lvl5pPr>
+            <a:lvl6pPr marL="2514600" indent="-228600" algn="l" defTabSz="914400" rtl="0" eaLnBrk="1" latinLnBrk="0" hangingPunct="1">
+              <a:lnSpc>
+                <a:spcPct val="90000"/>
+              </a:lnSpc>
+              <a:spcBef>
+                <a:spcPts val="500"/>
+              </a:spcBef>
+              <a:buFont typeface="Arial" panose="020B0604020202020204" pitchFamily="34" charset="0"/>
+              <a:buChar char="•"/>
+              <a:defRPr sz="1800" kern="1200">
+                <a:solidFill>
+                  <a:schemeClr val="tx1"/>
+                </a:solidFill>
+                <a:latin typeface="+mn-lt"/>
+                <a:ea typeface="+mn-ea"/>
+                <a:cs typeface="+mn-cs"/>
+              </a:defRPr>
+            </a:lvl6pPr>
+            <a:lvl7pPr marL="2971800" indent="-228600" algn="l" defTabSz="914400" rtl="0" eaLnBrk="1" latinLnBrk="0" hangingPunct="1">
+              <a:lnSpc>
+                <a:spcPct val="90000"/>
+              </a:lnSpc>
+              <a:spcBef>
+                <a:spcPts val="500"/>
+              </a:spcBef>
+              <a:buFont typeface="Arial" panose="020B0604020202020204" pitchFamily="34" charset="0"/>
+              <a:buChar char="•"/>
+              <a:defRPr sz="1800" kern="1200">
+                <a:solidFill>
+                  <a:schemeClr val="tx1"/>
+                </a:solidFill>
+                <a:latin typeface="+mn-lt"/>
+                <a:ea typeface="+mn-ea"/>
+                <a:cs typeface="+mn-cs"/>
+              </a:defRPr>
+            </a:lvl7pPr>
+            <a:lvl8pPr marL="3429000" indent="-228600" algn="l" defTabSz="914400" rtl="0" eaLnBrk="1" latinLnBrk="0" hangingPunct="1">
+              <a:lnSpc>
+                <a:spcPct val="90000"/>
+              </a:lnSpc>
+              <a:spcBef>
+                <a:spcPts val="500"/>
+              </a:spcBef>
+              <a:buFont typeface="Arial" panose="020B0604020202020204" pitchFamily="34" charset="0"/>
+              <a:buChar char="•"/>
+              <a:defRPr sz="1800" kern="1200">
+                <a:solidFill>
+                  <a:schemeClr val="tx1"/>
+                </a:solidFill>
+                <a:latin typeface="+mn-lt"/>
+                <a:ea typeface="+mn-ea"/>
+                <a:cs typeface="+mn-cs"/>
+              </a:defRPr>
+            </a:lvl8pPr>
+            <a:lvl9pPr marL="3886200" indent="-228600" algn="l" defTabSz="914400" rtl="0" eaLnBrk="1" latinLnBrk="0" hangingPunct="1">
+              <a:lnSpc>
+                <a:spcPct val="90000"/>
+              </a:lnSpc>
+              <a:spcBef>
+                <a:spcPts val="500"/>
+              </a:spcBef>
+              <a:buFont typeface="Arial" panose="020B0604020202020204" pitchFamily="34" charset="0"/>
+              <a:buChar char="•"/>
+              <a:defRPr sz="1800" kern="1200">
+                <a:solidFill>
+                  <a:schemeClr val="tx1"/>
+                </a:solidFill>
+                <a:latin typeface="+mn-lt"/>
+                <a:ea typeface="+mn-ea"/>
+                <a:cs typeface="+mn-cs"/>
+              </a:defRPr>
+            </a:lvl9pPr>
+          </a:lstStyle>
+          <a:p>
+            <a:pPr lvl="1">
+              <a:lnSpc>
+                <a:spcPct val="150000"/>
+              </a:lnSpc>
+              <a:buFont typeface="Arial" panose="020B0604020202020204" pitchFamily="34" charset="0"/>
+              <a:buChar char="•"/>
+            </a:pPr>
+            <a:r>
+              <a:rPr lang="de-DE" sz="2400" dirty="0"/>
+              <a:t>Motivation des Teams</a:t>
+            </a:r>
+          </a:p>
+          <a:p>
+            <a:pPr lvl="1">
+              <a:lnSpc>
+                <a:spcPct val="150000"/>
+              </a:lnSpc>
+              <a:buFont typeface="Arial" panose="020B0604020202020204" pitchFamily="34" charset="0"/>
+              <a:buChar char="•"/>
+            </a:pPr>
+            <a:r>
+              <a:rPr lang="de-DE" sz="2400" dirty="0"/>
+              <a:t>Teilung der Arbeit</a:t>
+            </a:r>
+          </a:p>
+          <a:p>
+            <a:pPr lvl="1">
+              <a:lnSpc>
+                <a:spcPct val="150000"/>
+              </a:lnSpc>
+              <a:buFont typeface="Arial" panose="020B0604020202020204" pitchFamily="34" charset="0"/>
+              <a:buChar char="•"/>
+            </a:pPr>
+            <a:r>
+              <a:rPr lang="de-DE" sz="2400" dirty="0"/>
+              <a:t>Gute Kommunikation</a:t>
+            </a:r>
+          </a:p>
+          <a:p>
+            <a:pPr lvl="1">
+              <a:lnSpc>
+                <a:spcPct val="150000"/>
+              </a:lnSpc>
+              <a:buFont typeface="Arial" panose="020B0604020202020204" pitchFamily="34" charset="0"/>
+              <a:buChar char="•"/>
+            </a:pPr>
+            <a:r>
+              <a:rPr lang="de-DE" sz="2400" dirty="0"/>
+              <a:t>Workflow und Integration mit VCS</a:t>
+            </a:r>
+          </a:p>
+          <a:p>
+            <a:pPr lvl="1">
+              <a:lnSpc>
+                <a:spcPct val="150000"/>
+              </a:lnSpc>
+              <a:buFont typeface="Arial" panose="020B0604020202020204" pitchFamily="34" charset="0"/>
+              <a:buChar char="•"/>
+            </a:pPr>
+            <a:r>
+              <a:rPr lang="de-DE" sz="2400" dirty="0"/>
+              <a:t>Technische Umsetzung</a:t>
+            </a:r>
+          </a:p>
+          <a:p>
+            <a:pPr lvl="1">
+              <a:lnSpc>
+                <a:spcPct val="150000"/>
+              </a:lnSpc>
+              <a:buFont typeface="Arial" panose="020B0604020202020204" pitchFamily="34" charset="0"/>
+              <a:buChar char="•"/>
+            </a:pPr>
+            <a:r>
+              <a:rPr lang="de-DE" sz="2400" dirty="0"/>
+              <a:t>Dokumentation</a:t>
+            </a:r>
+          </a:p>
+          <a:p>
+            <a:pPr marL="180975" lvl="1" indent="0">
+              <a:lnSpc>
+                <a:spcPct val="150000"/>
+              </a:lnSpc>
+              <a:buFont typeface="Arial" panose="020B0604020202020204" pitchFamily="34" charset="0"/>
+              <a:buNone/>
+            </a:pPr>
+            <a:endParaRPr lang="de-DE" sz="2400" dirty="0"/>
+          </a:p>
+          <a:p>
+            <a:pPr>
+              <a:lnSpc>
+                <a:spcPct val="150000"/>
+              </a:lnSpc>
+              <a:buFont typeface="Wingdings" panose="05000000000000000000" pitchFamily="2" charset="2"/>
+              <a:buChar char="§"/>
+            </a:pPr>
+            <a:endParaRPr lang="de-DE" sz="2400" dirty="0"/>
+          </a:p>
+          <a:p>
+            <a:pPr>
+              <a:lnSpc>
+                <a:spcPct val="150000"/>
+              </a:lnSpc>
+            </a:pPr>
+            <a:endParaRPr lang="de-DE" sz="2000" dirty="0"/>
+          </a:p>
+          <a:p>
+            <a:pPr>
+              <a:lnSpc>
+                <a:spcPct val="150000"/>
+              </a:lnSpc>
+            </a:pPr>
+            <a:endParaRPr lang="de-DE" sz="2000" dirty="0"/>
+          </a:p>
+          <a:p>
+            <a:pPr>
+              <a:lnSpc>
+                <a:spcPct val="150000"/>
+              </a:lnSpc>
+            </a:pPr>
+            <a:endParaRPr lang="de-DE" sz="2000" dirty="0"/>
+          </a:p>
+          <a:p>
+            <a:pPr>
+              <a:lnSpc>
+                <a:spcPct val="150000"/>
+              </a:lnSpc>
+            </a:pPr>
+            <a:endParaRPr lang="en-US" sz="2000" dirty="0"/>
+          </a:p>
+        </p:txBody>
+      </p:sp>
+    </p:spTree>
+    <p:extLst>
+      <p:ext uri="{BB962C8B-B14F-4D97-AF65-F5344CB8AC3E}">
+        <p14:creationId xmlns:p14="http://schemas.microsoft.com/office/powerpoint/2010/main" val="3804217471"/>
+      </p:ext>
+    </p:extLst>
+  </p:cSld>
+  <p:clrMapOvr>
+    <a:masterClrMapping/>
+  </p:clrMapOvr>
+  <mc:AlternateContent xmlns:mc="http://schemas.openxmlformats.org/markup-compatibility/2006">
+    <mc:Choice xmlns:p15="http://schemas.microsoft.com/office/powerpoint/2012/main" Requires="p15">
+      <p:transition spd="med">
+        <p15:prstTrans prst="fallOver"/>
+      </p:transition>
+    </mc:Choice>
+    <mc:Fallback>
+      <p:transition spd="med">
+        <p:fade/>
+      </p:transition>
+    </mc:Fallback>
+  </mc:AlternateContent>
+</p:sld>
+</file>
+
+<file path=ppt/slides/slide13.xml><?xml version="1.0" encoding="utf-8"?>
+<p:sld xmlns:a="http://schemas.openxmlformats.org/drawingml/2006/main" xmlns:r="http://schemas.openxmlformats.org/officeDocument/2006/relationships" xmlns:p="http://schemas.openxmlformats.org/presentationml/2006/main">
+  <p:cSld>
+    <p:spTree>
+      <p:nvGrpSpPr>
+        <p:cNvPr id="1" name="">
+          <a:extLst>
+            <a:ext uri="{FF2B5EF4-FFF2-40B4-BE49-F238E27FC236}">
+              <a16:creationId xmlns:a16="http://schemas.microsoft.com/office/drawing/2014/main" id="{CFE7ABB7-C7BD-DE35-F340-DDE289861AFD}"/>
+            </a:ext>
+          </a:extLst>
+        </p:cNvPr>
+        <p:cNvGrpSpPr/>
+        <p:nvPr/>
+      </p:nvGrpSpPr>
+      <p:grpSpPr>
+        <a:xfrm>
+          <a:off x="0" y="0"/>
+          <a:ext cx="0" cy="0"/>
+          <a:chOff x="0" y="0"/>
+          <a:chExt cx="0" cy="0"/>
+        </a:xfrm>
+      </p:grpSpPr>
+      <p:sp>
+        <p:nvSpPr>
+          <p:cNvPr id="2" name="Titel 1">
+            <a:extLst>
+              <a:ext uri="{FF2B5EF4-FFF2-40B4-BE49-F238E27FC236}">
+                <a16:creationId xmlns:a16="http://schemas.microsoft.com/office/drawing/2014/main" id="{188B5FFE-D31A-7251-E1F1-24E412021DED}"/>
+              </a:ext>
+            </a:extLst>
+          </p:cNvPr>
+          <p:cNvSpPr>
+            <a:spLocks noGrp="1"/>
+          </p:cNvSpPr>
+          <p:nvPr>
+            <p:ph type="title"/>
+          </p:nvPr>
+        </p:nvSpPr>
+        <p:spPr>
+          <a:xfrm>
+            <a:off x="582488" y="506469"/>
+            <a:ext cx="6845253" cy="648000"/>
+          </a:xfrm>
+        </p:spPr>
+        <p:txBody>
+          <a:bodyPr/>
+          <a:lstStyle/>
+          <a:p>
+            <a:r>
+              <a:rPr lang="de-DE" sz="3200" dirty="0">
+                <a:cs typeface="Arial"/>
+              </a:rPr>
+              <a:t>Kritik: Was lief nicht so gut?</a:t>
+            </a:r>
+            <a:endParaRPr lang="de-DE" sz="3200" dirty="0"/>
+          </a:p>
+        </p:txBody>
+      </p:sp>
+      <p:sp>
+        <p:nvSpPr>
+          <p:cNvPr id="4" name="Datumsplatzhalter 3">
+            <a:extLst>
+              <a:ext uri="{FF2B5EF4-FFF2-40B4-BE49-F238E27FC236}">
+                <a16:creationId xmlns:a16="http://schemas.microsoft.com/office/drawing/2014/main" id="{EF812D3C-502B-4294-AE64-0DE46DBF8E32}"/>
+              </a:ext>
+            </a:extLst>
+          </p:cNvPr>
+          <p:cNvSpPr>
+            <a:spLocks noGrp="1"/>
+          </p:cNvSpPr>
+          <p:nvPr>
+            <p:ph type="dt" sz="half" idx="10"/>
+          </p:nvPr>
+        </p:nvSpPr>
+        <p:spPr>
+          <a:xfrm>
+            <a:off x="1789332" y="6069025"/>
+            <a:ext cx="3084342" cy="550838"/>
+          </a:xfrm>
+        </p:spPr>
+        <p:txBody>
+          <a:bodyPr/>
+          <a:lstStyle/>
+          <a:p>
+            <a:r>
+              <a:rPr lang="de-DE" dirty="0"/>
+              <a:t>Organisation App </a:t>
+            </a:r>
+          </a:p>
+          <a:p>
+            <a:r>
+              <a:rPr lang="en-US" dirty="0"/>
+              <a:t>18.01.2024</a:t>
+            </a:r>
+          </a:p>
+          <a:p>
+            <a:r>
+              <a:rPr lang="de-DE" sz="1100" b="0" dirty="0"/>
+              <a:t>Jan Weller, Leon Beckert, Ángel </a:t>
+            </a:r>
+            <a:r>
+              <a:rPr lang="de-DE" sz="1100" b="0" dirty="0" err="1"/>
+              <a:t>Currás</a:t>
+            </a:r>
+            <a:r>
+              <a:rPr lang="de-DE" sz="1100" b="0" dirty="0"/>
+              <a:t> Sánchez</a:t>
+            </a:r>
+            <a:endParaRPr lang="de-DE" dirty="0"/>
+          </a:p>
+        </p:txBody>
+      </p:sp>
+      <p:sp>
+        <p:nvSpPr>
+          <p:cNvPr id="8" name="Foliennummernplatzhalter 7">
+            <a:extLst>
+              <a:ext uri="{FF2B5EF4-FFF2-40B4-BE49-F238E27FC236}">
+                <a16:creationId xmlns:a16="http://schemas.microsoft.com/office/drawing/2014/main" id="{50B8480A-14A5-8875-1A0E-0E2328FBB052}"/>
+              </a:ext>
+            </a:extLst>
+          </p:cNvPr>
+          <p:cNvSpPr>
+            <a:spLocks noGrp="1"/>
+          </p:cNvSpPr>
+          <p:nvPr>
+            <p:ph type="sldNum" sz="quarter" idx="12"/>
+          </p:nvPr>
+        </p:nvSpPr>
+        <p:spPr/>
+        <p:txBody>
+          <a:bodyPr/>
+          <a:lstStyle/>
+          <a:p>
+            <a:fld id="{A13361CF-9A47-4C8C-A01E-566DC0626ACC}" type="slidenum">
+              <a:rPr lang="de-DE" smtClean="0"/>
+              <a:t>13</a:t>
+            </a:fld>
+            <a:endParaRPr lang="de-DE"/>
+          </a:p>
+        </p:txBody>
+      </p:sp>
+      <p:pic>
+        <p:nvPicPr>
+          <p:cNvPr id="5" name="Graphic 4">
+            <a:extLst>
+              <a:ext uri="{FF2B5EF4-FFF2-40B4-BE49-F238E27FC236}">
+                <a16:creationId xmlns:a16="http://schemas.microsoft.com/office/drawing/2014/main" id="{FEB23A81-DD55-F13D-85C0-E1B73F290F44}"/>
+              </a:ext>
+            </a:extLst>
+          </p:cNvPr>
+          <p:cNvPicPr>
+            <a:picLocks noChangeAspect="1"/>
+          </p:cNvPicPr>
+          <p:nvPr/>
+        </p:nvPicPr>
+        <p:blipFill>
+          <a:blip r:embed="rId2">
+            <a:extLst>
+              <a:ext uri="{28A0092B-C50C-407E-A947-70E740481C1C}">
+                <a14:useLocalDpi xmlns:a14="http://schemas.microsoft.com/office/drawing/2010/main" val="0"/>
+              </a:ext>
+              <a:ext uri="{96DAC541-7B7A-43D3-8B79-37D633B846F1}">
+                <asvg:svgBlip xmlns:asvg="http://schemas.microsoft.com/office/drawing/2016/SVG/main" r:embed="rId3"/>
+              </a:ext>
+            </a:extLst>
+          </a:blip>
+          <a:stretch>
+            <a:fillRect/>
+          </a:stretch>
+        </p:blipFill>
+        <p:spPr>
+          <a:xfrm>
+            <a:off x="7082473" y="6064883"/>
+            <a:ext cx="1881279" cy="546696"/>
+          </a:xfrm>
+          <a:prstGeom prst="rect">
+            <a:avLst/>
+          </a:prstGeom>
+        </p:spPr>
+      </p:pic>
+      <p:pic>
+        <p:nvPicPr>
+          <p:cNvPr id="9" name="Graphic 8">
+            <a:extLst>
+              <a:ext uri="{FF2B5EF4-FFF2-40B4-BE49-F238E27FC236}">
+                <a16:creationId xmlns:a16="http://schemas.microsoft.com/office/drawing/2014/main" id="{167FC207-9EA4-DB4F-31D6-BAFB119C86AF}"/>
+              </a:ext>
+            </a:extLst>
+          </p:cNvPr>
+          <p:cNvPicPr>
+            <a:picLocks noChangeAspect="1"/>
+          </p:cNvPicPr>
+          <p:nvPr/>
+        </p:nvPicPr>
+        <p:blipFill>
+          <a:blip r:embed="rId4">
+            <a:extLst>
+              <a:ext uri="{28A0092B-C50C-407E-A947-70E740481C1C}">
+                <a14:useLocalDpi xmlns:a14="http://schemas.microsoft.com/office/drawing/2010/main" val="0"/>
+              </a:ext>
+              <a:ext uri="{96DAC541-7B7A-43D3-8B79-37D633B846F1}">
+                <asvg:svgBlip xmlns:asvg="http://schemas.microsoft.com/office/drawing/2016/SVG/main" r:embed="rId5"/>
+              </a:ext>
+            </a:extLst>
+          </a:blip>
+          <a:stretch>
+            <a:fillRect/>
+          </a:stretch>
+        </p:blipFill>
+        <p:spPr>
+          <a:xfrm>
+            <a:off x="9400100" y="6069025"/>
+            <a:ext cx="2177611" cy="559957"/>
+          </a:xfrm>
+          <a:prstGeom prst="rect">
+            <a:avLst/>
+          </a:prstGeom>
+        </p:spPr>
+      </p:pic>
+      <p:pic>
+        <p:nvPicPr>
+          <p:cNvPr id="11" name="Picture 10" descr="A red cube with a white strip&#10;&#10;Description automatically generated">
+            <a:extLst>
+              <a:ext uri="{FF2B5EF4-FFF2-40B4-BE49-F238E27FC236}">
+                <a16:creationId xmlns:a16="http://schemas.microsoft.com/office/drawing/2014/main" id="{230BC10A-98A8-3567-0BEF-626F20B9A74C}"/>
+              </a:ext>
+            </a:extLst>
+          </p:cNvPr>
+          <p:cNvPicPr>
+            <a:picLocks noChangeAspect="1"/>
+          </p:cNvPicPr>
+          <p:nvPr/>
+        </p:nvPicPr>
+        <p:blipFill>
+          <a:blip r:embed="rId6">
+            <a:extLst>
+              <a:ext uri="{28A0092B-C50C-407E-A947-70E740481C1C}">
+                <a14:useLocalDpi xmlns:a14="http://schemas.microsoft.com/office/drawing/2010/main" val="0"/>
+              </a:ext>
+            </a:extLst>
+          </a:blip>
+          <a:stretch>
+            <a:fillRect/>
+          </a:stretch>
+        </p:blipFill>
+        <p:spPr>
+          <a:xfrm>
+            <a:off x="6096000" y="6064883"/>
+            <a:ext cx="550838" cy="550838"/>
+          </a:xfrm>
+          <a:prstGeom prst="rect">
+            <a:avLst/>
+          </a:prstGeom>
+        </p:spPr>
+      </p:pic>
+      <p:pic>
+        <p:nvPicPr>
+          <p:cNvPr id="13" name="Picture 12" descr="A black and white photo&#10;&#10;Description automatically generated">
+            <a:extLst>
+              <a:ext uri="{FF2B5EF4-FFF2-40B4-BE49-F238E27FC236}">
+                <a16:creationId xmlns:a16="http://schemas.microsoft.com/office/drawing/2014/main" id="{85ABD8F3-155A-6084-C8E6-4499AD38370B}"/>
+              </a:ext>
+            </a:extLst>
+          </p:cNvPr>
+          <p:cNvPicPr>
+            <a:picLocks noChangeAspect="1"/>
+          </p:cNvPicPr>
+          <p:nvPr/>
+        </p:nvPicPr>
+        <p:blipFill>
+          <a:blip r:embed="rId7">
+            <a:extLst>
+              <a:ext uri="{28A0092B-C50C-407E-A947-70E740481C1C}">
+                <a14:useLocalDpi xmlns:a14="http://schemas.microsoft.com/office/drawing/2010/main" val="0"/>
+              </a:ext>
+            </a:extLst>
+          </a:blip>
+          <a:stretch>
+            <a:fillRect/>
+          </a:stretch>
+        </p:blipFill>
+        <p:spPr>
+          <a:xfrm>
+            <a:off x="6096713" y="6585802"/>
+            <a:ext cx="549412" cy="166325"/>
+          </a:xfrm>
+          <a:prstGeom prst="rect">
+            <a:avLst/>
+          </a:prstGeom>
+        </p:spPr>
+      </p:pic>
+      <p:sp>
+        <p:nvSpPr>
+          <p:cNvPr id="6" name="Inhaltsplatzhalter 2">
+            <a:extLst>
+              <a:ext uri="{FF2B5EF4-FFF2-40B4-BE49-F238E27FC236}">
+                <a16:creationId xmlns:a16="http://schemas.microsoft.com/office/drawing/2014/main" id="{CAB1C008-689A-8EA9-CFCD-B2F633AD8C66}"/>
+              </a:ext>
+            </a:extLst>
+          </p:cNvPr>
+          <p:cNvSpPr txBox="1">
+            <a:spLocks/>
+          </p:cNvSpPr>
+          <p:nvPr/>
+        </p:nvSpPr>
+        <p:spPr>
+          <a:xfrm>
+            <a:off x="910162" y="1527031"/>
+            <a:ext cx="11062762" cy="4456427"/>
+          </a:xfrm>
+          <a:prstGeom prst="rect">
+            <a:avLst/>
+          </a:prstGeom>
+        </p:spPr>
+        <p:txBody>
+          <a:bodyPr vert="horz" lIns="0" tIns="0" rIns="0" bIns="0" rtlCol="0" anchor="t" anchorCtr="0">
+            <a:noAutofit/>
+          </a:bodyPr>
+          <a:lstStyle>
+            <a:lvl1pPr marL="180975" indent="-180975" algn="l" defTabSz="914400" rtl="0" eaLnBrk="1" latinLnBrk="0" hangingPunct="1">
+              <a:lnSpc>
+                <a:spcPct val="97000"/>
+              </a:lnSpc>
+              <a:spcBef>
+                <a:spcPts val="0"/>
+              </a:spcBef>
+              <a:buFont typeface="Arial" panose="020B0604020202020204" pitchFamily="34" charset="0"/>
+              <a:buChar char="•"/>
+              <a:defRPr sz="1800" kern="1200">
+                <a:solidFill>
+                  <a:schemeClr val="tx1"/>
+                </a:solidFill>
+                <a:latin typeface="+mn-lt"/>
+                <a:ea typeface="+mn-ea"/>
+                <a:cs typeface="+mn-cs"/>
+              </a:defRPr>
+            </a:lvl1pPr>
+            <a:lvl2pPr marL="361950" indent="-180975" algn="l" defTabSz="914400" rtl="0" eaLnBrk="1" latinLnBrk="0" hangingPunct="1">
+              <a:lnSpc>
+                <a:spcPct val="97000"/>
+              </a:lnSpc>
+              <a:spcBef>
+                <a:spcPts val="0"/>
+              </a:spcBef>
+              <a:buFont typeface="Arial" panose="020B0604020202020204" pitchFamily="34" charset="0"/>
+              <a:buChar char="‒"/>
+              <a:defRPr sz="1800" kern="1200">
+                <a:solidFill>
+                  <a:schemeClr val="tx1"/>
+                </a:solidFill>
+                <a:latin typeface="+mn-lt"/>
+                <a:ea typeface="+mn-ea"/>
+                <a:cs typeface="+mn-cs"/>
+              </a:defRPr>
+            </a:lvl2pPr>
+            <a:lvl3pPr marL="542925" indent="-180975" algn="l" defTabSz="914400" rtl="0" eaLnBrk="1" latinLnBrk="0" hangingPunct="1">
+              <a:lnSpc>
+                <a:spcPct val="97000"/>
+              </a:lnSpc>
+              <a:spcBef>
+                <a:spcPts val="0"/>
+              </a:spcBef>
+              <a:buFont typeface="Arial" panose="020B0604020202020204" pitchFamily="34" charset="0"/>
+              <a:buChar char="‒"/>
+              <a:defRPr sz="1800" kern="1200">
+                <a:solidFill>
+                  <a:schemeClr val="tx1"/>
+                </a:solidFill>
+                <a:latin typeface="+mn-lt"/>
+                <a:ea typeface="+mn-ea"/>
+                <a:cs typeface="+mn-cs"/>
+              </a:defRPr>
+            </a:lvl3pPr>
+            <a:lvl4pPr marL="714375" indent="-171450" algn="l" defTabSz="914400" rtl="0" eaLnBrk="1" latinLnBrk="0" hangingPunct="1">
+              <a:lnSpc>
+                <a:spcPct val="97000"/>
+              </a:lnSpc>
+              <a:spcBef>
+                <a:spcPts val="0"/>
+              </a:spcBef>
+              <a:buFont typeface="Arial" panose="020B0604020202020204" pitchFamily="34" charset="0"/>
+              <a:buChar char="‒"/>
+              <a:defRPr sz="1800" kern="1200">
+                <a:solidFill>
+                  <a:schemeClr val="tx1"/>
+                </a:solidFill>
+                <a:latin typeface="+mn-lt"/>
+                <a:ea typeface="+mn-ea"/>
+                <a:cs typeface="+mn-cs"/>
+              </a:defRPr>
+            </a:lvl4pPr>
+            <a:lvl5pPr marL="895350" indent="-180975" algn="l" defTabSz="914400" rtl="0" eaLnBrk="1" latinLnBrk="0" hangingPunct="1">
+              <a:lnSpc>
+                <a:spcPct val="97000"/>
+              </a:lnSpc>
+              <a:spcBef>
+                <a:spcPts val="0"/>
+              </a:spcBef>
+              <a:buFont typeface="Arial" panose="020B0604020202020204" pitchFamily="34" charset="0"/>
+              <a:buChar char="‒"/>
+              <a:defRPr sz="1800" kern="1200">
+                <a:solidFill>
+                  <a:schemeClr val="tx1"/>
+                </a:solidFill>
+                <a:latin typeface="+mn-lt"/>
+                <a:ea typeface="+mn-ea"/>
+                <a:cs typeface="+mn-cs"/>
+              </a:defRPr>
+            </a:lvl5pPr>
+            <a:lvl6pPr marL="2514600" indent="-228600" algn="l" defTabSz="914400" rtl="0" eaLnBrk="1" latinLnBrk="0" hangingPunct="1">
+              <a:lnSpc>
+                <a:spcPct val="90000"/>
+              </a:lnSpc>
+              <a:spcBef>
+                <a:spcPts val="500"/>
+              </a:spcBef>
+              <a:buFont typeface="Arial" panose="020B0604020202020204" pitchFamily="34" charset="0"/>
+              <a:buChar char="•"/>
+              <a:defRPr sz="1800" kern="1200">
+                <a:solidFill>
+                  <a:schemeClr val="tx1"/>
+                </a:solidFill>
+                <a:latin typeface="+mn-lt"/>
+                <a:ea typeface="+mn-ea"/>
+                <a:cs typeface="+mn-cs"/>
+              </a:defRPr>
+            </a:lvl6pPr>
+            <a:lvl7pPr marL="2971800" indent="-228600" algn="l" defTabSz="914400" rtl="0" eaLnBrk="1" latinLnBrk="0" hangingPunct="1">
+              <a:lnSpc>
+                <a:spcPct val="90000"/>
+              </a:lnSpc>
+              <a:spcBef>
+                <a:spcPts val="500"/>
+              </a:spcBef>
+              <a:buFont typeface="Arial" panose="020B0604020202020204" pitchFamily="34" charset="0"/>
+              <a:buChar char="•"/>
+              <a:defRPr sz="1800" kern="1200">
+                <a:solidFill>
+                  <a:schemeClr val="tx1"/>
+                </a:solidFill>
+                <a:latin typeface="+mn-lt"/>
+                <a:ea typeface="+mn-ea"/>
+                <a:cs typeface="+mn-cs"/>
+              </a:defRPr>
+            </a:lvl7pPr>
+            <a:lvl8pPr marL="3429000" indent="-228600" algn="l" defTabSz="914400" rtl="0" eaLnBrk="1" latinLnBrk="0" hangingPunct="1">
+              <a:lnSpc>
+                <a:spcPct val="90000"/>
+              </a:lnSpc>
+              <a:spcBef>
+                <a:spcPts val="500"/>
+              </a:spcBef>
+              <a:buFont typeface="Arial" panose="020B0604020202020204" pitchFamily="34" charset="0"/>
+              <a:buChar char="•"/>
+              <a:defRPr sz="1800" kern="1200">
+                <a:solidFill>
+                  <a:schemeClr val="tx1"/>
+                </a:solidFill>
+                <a:latin typeface="+mn-lt"/>
+                <a:ea typeface="+mn-ea"/>
+                <a:cs typeface="+mn-cs"/>
+              </a:defRPr>
+            </a:lvl8pPr>
+            <a:lvl9pPr marL="3886200" indent="-228600" algn="l" defTabSz="914400" rtl="0" eaLnBrk="1" latinLnBrk="0" hangingPunct="1">
+              <a:lnSpc>
+                <a:spcPct val="90000"/>
+              </a:lnSpc>
+              <a:spcBef>
+                <a:spcPts val="500"/>
+              </a:spcBef>
+              <a:buFont typeface="Arial" panose="020B0604020202020204" pitchFamily="34" charset="0"/>
+              <a:buChar char="•"/>
+              <a:defRPr sz="1800" kern="1200">
+                <a:solidFill>
+                  <a:schemeClr val="tx1"/>
+                </a:solidFill>
+                <a:latin typeface="+mn-lt"/>
+                <a:ea typeface="+mn-ea"/>
+                <a:cs typeface="+mn-cs"/>
+              </a:defRPr>
+            </a:lvl9pPr>
+          </a:lstStyle>
+          <a:p>
+            <a:pPr lvl="1">
+              <a:lnSpc>
+                <a:spcPct val="150000"/>
+              </a:lnSpc>
+              <a:buFont typeface="Arial" panose="020B0604020202020204" pitchFamily="34" charset="0"/>
+              <a:buChar char="•"/>
+            </a:pPr>
+            <a:r>
+              <a:rPr lang="de-DE" sz="2400" dirty="0"/>
+              <a:t>Planung der Arbeit </a:t>
+            </a:r>
+            <a:r>
+              <a:rPr lang="de-DE" sz="2400" dirty="0">
+                <a:sym typeface="Wingdings" panose="05000000000000000000" pitchFamily="2" charset="2"/>
+              </a:rPr>
+              <a:t> Unterschätzung des Aufwands</a:t>
+            </a:r>
+          </a:p>
+          <a:p>
+            <a:pPr lvl="1">
+              <a:lnSpc>
+                <a:spcPct val="150000"/>
+              </a:lnSpc>
+              <a:buFont typeface="Arial" panose="020B0604020202020204" pitchFamily="34" charset="0"/>
+              <a:buChar char="•"/>
+            </a:pPr>
+            <a:r>
+              <a:rPr lang="de-DE" sz="2400" dirty="0">
+                <a:sym typeface="Wingdings" panose="05000000000000000000" pitchFamily="2" charset="2"/>
+              </a:rPr>
+              <a:t>Ursprünglicher Umfang sehr groß</a:t>
+            </a:r>
+          </a:p>
+          <a:p>
+            <a:pPr lvl="1">
+              <a:lnSpc>
+                <a:spcPct val="150000"/>
+              </a:lnSpc>
+              <a:buFont typeface="Arial" panose="020B0604020202020204" pitchFamily="34" charset="0"/>
+              <a:buChar char="•"/>
+            </a:pPr>
+            <a:r>
+              <a:rPr lang="de-DE" sz="2400" dirty="0">
+                <a:sym typeface="Wingdings" panose="05000000000000000000" pitchFamily="2" charset="2"/>
+              </a:rPr>
+              <a:t>Design der App könnte besser sein</a:t>
+            </a:r>
+          </a:p>
+          <a:p>
+            <a:pPr lvl="1">
+              <a:lnSpc>
+                <a:spcPct val="150000"/>
+              </a:lnSpc>
+              <a:buFont typeface="Arial" panose="020B0604020202020204" pitchFamily="34" charset="0"/>
+              <a:buChar char="•"/>
+            </a:pPr>
+            <a:r>
+              <a:rPr lang="de-DE" sz="2400" dirty="0">
+                <a:sym typeface="Wingdings" panose="05000000000000000000" pitchFamily="2" charset="2"/>
+              </a:rPr>
+              <a:t>Testen erst ganz am Ende</a:t>
+            </a:r>
+          </a:p>
+          <a:p>
+            <a:pPr lvl="1">
+              <a:lnSpc>
+                <a:spcPct val="150000"/>
+              </a:lnSpc>
+              <a:buFont typeface="Arial" panose="020B0604020202020204" pitchFamily="34" charset="0"/>
+              <a:buChar char="•"/>
+            </a:pPr>
+            <a:r>
+              <a:rPr lang="de-DE" sz="2400" dirty="0">
+                <a:sym typeface="Wingdings" panose="05000000000000000000" pitchFamily="2" charset="2"/>
+              </a:rPr>
+              <a:t>Technische Schwierigkeiten  Spring </a:t>
+            </a:r>
+            <a:r>
+              <a:rPr lang="en-US" sz="2400" dirty="0">
+                <a:sym typeface="Wingdings" panose="05000000000000000000" pitchFamily="2" charset="2"/>
+              </a:rPr>
+              <a:t>Relationships</a:t>
+            </a:r>
+          </a:p>
+          <a:p>
+            <a:pPr lvl="1">
+              <a:lnSpc>
+                <a:spcPct val="150000"/>
+              </a:lnSpc>
+              <a:buFont typeface="Arial" panose="020B0604020202020204" pitchFamily="34" charset="0"/>
+              <a:buChar char="•"/>
+            </a:pPr>
+            <a:endParaRPr lang="de-DE" sz="2400" dirty="0"/>
+          </a:p>
+          <a:p>
+            <a:pPr>
+              <a:lnSpc>
+                <a:spcPct val="150000"/>
+              </a:lnSpc>
+              <a:buFont typeface="Wingdings" panose="05000000000000000000" pitchFamily="2" charset="2"/>
+              <a:buChar char="§"/>
+            </a:pPr>
+            <a:endParaRPr lang="de-DE" sz="2400" dirty="0"/>
+          </a:p>
+          <a:p>
+            <a:pPr>
+              <a:lnSpc>
+                <a:spcPct val="150000"/>
+              </a:lnSpc>
+            </a:pPr>
+            <a:endParaRPr lang="de-DE" sz="2000" dirty="0"/>
+          </a:p>
+          <a:p>
+            <a:pPr>
+              <a:lnSpc>
+                <a:spcPct val="150000"/>
+              </a:lnSpc>
+            </a:pPr>
+            <a:endParaRPr lang="de-DE" sz="2000" dirty="0"/>
+          </a:p>
+          <a:p>
+            <a:pPr>
+              <a:lnSpc>
+                <a:spcPct val="150000"/>
+              </a:lnSpc>
+            </a:pPr>
+            <a:endParaRPr lang="de-DE" sz="2000" dirty="0"/>
+          </a:p>
+          <a:p>
+            <a:pPr>
+              <a:lnSpc>
+                <a:spcPct val="150000"/>
+              </a:lnSpc>
+            </a:pPr>
+            <a:endParaRPr lang="en-US" sz="2000" dirty="0"/>
+          </a:p>
+        </p:txBody>
+      </p:sp>
+    </p:spTree>
+    <p:extLst>
+      <p:ext uri="{BB962C8B-B14F-4D97-AF65-F5344CB8AC3E}">
+        <p14:creationId xmlns:p14="http://schemas.microsoft.com/office/powerpoint/2010/main" val="1674846378"/>
+      </p:ext>
+    </p:extLst>
+  </p:cSld>
+  <p:clrMapOvr>
+    <a:masterClrMapping/>
+  </p:clrMapOvr>
+  <mc:AlternateContent xmlns:mc="http://schemas.openxmlformats.org/markup-compatibility/2006">
+    <mc:Choice xmlns:p15="http://schemas.microsoft.com/office/powerpoint/2012/main" Requires="p15">
+      <p:transition spd="med">
+        <p15:prstTrans prst="fallOver"/>
+      </p:transition>
+    </mc:Choice>
+    <mc:Fallback>
+      <p:transition spd="med">
+        <p:fade/>
+      </p:transition>
+    </mc:Fallback>
+  </mc:AlternateContent>
+</p:sld>
+</file>
+
+<file path=ppt/slides/slide14.xml><?xml version="1.0" encoding="utf-8"?>
+<p:sld xmlns:a="http://schemas.openxmlformats.org/drawingml/2006/main" xmlns:r="http://schemas.openxmlformats.org/officeDocument/2006/relationships" xmlns:p="http://schemas.openxmlformats.org/presentationml/2006/main">
+  <p:cSld>
+    <p:spTree>
+      <p:nvGrpSpPr>
+        <p:cNvPr id="1" name="">
+          <a:extLst>
+            <a:ext uri="{FF2B5EF4-FFF2-40B4-BE49-F238E27FC236}">
+              <a16:creationId xmlns:a16="http://schemas.microsoft.com/office/drawing/2014/main" id="{D3AA17AF-B970-07A3-44BF-21B691665B88}"/>
+            </a:ext>
+          </a:extLst>
+        </p:cNvPr>
+        <p:cNvGrpSpPr/>
+        <p:nvPr/>
+      </p:nvGrpSpPr>
+      <p:grpSpPr>
+        <a:xfrm>
+          <a:off x="0" y="0"/>
+          <a:ext cx="0" cy="0"/>
+          <a:chOff x="0" y="0"/>
+          <a:chExt cx="0" cy="0"/>
+        </a:xfrm>
+      </p:grpSpPr>
+      <p:sp>
+        <p:nvSpPr>
+          <p:cNvPr id="2" name="Titel 1">
+            <a:extLst>
+              <a:ext uri="{FF2B5EF4-FFF2-40B4-BE49-F238E27FC236}">
+                <a16:creationId xmlns:a16="http://schemas.microsoft.com/office/drawing/2014/main" id="{16F79B0A-48BD-7628-036D-07EFCDF7054A}"/>
+              </a:ext>
+            </a:extLst>
+          </p:cNvPr>
+          <p:cNvSpPr>
+            <a:spLocks noGrp="1"/>
+          </p:cNvSpPr>
+          <p:nvPr>
+            <p:ph type="title"/>
+          </p:nvPr>
+        </p:nvSpPr>
+        <p:spPr>
+          <a:xfrm>
+            <a:off x="582488" y="506469"/>
+            <a:ext cx="6845253" cy="648000"/>
+          </a:xfrm>
+        </p:spPr>
+        <p:txBody>
+          <a:bodyPr/>
+          <a:lstStyle/>
+          <a:p>
+            <a:r>
+              <a:rPr lang="en-US" sz="3200" dirty="0">
+                <a:cs typeface="Arial"/>
+              </a:rPr>
+              <a:t>Lessons Learned</a:t>
+            </a:r>
+            <a:endParaRPr lang="en-US" sz="3200" dirty="0"/>
+          </a:p>
+        </p:txBody>
+      </p:sp>
+      <p:sp>
+        <p:nvSpPr>
+          <p:cNvPr id="3" name="Inhaltsplatzhalter 2">
+            <a:extLst>
+              <a:ext uri="{FF2B5EF4-FFF2-40B4-BE49-F238E27FC236}">
+                <a16:creationId xmlns:a16="http://schemas.microsoft.com/office/drawing/2014/main" id="{4A1E8C33-359B-A307-C081-457BFB12A6CE}"/>
+              </a:ext>
+            </a:extLst>
+          </p:cNvPr>
+          <p:cNvSpPr>
+            <a:spLocks noGrp="1"/>
+          </p:cNvSpPr>
+          <p:nvPr>
+            <p:ph idx="1"/>
+          </p:nvPr>
+        </p:nvSpPr>
+        <p:spPr>
+          <a:xfrm>
+            <a:off x="757762" y="1381506"/>
+            <a:ext cx="11062762" cy="4456427"/>
+          </a:xfrm>
+        </p:spPr>
+        <p:txBody>
+          <a:bodyPr/>
+          <a:lstStyle/>
+          <a:p>
+            <a:pPr lvl="1">
+              <a:lnSpc>
+                <a:spcPct val="150000"/>
+              </a:lnSpc>
+              <a:buFont typeface="Arial" panose="020B0604020202020204" pitchFamily="34" charset="0"/>
+              <a:buChar char="•"/>
+            </a:pPr>
+            <a:r>
+              <a:rPr lang="de-DE" sz="2400" dirty="0"/>
+              <a:t>Konservativere Planung der User Stories in den Sprints</a:t>
+            </a:r>
+          </a:p>
+          <a:p>
+            <a:pPr marL="361950" lvl="2" indent="0">
+              <a:lnSpc>
+                <a:spcPct val="150000"/>
+              </a:lnSpc>
+              <a:buNone/>
+            </a:pPr>
+            <a:r>
+              <a:rPr lang="de-DE" sz="2400" dirty="0">
+                <a:sym typeface="Wingdings" panose="05000000000000000000" pitchFamily="2" charset="2"/>
+              </a:rPr>
+              <a:t> Weniger User Stories pro Sprint</a:t>
+            </a:r>
+            <a:endParaRPr lang="de-DE" sz="2400" dirty="0"/>
+          </a:p>
+          <a:p>
+            <a:pPr lvl="1">
+              <a:lnSpc>
+                <a:spcPct val="150000"/>
+              </a:lnSpc>
+              <a:buFont typeface="Arial" panose="020B0604020202020204" pitchFamily="34" charset="0"/>
+              <a:buChar char="•"/>
+            </a:pPr>
+            <a:endParaRPr lang="de-DE" sz="2400" dirty="0"/>
+          </a:p>
+          <a:p>
+            <a:pPr lvl="1">
+              <a:lnSpc>
+                <a:spcPct val="150000"/>
+              </a:lnSpc>
+              <a:buFont typeface="Arial" panose="020B0604020202020204" pitchFamily="34" charset="0"/>
+              <a:buChar char="•"/>
+            </a:pPr>
+            <a:r>
+              <a:rPr lang="de-DE" sz="2400" dirty="0"/>
+              <a:t>Tests parallel zur Entwicklung der Funktionalität durchführen</a:t>
+            </a:r>
+          </a:p>
+          <a:p>
+            <a:pPr lvl="1">
+              <a:lnSpc>
+                <a:spcPct val="150000"/>
+              </a:lnSpc>
+              <a:buFont typeface="Arial" panose="020B0604020202020204" pitchFamily="34" charset="0"/>
+              <a:buChar char="•"/>
+            </a:pPr>
+            <a:r>
+              <a:rPr lang="de-DE" sz="2400" dirty="0"/>
+              <a:t>Workflow im Git</a:t>
+            </a:r>
+          </a:p>
+          <a:p>
+            <a:pPr lvl="1">
+              <a:lnSpc>
+                <a:spcPct val="150000"/>
+              </a:lnSpc>
+              <a:buFont typeface="Arial" panose="020B0604020202020204" pitchFamily="34" charset="0"/>
+              <a:buChar char="•"/>
+            </a:pPr>
+            <a:r>
+              <a:rPr lang="de-DE" sz="2400"/>
+              <a:t>Projektmanagement</a:t>
+            </a:r>
+            <a:endParaRPr lang="de-DE" sz="2400" dirty="0"/>
+          </a:p>
+          <a:p>
+            <a:pPr lvl="1">
+              <a:lnSpc>
+                <a:spcPct val="150000"/>
+              </a:lnSpc>
+              <a:buFont typeface="Arial" panose="020B0604020202020204" pitchFamily="34" charset="0"/>
+              <a:buChar char="•"/>
+            </a:pPr>
+            <a:endParaRPr lang="de-DE" sz="2400" dirty="0"/>
+          </a:p>
+          <a:p>
+            <a:pPr lvl="1">
+              <a:lnSpc>
+                <a:spcPct val="150000"/>
+              </a:lnSpc>
+              <a:buFont typeface="Arial" panose="020B0604020202020204" pitchFamily="34" charset="0"/>
+              <a:buChar char="•"/>
+            </a:pPr>
+            <a:endParaRPr lang="de-DE" sz="2400" dirty="0"/>
+          </a:p>
+        </p:txBody>
+      </p:sp>
+      <p:sp>
+        <p:nvSpPr>
+          <p:cNvPr id="4" name="Datumsplatzhalter 3">
+            <a:extLst>
+              <a:ext uri="{FF2B5EF4-FFF2-40B4-BE49-F238E27FC236}">
+                <a16:creationId xmlns:a16="http://schemas.microsoft.com/office/drawing/2014/main" id="{B2A9E655-8FD4-6E45-6935-38439B5018F3}"/>
+              </a:ext>
+            </a:extLst>
+          </p:cNvPr>
+          <p:cNvSpPr>
+            <a:spLocks noGrp="1"/>
+          </p:cNvSpPr>
+          <p:nvPr>
+            <p:ph type="dt" sz="half" idx="10"/>
+          </p:nvPr>
+        </p:nvSpPr>
+        <p:spPr>
+          <a:xfrm>
+            <a:off x="1789332" y="6069025"/>
+            <a:ext cx="3084342" cy="550838"/>
+          </a:xfrm>
+        </p:spPr>
+        <p:txBody>
+          <a:bodyPr/>
+          <a:lstStyle/>
+          <a:p>
+            <a:r>
+              <a:rPr lang="de-DE" dirty="0"/>
+              <a:t>Organisation App </a:t>
+            </a:r>
+          </a:p>
+          <a:p>
+            <a:r>
+              <a:rPr lang="en-US" dirty="0"/>
+              <a:t>18.01.2024</a:t>
+            </a:r>
+          </a:p>
+          <a:p>
+            <a:r>
+              <a:rPr lang="de-DE" sz="1100" b="0" dirty="0"/>
+              <a:t>Jan Weller, Leon Beckert, Ángel </a:t>
+            </a:r>
+            <a:r>
+              <a:rPr lang="de-DE" sz="1100" b="0" dirty="0" err="1"/>
+              <a:t>Currás</a:t>
+            </a:r>
+            <a:r>
+              <a:rPr lang="de-DE" sz="1100" b="0" dirty="0"/>
+              <a:t> Sánchez</a:t>
+            </a:r>
+            <a:endParaRPr lang="de-DE" dirty="0"/>
+          </a:p>
+        </p:txBody>
+      </p:sp>
+      <p:sp>
+        <p:nvSpPr>
+          <p:cNvPr id="8" name="Foliennummernplatzhalter 7">
+            <a:extLst>
+              <a:ext uri="{FF2B5EF4-FFF2-40B4-BE49-F238E27FC236}">
+                <a16:creationId xmlns:a16="http://schemas.microsoft.com/office/drawing/2014/main" id="{B8496F98-A8FC-F282-22DA-291300207D27}"/>
+              </a:ext>
+            </a:extLst>
+          </p:cNvPr>
+          <p:cNvSpPr>
+            <a:spLocks noGrp="1"/>
+          </p:cNvSpPr>
+          <p:nvPr>
+            <p:ph type="sldNum" sz="quarter" idx="12"/>
+          </p:nvPr>
+        </p:nvSpPr>
+        <p:spPr/>
+        <p:txBody>
+          <a:bodyPr/>
+          <a:lstStyle/>
+          <a:p>
+            <a:fld id="{A13361CF-9A47-4C8C-A01E-566DC0626ACC}" type="slidenum">
+              <a:rPr lang="de-DE" smtClean="0"/>
+              <a:t>14</a:t>
+            </a:fld>
+            <a:endParaRPr lang="de-DE"/>
+          </a:p>
+        </p:txBody>
+      </p:sp>
+      <p:pic>
+        <p:nvPicPr>
+          <p:cNvPr id="5" name="Graphic 4">
+            <a:extLst>
+              <a:ext uri="{FF2B5EF4-FFF2-40B4-BE49-F238E27FC236}">
+                <a16:creationId xmlns:a16="http://schemas.microsoft.com/office/drawing/2014/main" id="{C69878C0-793A-D822-630D-3099C2AB54A0}"/>
+              </a:ext>
+            </a:extLst>
+          </p:cNvPr>
+          <p:cNvPicPr>
+            <a:picLocks noChangeAspect="1"/>
+          </p:cNvPicPr>
+          <p:nvPr/>
+        </p:nvPicPr>
+        <p:blipFill>
+          <a:blip r:embed="rId2">
+            <a:extLst>
+              <a:ext uri="{28A0092B-C50C-407E-A947-70E740481C1C}">
+                <a14:useLocalDpi xmlns:a14="http://schemas.microsoft.com/office/drawing/2010/main" val="0"/>
+              </a:ext>
+              <a:ext uri="{96DAC541-7B7A-43D3-8B79-37D633B846F1}">
+                <asvg:svgBlip xmlns:asvg="http://schemas.microsoft.com/office/drawing/2016/SVG/main" r:embed="rId3"/>
+              </a:ext>
+            </a:extLst>
+          </a:blip>
+          <a:stretch>
+            <a:fillRect/>
+          </a:stretch>
+        </p:blipFill>
+        <p:spPr>
+          <a:xfrm>
+            <a:off x="7082473" y="6064883"/>
+            <a:ext cx="1881279" cy="546696"/>
+          </a:xfrm>
+          <a:prstGeom prst="rect">
+            <a:avLst/>
+          </a:prstGeom>
+        </p:spPr>
+      </p:pic>
+      <p:pic>
+        <p:nvPicPr>
+          <p:cNvPr id="9" name="Graphic 8">
+            <a:extLst>
+              <a:ext uri="{FF2B5EF4-FFF2-40B4-BE49-F238E27FC236}">
+                <a16:creationId xmlns:a16="http://schemas.microsoft.com/office/drawing/2014/main" id="{F7E41E30-53CC-07FC-C1BE-461DC17FCBB8}"/>
+              </a:ext>
+            </a:extLst>
+          </p:cNvPr>
+          <p:cNvPicPr>
+            <a:picLocks noChangeAspect="1"/>
+          </p:cNvPicPr>
+          <p:nvPr/>
+        </p:nvPicPr>
+        <p:blipFill>
+          <a:blip r:embed="rId4">
+            <a:extLst>
+              <a:ext uri="{28A0092B-C50C-407E-A947-70E740481C1C}">
+                <a14:useLocalDpi xmlns:a14="http://schemas.microsoft.com/office/drawing/2010/main" val="0"/>
+              </a:ext>
+              <a:ext uri="{96DAC541-7B7A-43D3-8B79-37D633B846F1}">
+                <asvg:svgBlip xmlns:asvg="http://schemas.microsoft.com/office/drawing/2016/SVG/main" r:embed="rId5"/>
+              </a:ext>
+            </a:extLst>
+          </a:blip>
+          <a:stretch>
+            <a:fillRect/>
+          </a:stretch>
+        </p:blipFill>
+        <p:spPr>
+          <a:xfrm>
+            <a:off x="9400100" y="6069025"/>
+            <a:ext cx="2177611" cy="559957"/>
+          </a:xfrm>
+          <a:prstGeom prst="rect">
+            <a:avLst/>
+          </a:prstGeom>
+        </p:spPr>
+      </p:pic>
+      <p:pic>
+        <p:nvPicPr>
+          <p:cNvPr id="11" name="Picture 10" descr="A red cube with a white strip&#10;&#10;Description automatically generated">
+            <a:extLst>
+              <a:ext uri="{FF2B5EF4-FFF2-40B4-BE49-F238E27FC236}">
+                <a16:creationId xmlns:a16="http://schemas.microsoft.com/office/drawing/2014/main" id="{96DF5917-0297-3D33-426E-CEEF356499C1}"/>
+              </a:ext>
+            </a:extLst>
+          </p:cNvPr>
+          <p:cNvPicPr>
+            <a:picLocks noChangeAspect="1"/>
+          </p:cNvPicPr>
+          <p:nvPr/>
+        </p:nvPicPr>
+        <p:blipFill>
+          <a:blip r:embed="rId6">
+            <a:extLst>
+              <a:ext uri="{28A0092B-C50C-407E-A947-70E740481C1C}">
+                <a14:useLocalDpi xmlns:a14="http://schemas.microsoft.com/office/drawing/2010/main" val="0"/>
+              </a:ext>
+            </a:extLst>
+          </a:blip>
+          <a:stretch>
+            <a:fillRect/>
+          </a:stretch>
+        </p:blipFill>
+        <p:spPr>
+          <a:xfrm>
+            <a:off x="6096000" y="6064883"/>
+            <a:ext cx="550838" cy="550838"/>
+          </a:xfrm>
+          <a:prstGeom prst="rect">
+            <a:avLst/>
+          </a:prstGeom>
+        </p:spPr>
+      </p:pic>
+      <p:pic>
+        <p:nvPicPr>
+          <p:cNvPr id="13" name="Picture 12" descr="A black and white photo&#10;&#10;Description automatically generated">
+            <a:extLst>
+              <a:ext uri="{FF2B5EF4-FFF2-40B4-BE49-F238E27FC236}">
+                <a16:creationId xmlns:a16="http://schemas.microsoft.com/office/drawing/2014/main" id="{FFBE2114-C788-9CDC-98E3-4FC127EEC3A2}"/>
+              </a:ext>
+            </a:extLst>
+          </p:cNvPr>
+          <p:cNvPicPr>
+            <a:picLocks noChangeAspect="1"/>
+          </p:cNvPicPr>
+          <p:nvPr/>
+        </p:nvPicPr>
+        <p:blipFill>
+          <a:blip r:embed="rId7">
+            <a:extLst>
+              <a:ext uri="{28A0092B-C50C-407E-A947-70E740481C1C}">
+                <a14:useLocalDpi xmlns:a14="http://schemas.microsoft.com/office/drawing/2010/main" val="0"/>
+              </a:ext>
+            </a:extLst>
+          </a:blip>
+          <a:stretch>
+            <a:fillRect/>
+          </a:stretch>
+        </p:blipFill>
+        <p:spPr>
+          <a:xfrm>
+            <a:off x="6096713" y="6585802"/>
+            <a:ext cx="549412" cy="166325"/>
+          </a:xfrm>
+          <a:prstGeom prst="rect">
+            <a:avLst/>
+          </a:prstGeom>
+        </p:spPr>
+      </p:pic>
+    </p:spTree>
+    <p:extLst>
+      <p:ext uri="{BB962C8B-B14F-4D97-AF65-F5344CB8AC3E}">
+        <p14:creationId xmlns:p14="http://schemas.microsoft.com/office/powerpoint/2010/main" val="1142428070"/>
+      </p:ext>
+    </p:extLst>
+  </p:cSld>
+  <p:clrMapOvr>
+    <a:masterClrMapping/>
+  </p:clrMapOvr>
+  <p:transition spd="slow">
+    <p:cover/>
+  </p:transition>
+</p:sld>
+</file>
+
+<file path=ppt/slides/slide15.xml><?xml version="1.0" encoding="utf-8"?>
+<p:sld xmlns:a="http://schemas.openxmlformats.org/drawingml/2006/main" xmlns:r="http://schemas.openxmlformats.org/officeDocument/2006/relationships" xmlns:p="http://schemas.openxmlformats.org/presentationml/2006/main">
+  <p:cSld>
+    <p:spTree>
+      <p:nvGrpSpPr>
+        <p:cNvPr id="1" name="">
+          <a:extLst>
+            <a:ext uri="{FF2B5EF4-FFF2-40B4-BE49-F238E27FC236}">
+              <a16:creationId xmlns:a16="http://schemas.microsoft.com/office/drawing/2014/main" id="{EEC21D52-4339-A86B-6833-17AAA674DBEB}"/>
+            </a:ext>
+          </a:extLst>
+        </p:cNvPr>
+        <p:cNvGrpSpPr/>
+        <p:nvPr/>
+      </p:nvGrpSpPr>
+      <p:grpSpPr>
+        <a:xfrm>
+          <a:off x="0" y="0"/>
+          <a:ext cx="0" cy="0"/>
+          <a:chOff x="0" y="0"/>
+          <a:chExt cx="0" cy="0"/>
+        </a:xfrm>
+      </p:grpSpPr>
+      <p:sp>
+        <p:nvSpPr>
+          <p:cNvPr id="4" name="Datumsplatzhalter 3">
+            <a:extLst>
+              <a:ext uri="{FF2B5EF4-FFF2-40B4-BE49-F238E27FC236}">
+                <a16:creationId xmlns:a16="http://schemas.microsoft.com/office/drawing/2014/main" id="{274170BD-8251-43C2-F84E-8398D1F640D4}"/>
+              </a:ext>
+            </a:extLst>
+          </p:cNvPr>
+          <p:cNvSpPr>
+            <a:spLocks noGrp="1"/>
+          </p:cNvSpPr>
+          <p:nvPr>
+            <p:ph type="dt" sz="half" idx="10"/>
+          </p:nvPr>
+        </p:nvSpPr>
+        <p:spPr>
+          <a:xfrm>
+            <a:off x="1789332" y="6069025"/>
+            <a:ext cx="3084342" cy="550838"/>
+          </a:xfrm>
+        </p:spPr>
+        <p:txBody>
+          <a:bodyPr/>
+          <a:lstStyle/>
+          <a:p>
+            <a:r>
+              <a:rPr lang="de-DE" dirty="0"/>
+              <a:t>Organisation App </a:t>
+            </a:r>
+          </a:p>
+          <a:p>
+            <a:r>
+              <a:rPr lang="en-US" dirty="0"/>
+              <a:t>18.01.2024</a:t>
+            </a:r>
+          </a:p>
+          <a:p>
+            <a:r>
+              <a:rPr lang="de-DE" sz="1100" b="0" dirty="0"/>
+              <a:t>Jan Weller, Leon Beckert, Ángel </a:t>
+            </a:r>
+            <a:r>
+              <a:rPr lang="de-DE" sz="1100" b="0" dirty="0" err="1"/>
+              <a:t>Currás</a:t>
+            </a:r>
+            <a:r>
+              <a:rPr lang="de-DE" sz="1100" b="0" dirty="0"/>
+              <a:t> Sánchez</a:t>
+            </a:r>
+            <a:endParaRPr lang="de-DE" dirty="0"/>
+          </a:p>
+        </p:txBody>
+      </p:sp>
+      <p:sp>
+        <p:nvSpPr>
+          <p:cNvPr id="8" name="Foliennummernplatzhalter 7">
+            <a:extLst>
+              <a:ext uri="{FF2B5EF4-FFF2-40B4-BE49-F238E27FC236}">
+                <a16:creationId xmlns:a16="http://schemas.microsoft.com/office/drawing/2014/main" id="{A3A2590A-ABA7-D461-E07B-63BD1A105279}"/>
+              </a:ext>
+            </a:extLst>
+          </p:cNvPr>
+          <p:cNvSpPr>
+            <a:spLocks noGrp="1"/>
+          </p:cNvSpPr>
+          <p:nvPr>
+            <p:ph type="sldNum" sz="quarter" idx="12"/>
+          </p:nvPr>
+        </p:nvSpPr>
+        <p:spPr/>
+        <p:txBody>
+          <a:bodyPr/>
+          <a:lstStyle/>
+          <a:p>
+            <a:fld id="{A13361CF-9A47-4C8C-A01E-566DC0626ACC}" type="slidenum">
+              <a:rPr lang="de-DE" smtClean="0"/>
+              <a:t>15</a:t>
+            </a:fld>
+            <a:endParaRPr lang="de-DE"/>
+          </a:p>
+        </p:txBody>
+      </p:sp>
+      <p:pic>
+        <p:nvPicPr>
+          <p:cNvPr id="5" name="Graphic 4">
+            <a:extLst>
+              <a:ext uri="{FF2B5EF4-FFF2-40B4-BE49-F238E27FC236}">
+                <a16:creationId xmlns:a16="http://schemas.microsoft.com/office/drawing/2014/main" id="{744CD28C-D072-A4A7-89C7-135DC860BD1D}"/>
+              </a:ext>
+            </a:extLst>
+          </p:cNvPr>
+          <p:cNvPicPr>
+            <a:picLocks noChangeAspect="1"/>
+          </p:cNvPicPr>
+          <p:nvPr/>
+        </p:nvPicPr>
+        <p:blipFill>
+          <a:blip r:embed="rId2">
+            <a:extLst>
+              <a:ext uri="{28A0092B-C50C-407E-A947-70E740481C1C}">
+                <a14:useLocalDpi xmlns:a14="http://schemas.microsoft.com/office/drawing/2010/main" val="0"/>
+              </a:ext>
+              <a:ext uri="{96DAC541-7B7A-43D3-8B79-37D633B846F1}">
+                <asvg:svgBlip xmlns:asvg="http://schemas.microsoft.com/office/drawing/2016/SVG/main" r:embed="rId3"/>
+              </a:ext>
+            </a:extLst>
+          </a:blip>
+          <a:stretch>
+            <a:fillRect/>
+          </a:stretch>
+        </p:blipFill>
+        <p:spPr>
+          <a:xfrm>
+            <a:off x="7082473" y="6064883"/>
+            <a:ext cx="1881279" cy="546696"/>
+          </a:xfrm>
+          <a:prstGeom prst="rect">
+            <a:avLst/>
+          </a:prstGeom>
+        </p:spPr>
+      </p:pic>
+      <p:pic>
+        <p:nvPicPr>
+          <p:cNvPr id="9" name="Graphic 8">
+            <a:extLst>
+              <a:ext uri="{FF2B5EF4-FFF2-40B4-BE49-F238E27FC236}">
+                <a16:creationId xmlns:a16="http://schemas.microsoft.com/office/drawing/2014/main" id="{6403A6B1-842E-B4FF-11A2-E15E56D71B9D}"/>
+              </a:ext>
+            </a:extLst>
+          </p:cNvPr>
+          <p:cNvPicPr>
+            <a:picLocks noChangeAspect="1"/>
+          </p:cNvPicPr>
+          <p:nvPr/>
+        </p:nvPicPr>
+        <p:blipFill>
+          <a:blip r:embed="rId4">
+            <a:extLst>
+              <a:ext uri="{28A0092B-C50C-407E-A947-70E740481C1C}">
+                <a14:useLocalDpi xmlns:a14="http://schemas.microsoft.com/office/drawing/2010/main" val="0"/>
+              </a:ext>
+              <a:ext uri="{96DAC541-7B7A-43D3-8B79-37D633B846F1}">
+                <asvg:svgBlip xmlns:asvg="http://schemas.microsoft.com/office/drawing/2016/SVG/main" r:embed="rId5"/>
+              </a:ext>
+            </a:extLst>
+          </a:blip>
+          <a:stretch>
+            <a:fillRect/>
+          </a:stretch>
+        </p:blipFill>
+        <p:spPr>
+          <a:xfrm>
+            <a:off x="9400100" y="6069025"/>
+            <a:ext cx="2177611" cy="559957"/>
+          </a:xfrm>
+          <a:prstGeom prst="rect">
+            <a:avLst/>
+          </a:prstGeom>
+        </p:spPr>
+      </p:pic>
+      <p:pic>
+        <p:nvPicPr>
+          <p:cNvPr id="11" name="Picture 10" descr="A red cube with a white strip&#10;&#10;Description automatically generated">
+            <a:extLst>
+              <a:ext uri="{FF2B5EF4-FFF2-40B4-BE49-F238E27FC236}">
+                <a16:creationId xmlns:a16="http://schemas.microsoft.com/office/drawing/2014/main" id="{4D0A8149-6927-EAD0-0CBA-07D43A143B29}"/>
+              </a:ext>
+            </a:extLst>
+          </p:cNvPr>
+          <p:cNvPicPr>
+            <a:picLocks noChangeAspect="1"/>
+          </p:cNvPicPr>
+          <p:nvPr/>
+        </p:nvPicPr>
+        <p:blipFill>
+          <a:blip r:embed="rId6">
+            <a:extLst>
+              <a:ext uri="{28A0092B-C50C-407E-A947-70E740481C1C}">
+                <a14:useLocalDpi xmlns:a14="http://schemas.microsoft.com/office/drawing/2010/main" val="0"/>
+              </a:ext>
+            </a:extLst>
+          </a:blip>
+          <a:stretch>
+            <a:fillRect/>
+          </a:stretch>
+        </p:blipFill>
+        <p:spPr>
+          <a:xfrm>
+            <a:off x="6096000" y="6064883"/>
+            <a:ext cx="550838" cy="550838"/>
+          </a:xfrm>
+          <a:prstGeom prst="rect">
+            <a:avLst/>
+          </a:prstGeom>
+        </p:spPr>
+      </p:pic>
+      <p:pic>
+        <p:nvPicPr>
+          <p:cNvPr id="13" name="Picture 12" descr="A black and white photo&#10;&#10;Description automatically generated">
+            <a:extLst>
+              <a:ext uri="{FF2B5EF4-FFF2-40B4-BE49-F238E27FC236}">
+                <a16:creationId xmlns:a16="http://schemas.microsoft.com/office/drawing/2014/main" id="{7636C2FE-21B8-BB16-42E3-795E2435352B}"/>
+              </a:ext>
+            </a:extLst>
+          </p:cNvPr>
+          <p:cNvPicPr>
+            <a:picLocks noChangeAspect="1"/>
+          </p:cNvPicPr>
+          <p:nvPr/>
+        </p:nvPicPr>
+        <p:blipFill>
+          <a:blip r:embed="rId7">
+            <a:extLst>
+              <a:ext uri="{28A0092B-C50C-407E-A947-70E740481C1C}">
+                <a14:useLocalDpi xmlns:a14="http://schemas.microsoft.com/office/drawing/2010/main" val="0"/>
+              </a:ext>
+            </a:extLst>
+          </a:blip>
+          <a:stretch>
+            <a:fillRect/>
+          </a:stretch>
+        </p:blipFill>
+        <p:spPr>
+          <a:xfrm>
+            <a:off x="6096713" y="6585802"/>
+            <a:ext cx="549412" cy="166325"/>
+          </a:xfrm>
+          <a:prstGeom prst="rect">
+            <a:avLst/>
+          </a:prstGeom>
+        </p:spPr>
+      </p:pic>
+      <p:sp>
+        <p:nvSpPr>
+          <p:cNvPr id="10" name="Titel 1">
+            <a:extLst>
+              <a:ext uri="{FF2B5EF4-FFF2-40B4-BE49-F238E27FC236}">
+                <a16:creationId xmlns:a16="http://schemas.microsoft.com/office/drawing/2014/main" id="{4690C7B1-7795-5F19-4C27-2FCC307C4803}"/>
+              </a:ext>
+            </a:extLst>
+          </p:cNvPr>
+          <p:cNvSpPr>
+            <a:spLocks noGrp="1"/>
+          </p:cNvSpPr>
+          <p:nvPr>
+            <p:ph type="title"/>
+          </p:nvPr>
+        </p:nvSpPr>
+        <p:spPr>
+          <a:xfrm>
+            <a:off x="1434085" y="1839966"/>
+            <a:ext cx="9323830" cy="648000"/>
+          </a:xfrm>
+        </p:spPr>
+        <p:txBody>
+          <a:bodyPr/>
+          <a:lstStyle/>
+          <a:p>
+            <a:pPr algn="ctr"/>
+            <a:r>
+              <a:rPr lang="de-DE" sz="4000" dirty="0">
+                <a:cs typeface="Arial"/>
+              </a:rPr>
+              <a:t>Danke für Ihre Aufmerksamkeit!</a:t>
+            </a:r>
+            <a:endParaRPr lang="de-DE" sz="4000" dirty="0"/>
+          </a:p>
+        </p:txBody>
+      </p:sp>
+      <p:sp>
+        <p:nvSpPr>
+          <p:cNvPr id="15" name="Titel 1">
+            <a:extLst>
+              <a:ext uri="{FF2B5EF4-FFF2-40B4-BE49-F238E27FC236}">
+                <a16:creationId xmlns:a16="http://schemas.microsoft.com/office/drawing/2014/main" id="{08AE019B-5423-F8B4-0F1F-8D567EE51971}"/>
+              </a:ext>
+            </a:extLst>
+          </p:cNvPr>
+          <p:cNvSpPr txBox="1">
+            <a:spLocks/>
+          </p:cNvSpPr>
+          <p:nvPr/>
+        </p:nvSpPr>
+        <p:spPr>
+          <a:xfrm>
+            <a:off x="1434085" y="3429000"/>
+            <a:ext cx="9323830" cy="648000"/>
+          </a:xfrm>
+          <a:prstGeom prst="rect">
+            <a:avLst/>
+          </a:prstGeom>
+        </p:spPr>
+        <p:txBody>
+          <a:bodyPr vert="horz" lIns="0" tIns="0" rIns="0" bIns="0" rtlCol="0" anchor="t" anchorCtr="0">
+            <a:noAutofit/>
+          </a:bodyPr>
+          <a:lstStyle>
+            <a:lvl1pPr algn="l" defTabSz="914400" rtl="0" eaLnBrk="1" latinLnBrk="0" hangingPunct="1">
+              <a:lnSpc>
+                <a:spcPct val="97000"/>
+              </a:lnSpc>
+              <a:spcBef>
+                <a:spcPts val="0"/>
+              </a:spcBef>
+              <a:buNone/>
+              <a:defRPr sz="1800" b="1" kern="1200">
+                <a:solidFill>
+                  <a:schemeClr val="tx1"/>
+                </a:solidFill>
+                <a:latin typeface="+mj-lt"/>
+                <a:ea typeface="+mj-ea"/>
+                <a:cs typeface="+mj-cs"/>
+              </a:defRPr>
+            </a:lvl1pPr>
+          </a:lstStyle>
+          <a:p>
+            <a:pPr algn="ctr"/>
+            <a:r>
+              <a:rPr lang="de-DE" sz="4000" dirty="0">
+                <a:cs typeface="Arial"/>
+              </a:rPr>
+              <a:t>Fragen?</a:t>
+            </a:r>
+            <a:endParaRPr lang="de-DE" sz="4000" dirty="0"/>
+          </a:p>
+        </p:txBody>
+      </p:sp>
+    </p:spTree>
+    <p:extLst>
+      <p:ext uri="{BB962C8B-B14F-4D97-AF65-F5344CB8AC3E}">
+        <p14:creationId xmlns:p14="http://schemas.microsoft.com/office/powerpoint/2010/main" val="1227986464"/>
+      </p:ext>
+    </p:extLst>
+  </p:cSld>
+  <p:clrMapOvr>
+    <a:masterClrMapping/>
+  </p:clrMapOvr>
+  <mc:AlternateContent xmlns:mc="http://schemas.openxmlformats.org/markup-compatibility/2006">
+    <mc:Choice xmlns:p15="http://schemas.microsoft.com/office/powerpoint/2012/main" Requires="p15">
+      <p:transition xmlns:p14="http://schemas.microsoft.com/office/powerpoint/2010/main" spd="slow" p14:dur="2000">
+        <p15:prstTrans prst="prestige"/>
+      </p:transition>
+    </mc:Choice>
+    <mc:Fallback>
+      <p:transition spd="slow">
+        <p:fade/>
+      </p:transition>
+    </mc:Fallback>
+  </mc:AlternateContent>
 </p:sld>
 </file>
 
@@ -5990,18 +9797,23 @@
             <p:ph type="title"/>
           </p:nvPr>
         </p:nvSpPr>
-        <p:spPr/>
+        <p:spPr>
+          <a:xfrm>
+            <a:off x="582489" y="506469"/>
+            <a:ext cx="5364164" cy="648000"/>
+          </a:xfrm>
+        </p:spPr>
         <p:txBody>
           <a:bodyPr/>
           <a:lstStyle/>
           <a:p>
             <a:r>
-              <a:rPr lang="de-DE" sz="2000" dirty="0">
+              <a:rPr lang="de-DE" sz="3200" dirty="0">
                 <a:cs typeface="Arial"/>
               </a:rPr>
               <a:t>Agenda</a:t>
             </a:r>
-            <a:endParaRPr lang="de-DE" sz="2000" dirty="0"/>
+            <a:endParaRPr lang="de-DE" sz="3200" dirty="0"/>
           </a:p>
         </p:txBody>
       </p:sp>
@@ -6023,8 +9835,8 @@
         </p:nvSpPr>
         <p:spPr>
           <a:xfrm>
-            <a:off x="646981" y="876964"/>
-            <a:ext cx="5712618" cy="5114503"/>
+            <a:off x="757762" y="1374631"/>
+            <a:ext cx="5338238" cy="2986354"/>
           </a:xfrm>
         </p:spPr>
         <p:txBody>
@@ -6038,8 +9850,56 @@
               <a:buAutoNum type="arabicPeriod"/>
             </a:pPr>
             <a:r>
-              <a:rPr lang="de-DE" dirty="0"/>
-              <a:t>Agenda</a:t>
+              <a:rPr lang="de-DE" sz="2400" dirty="0"/>
+              <a:t>Ziele</a:t>
+            </a:r>
+          </a:p>
+          <a:p>
+            <a:pPr marL="342900" indent="-342900">
+              <a:lnSpc>
+                <a:spcPct val="150000"/>
+              </a:lnSpc>
+              <a:buAutoNum type="arabicPeriod"/>
+            </a:pPr>
+            <a:r>
+              <a:rPr lang="de-DE" sz="2400" dirty="0"/>
+              <a:t>Anforderungen</a:t>
+            </a:r>
+          </a:p>
+          <a:p>
+            <a:pPr marL="342900" indent="-342900">
+              <a:lnSpc>
+                <a:spcPct val="150000"/>
+              </a:lnSpc>
+              <a:buAutoNum type="arabicPeriod"/>
+            </a:pPr>
+            <a:r>
+              <a:rPr lang="de-DE" sz="2400" dirty="0"/>
+              <a:t>Die App</a:t>
+            </a:r>
+          </a:p>
+          <a:p>
+            <a:pPr marL="342900" indent="-342900">
+              <a:lnSpc>
+                <a:spcPct val="150000"/>
+              </a:lnSpc>
+              <a:buAutoNum type="arabicPeriod"/>
+            </a:pPr>
+            <a:r>
+              <a:rPr lang="de-DE" sz="2400" dirty="0"/>
+              <a:t>Kritik</a:t>
+            </a:r>
+          </a:p>
+          <a:p>
+            <a:pPr marL="342900" indent="-342900">
+              <a:lnSpc>
+                <a:spcPct val="150000"/>
+              </a:lnSpc>
+              <a:buAutoNum type="arabicPeriod"/>
+            </a:pPr>
+            <a:r>
+              <a:rPr lang="en-US" sz="2400" dirty="0"/>
+              <a:t>Lessons learned</a:t>
             </a:r>
           </a:p>
         </p:txBody>
@@ -6060,44 +9920,41 @@
             <p:ph type="dt" sz="half" idx="10"/>
           </p:nvPr>
         </p:nvSpPr>
-        <p:spPr/>
+        <p:spPr>
+          <a:xfrm>
+            <a:off x="1789332" y="6069025"/>
+            <a:ext cx="3084342" cy="550838"/>
+          </a:xfrm>
+        </p:spPr>
         <p:txBody>
           <a:bodyPr/>
           <a:lstStyle/>
           <a:p>
             <a:r>
+              <a:rPr lang="de-DE" dirty="0"/>
+              <a:t>Organisation App </a:t>
+            </a:r>
+          </a:p>
+          <a:p>
+            <a:r>
               <a:rPr lang="en-US" dirty="0"/>
               <a:t>18.01.2024</a:t>
             </a:r>
+          </a:p>
+          <a:p>
+            <a:r>
+              <a:rPr lang="de-DE" sz="1100" b="0" dirty="0"/>
+              <a:t>Jan Weller, Leon Beckert, Ángel </a:t>
+            </a:r>
+            <a:r>
+              <a:rPr lang="de-DE" sz="1100" b="0" dirty="0" err="1"/>
+              <a:t>Currás</a:t>
+            </a:r>
+            <a:r>
+              <a:rPr lang="de-DE" sz="1100" b="0" dirty="0"/>
+              <a:t> Sánchez</a:t>
+            </a:r>
             <a:endParaRPr lang="de-DE" dirty="0"/>
-          </a:p>
-        </p:txBody>
-      </p:sp>
-      <p:sp>
-        <p:nvSpPr>
-          <p:cNvPr id="5" name="Fußzeilenplatzhalter 4">
-            <a:extLst>
-              <a:ext uri="{FF2B5EF4-FFF2-40B4-BE49-F238E27FC236}">
-                <a16:creationId xmlns:a16="http://schemas.microsoft.com/office/drawing/2014/main" id="{3DF7092D-4EB6-14A6-1770-0859A451609C}"/>
-              </a:ext>
-            </a:extLst>
-          </p:cNvPr>
-          <p:cNvSpPr>
-            <a:spLocks noGrp="1"/>
-          </p:cNvSpPr>
-          <p:nvPr>
-            <p:ph type="ftr" sz="quarter" idx="11"/>
-          </p:nvPr>
-        </p:nvSpPr>
-        <p:spPr/>
-        <p:txBody>
-          <a:bodyPr/>
-          <a:lstStyle/>
-          <a:p>
-            <a:r>
-              <a:rPr lang="de-DE" dirty="0"/>
-              <a:t>Organisation App </a:t>
-            </a:r>
           </a:p>
         </p:txBody>
       </p:sp>
@@ -6130,6 +9987,246 @@
           </a:p>
         </p:txBody>
       </p:sp>
+      <p:pic>
+        <p:nvPicPr>
+          <p:cNvPr id="10" name="Picture 9">
+            <a:extLst>
+              <a:ext uri="{FF2B5EF4-FFF2-40B4-BE49-F238E27FC236}">
+                <a16:creationId xmlns:a16="http://schemas.microsoft.com/office/drawing/2014/main" id="{72BAEC4C-CC3D-6517-4CA6-D33B32BCB1B0}"/>
+              </a:ext>
+            </a:extLst>
+          </p:cNvPr>
+          <p:cNvPicPr>
+            <a:picLocks noChangeAspect="1"/>
+          </p:cNvPicPr>
+          <p:nvPr/>
+        </p:nvPicPr>
+        <p:blipFill>
+          <a:blip r:embed="rId2"/>
+          <a:stretch>
+            <a:fillRect/>
+          </a:stretch>
+        </p:blipFill>
+        <p:spPr>
+          <a:xfrm>
+            <a:off x="6688764" y="1154469"/>
+            <a:ext cx="1594829" cy="3550868"/>
+          </a:xfrm>
+          <a:prstGeom prst="rect">
+            <a:avLst/>
+          </a:prstGeom>
+        </p:spPr>
+      </p:pic>
+      <p:pic>
+        <p:nvPicPr>
+          <p:cNvPr id="12" name="Picture 11">
+            <a:extLst>
+              <a:ext uri="{FF2B5EF4-FFF2-40B4-BE49-F238E27FC236}">
+                <a16:creationId xmlns:a16="http://schemas.microsoft.com/office/drawing/2014/main" id="{1381CD99-E25A-DC99-DEFA-C5B4C2FE8771}"/>
+              </a:ext>
+            </a:extLst>
+          </p:cNvPr>
+          <p:cNvPicPr>
+            <a:picLocks noChangeAspect="1"/>
+          </p:cNvPicPr>
+          <p:nvPr/>
+        </p:nvPicPr>
+        <p:blipFill>
+          <a:blip r:embed="rId3"/>
+          <a:stretch>
+            <a:fillRect/>
+          </a:stretch>
+        </p:blipFill>
+        <p:spPr>
+          <a:xfrm>
+            <a:off x="8442743" y="1154469"/>
+            <a:ext cx="1599268" cy="3550868"/>
+          </a:xfrm>
+          <a:prstGeom prst="rect">
+            <a:avLst/>
+          </a:prstGeom>
+        </p:spPr>
+      </p:pic>
+      <p:pic>
+        <p:nvPicPr>
+          <p:cNvPr id="14" name="Picture 13">
+            <a:extLst>
+              <a:ext uri="{FF2B5EF4-FFF2-40B4-BE49-F238E27FC236}">
+                <a16:creationId xmlns:a16="http://schemas.microsoft.com/office/drawing/2014/main" id="{D9054602-FBCA-3D07-BC5F-F5061AF3D939}"/>
+              </a:ext>
+            </a:extLst>
+          </p:cNvPr>
+          <p:cNvPicPr>
+            <a:picLocks noChangeAspect="1"/>
+          </p:cNvPicPr>
+          <p:nvPr/>
+        </p:nvPicPr>
+        <p:blipFill>
+          <a:blip r:embed="rId4"/>
+          <a:stretch>
+            <a:fillRect/>
+          </a:stretch>
+        </p:blipFill>
+        <p:spPr>
+          <a:xfrm>
+            <a:off x="10201162" y="1154469"/>
+            <a:ext cx="1593142" cy="3550868"/>
+          </a:xfrm>
+          <a:prstGeom prst="rect">
+            <a:avLst/>
+          </a:prstGeom>
+        </p:spPr>
+      </p:pic>
+      <p:pic>
+        <p:nvPicPr>
+          <p:cNvPr id="15" name="Graphic 14">
+            <a:extLst>
+              <a:ext uri="{FF2B5EF4-FFF2-40B4-BE49-F238E27FC236}">
+                <a16:creationId xmlns:a16="http://schemas.microsoft.com/office/drawing/2014/main" id="{85BD60EA-E27B-C7BF-361B-49D634424534}"/>
+              </a:ext>
+            </a:extLst>
+          </p:cNvPr>
+          <p:cNvPicPr>
+            <a:picLocks noChangeAspect="1"/>
+          </p:cNvPicPr>
+          <p:nvPr/>
+        </p:nvPicPr>
+        <p:blipFill>
+          <a:blip r:embed="rId5">
+            <a:extLst>
+              <a:ext uri="{28A0092B-C50C-407E-A947-70E740481C1C}">
+                <a14:useLocalDpi xmlns:a14="http://schemas.microsoft.com/office/drawing/2010/main" val="0"/>
+              </a:ext>
+              <a:ext uri="{96DAC541-7B7A-43D3-8B79-37D633B846F1}">
+                <asvg:svgBlip xmlns:asvg="http://schemas.microsoft.com/office/drawing/2016/SVG/main" r:embed="rId6"/>
+              </a:ext>
+            </a:extLst>
+          </a:blip>
+          <a:stretch>
+            <a:fillRect/>
+          </a:stretch>
+        </p:blipFill>
+        <p:spPr>
+          <a:xfrm>
+            <a:off x="7082473" y="6064883"/>
+            <a:ext cx="1881279" cy="546696"/>
+          </a:xfrm>
+          <a:prstGeom prst="rect">
+            <a:avLst/>
+          </a:prstGeom>
+        </p:spPr>
+      </p:pic>
+      <p:pic>
+        <p:nvPicPr>
+          <p:cNvPr id="16" name="Graphic 15">
+            <a:extLst>
+              <a:ext uri="{FF2B5EF4-FFF2-40B4-BE49-F238E27FC236}">
+                <a16:creationId xmlns:a16="http://schemas.microsoft.com/office/drawing/2014/main" id="{5078AE03-7002-43E9-375C-C605B2058A78}"/>
+              </a:ext>
+            </a:extLst>
+          </p:cNvPr>
+          <p:cNvPicPr>
+            <a:picLocks noChangeAspect="1"/>
+          </p:cNvPicPr>
+          <p:nvPr/>
+        </p:nvPicPr>
+        <p:blipFill>
+          <a:blip r:embed="rId7">
+            <a:extLst>
+              <a:ext uri="{28A0092B-C50C-407E-A947-70E740481C1C}">
+                <a14:useLocalDpi xmlns:a14="http://schemas.microsoft.com/office/drawing/2010/main" val="0"/>
+              </a:ext>
+              <a:ext uri="{96DAC541-7B7A-43D3-8B79-37D633B846F1}">
+                <asvg:svgBlip xmlns:asvg="http://schemas.microsoft.com/office/drawing/2016/SVG/main" r:embed="rId8"/>
+              </a:ext>
+            </a:extLst>
+          </a:blip>
+          <a:stretch>
+            <a:fillRect/>
+          </a:stretch>
+        </p:blipFill>
+        <p:spPr>
+          <a:xfrm>
+            <a:off x="9400100" y="6069025"/>
+            <a:ext cx="2177611" cy="559957"/>
+          </a:xfrm>
+          <a:prstGeom prst="rect">
+            <a:avLst/>
+          </a:prstGeom>
+        </p:spPr>
+      </p:pic>
+      <p:pic>
+        <p:nvPicPr>
+          <p:cNvPr id="17" name="Picture 16" descr="A red cube with a white strip&#10;&#10;Description automatically generated">
+            <a:extLst>
+              <a:ext uri="{FF2B5EF4-FFF2-40B4-BE49-F238E27FC236}">
+                <a16:creationId xmlns:a16="http://schemas.microsoft.com/office/drawing/2014/main" id="{70B6D725-598A-B02E-97B6-975E442F22B2}"/>
+              </a:ext>
+            </a:extLst>
+          </p:cNvPr>
+          <p:cNvPicPr>
+            <a:picLocks noChangeAspect="1"/>
+          </p:cNvPicPr>
+          <p:nvPr/>
+        </p:nvPicPr>
+        <p:blipFill>
+          <a:blip r:embed="rId9">
+            <a:extLst>
+              <a:ext uri="{28A0092B-C50C-407E-A947-70E740481C1C}">
+                <a14:useLocalDpi xmlns:a14="http://schemas.microsoft.com/office/drawing/2010/main" val="0"/>
+              </a:ext>
+            </a:extLst>
+          </a:blip>
+          <a:stretch>
+            <a:fillRect/>
+          </a:stretch>
+        </p:blipFill>
+        <p:spPr>
+          <a:xfrm>
+            <a:off x="6096000" y="6064883"/>
+            <a:ext cx="550838" cy="550838"/>
+          </a:xfrm>
+          <a:prstGeom prst="rect">
+            <a:avLst/>
+          </a:prstGeom>
+        </p:spPr>
+      </p:pic>
+      <p:pic>
+        <p:nvPicPr>
+          <p:cNvPr id="18" name="Picture 17" descr="A black and white photo&#10;&#10;Description automatically generated">
+            <a:extLst>
+              <a:ext uri="{FF2B5EF4-FFF2-40B4-BE49-F238E27FC236}">
+                <a16:creationId xmlns:a16="http://schemas.microsoft.com/office/drawing/2014/main" id="{C3167107-876D-5165-A6E9-7829D064DDDE}"/>
+              </a:ext>
+            </a:extLst>
+          </p:cNvPr>
+          <p:cNvPicPr>
+            <a:picLocks noChangeAspect="1"/>
+          </p:cNvPicPr>
+          <p:nvPr/>
+        </p:nvPicPr>
+        <p:blipFill>
+          <a:blip r:embed="rId10">
+            <a:extLst>
+              <a:ext uri="{28A0092B-C50C-407E-A947-70E740481C1C}">
+                <a14:useLocalDpi xmlns:a14="http://schemas.microsoft.com/office/drawing/2010/main" val="0"/>
+              </a:ext>
+            </a:extLst>
+          </a:blip>
+          <a:stretch>
+            <a:fillRect/>
+          </a:stretch>
+        </p:blipFill>
+        <p:spPr>
+          <a:xfrm>
+            <a:off x="6096713" y="6585802"/>
+            <a:ext cx="549412" cy="166325"/>
+          </a:xfrm>
+          <a:prstGeom prst="rect">
+            <a:avLst/>
+          </a:prstGeom>
+        </p:spPr>
+      </p:pic>
     </p:spTree>
     <p:extLst>
       <p:ext uri="{BB962C8B-B14F-4D97-AF65-F5344CB8AC3E}">
@@ -6140,6 +10237,3314 @@
   <p:clrMapOvr>
     <a:masterClrMapping/>
   </p:clrMapOvr>
+  <mc:AlternateContent xmlns:mc="http://schemas.openxmlformats.org/markup-compatibility/2006">
+    <mc:Choice xmlns:p159="http://schemas.microsoft.com/office/powerpoint/2015/09/main" Requires="p159">
+      <p:transition xmlns:p14="http://schemas.microsoft.com/office/powerpoint/2010/main" spd="slow" p14:dur="2000">
+        <p159:morph option="byObject"/>
+      </p:transition>
+    </mc:Choice>
+    <mc:Fallback>
+      <p:transition spd="slow">
+        <p:fade/>
+      </p:transition>
+    </mc:Fallback>
+  </mc:AlternateContent>
+</p:sld>
+</file>
+
+<file path=ppt/slides/slide3.xml><?xml version="1.0" encoding="utf-8"?>
+<p:sld xmlns:a="http://schemas.openxmlformats.org/drawingml/2006/main" xmlns:r="http://schemas.openxmlformats.org/officeDocument/2006/relationships" xmlns:p="http://schemas.openxmlformats.org/presentationml/2006/main">
+  <p:cSld>
+    <p:spTree>
+      <p:nvGrpSpPr>
+        <p:cNvPr id="1" name="">
+          <a:extLst>
+            <a:ext uri="{FF2B5EF4-FFF2-40B4-BE49-F238E27FC236}">
+              <a16:creationId xmlns:a16="http://schemas.microsoft.com/office/drawing/2014/main" id="{003CE062-225F-EC1F-58B6-91155C6726CF}"/>
+            </a:ext>
+          </a:extLst>
+        </p:cNvPr>
+        <p:cNvGrpSpPr/>
+        <p:nvPr/>
+      </p:nvGrpSpPr>
+      <p:grpSpPr>
+        <a:xfrm>
+          <a:off x="0" y="0"/>
+          <a:ext cx="0" cy="0"/>
+          <a:chOff x="0" y="0"/>
+          <a:chExt cx="0" cy="0"/>
+        </a:xfrm>
+      </p:grpSpPr>
+      <p:sp>
+        <p:nvSpPr>
+          <p:cNvPr id="2" name="Titel 1">
+            <a:extLst>
+              <a:ext uri="{FF2B5EF4-FFF2-40B4-BE49-F238E27FC236}">
+                <a16:creationId xmlns:a16="http://schemas.microsoft.com/office/drawing/2014/main" id="{473054FE-CB9A-2986-20F2-5D169733C1D8}"/>
+              </a:ext>
+            </a:extLst>
+          </p:cNvPr>
+          <p:cNvSpPr>
+            <a:spLocks noGrp="1"/>
+          </p:cNvSpPr>
+          <p:nvPr>
+            <p:ph type="title"/>
+          </p:nvPr>
+        </p:nvSpPr>
+        <p:spPr>
+          <a:xfrm>
+            <a:off x="582489" y="506469"/>
+            <a:ext cx="5364164" cy="648000"/>
+          </a:xfrm>
+        </p:spPr>
+        <p:txBody>
+          <a:bodyPr/>
+          <a:lstStyle/>
+          <a:p>
+            <a:r>
+              <a:rPr lang="de-DE" sz="3200" dirty="0">
+                <a:cs typeface="Arial"/>
+              </a:rPr>
+              <a:t>Ziele der App</a:t>
+            </a:r>
+            <a:endParaRPr lang="de-DE" sz="3200" dirty="0"/>
+          </a:p>
+        </p:txBody>
+      </p:sp>
+      <p:sp>
+        <p:nvSpPr>
+          <p:cNvPr id="3" name="Inhaltsplatzhalter 2">
+            <a:extLst>
+              <a:ext uri="{FF2B5EF4-FFF2-40B4-BE49-F238E27FC236}">
+                <a16:creationId xmlns:a16="http://schemas.microsoft.com/office/drawing/2014/main" id="{DFA5D499-AD69-BE24-A768-88D1A9200884}"/>
+              </a:ext>
+            </a:extLst>
+          </p:cNvPr>
+          <p:cNvSpPr>
+            <a:spLocks noGrp="1"/>
+          </p:cNvSpPr>
+          <p:nvPr>
+            <p:ph idx="1"/>
+          </p:nvPr>
+        </p:nvSpPr>
+        <p:spPr>
+          <a:xfrm>
+            <a:off x="757762" y="1374631"/>
+            <a:ext cx="10200970" cy="4456427"/>
+          </a:xfrm>
+        </p:spPr>
+        <p:txBody>
+          <a:bodyPr/>
+          <a:lstStyle/>
+          <a:p>
+            <a:pPr>
+              <a:lnSpc>
+                <a:spcPct val="150000"/>
+              </a:lnSpc>
+            </a:pPr>
+            <a:r>
+              <a:rPr lang="de-DE" sz="2200" dirty="0"/>
+              <a:t>Thema: Studentenalltag verbessern / effizienter gestalten</a:t>
+            </a:r>
+          </a:p>
+          <a:p>
+            <a:pPr>
+              <a:lnSpc>
+                <a:spcPct val="150000"/>
+              </a:lnSpc>
+            </a:pPr>
+            <a:endParaRPr lang="de-DE" sz="2200" dirty="0"/>
+          </a:p>
+          <a:p>
+            <a:pPr>
+              <a:lnSpc>
+                <a:spcPct val="150000"/>
+              </a:lnSpc>
+            </a:pPr>
+            <a:r>
+              <a:rPr lang="de-DE" sz="2200" dirty="0"/>
+              <a:t>Wie? </a:t>
+            </a:r>
+            <a:r>
+              <a:rPr lang="de-DE" sz="2200" dirty="0">
+                <a:sym typeface="Wingdings" panose="05000000000000000000" pitchFamily="2" charset="2"/>
+              </a:rPr>
+              <a:t> </a:t>
+            </a:r>
+            <a:r>
+              <a:rPr lang="de-DE" sz="2200" dirty="0"/>
+              <a:t>Studierender unterstützen bei:</a:t>
+            </a:r>
+          </a:p>
+          <a:p>
+            <a:pPr lvl="1">
+              <a:lnSpc>
+                <a:spcPct val="150000"/>
+              </a:lnSpc>
+              <a:buFont typeface="Wingdings" panose="05000000000000000000" pitchFamily="2" charset="2"/>
+              <a:buChar char="§"/>
+            </a:pPr>
+            <a:r>
+              <a:rPr lang="de-DE" sz="2200" dirty="0"/>
+              <a:t>Modulbelegung</a:t>
+            </a:r>
+          </a:p>
+          <a:p>
+            <a:pPr lvl="1">
+              <a:lnSpc>
+                <a:spcPct val="150000"/>
+              </a:lnSpc>
+              <a:buFont typeface="Wingdings" panose="05000000000000000000" pitchFamily="2" charset="2"/>
+              <a:buChar char="§"/>
+            </a:pPr>
+            <a:r>
+              <a:rPr lang="de-DE" sz="2200" dirty="0"/>
+              <a:t>Kursverwaltung</a:t>
+            </a:r>
+          </a:p>
+          <a:p>
+            <a:pPr lvl="1">
+              <a:lnSpc>
+                <a:spcPct val="150000"/>
+              </a:lnSpc>
+              <a:buFont typeface="Wingdings" panose="05000000000000000000" pitchFamily="2" charset="2"/>
+              <a:buChar char="§"/>
+            </a:pPr>
+            <a:r>
+              <a:rPr lang="de-DE" sz="2200" dirty="0"/>
+              <a:t>Aufgaben und Terminplanung</a:t>
+            </a:r>
+          </a:p>
+          <a:p>
+            <a:pPr lvl="1">
+              <a:lnSpc>
+                <a:spcPct val="150000"/>
+              </a:lnSpc>
+              <a:buFont typeface="Wingdings" panose="05000000000000000000" pitchFamily="2" charset="2"/>
+              <a:buChar char="§"/>
+            </a:pPr>
+            <a:r>
+              <a:rPr lang="de-DE" sz="2200" dirty="0"/>
+              <a:t>Gängige Systeme in einem Ort zusammenführen (</a:t>
+            </a:r>
+            <a:r>
+              <a:rPr lang="de-DE" sz="2200" dirty="0" err="1"/>
+              <a:t>Moodle</a:t>
+            </a:r>
+            <a:r>
+              <a:rPr lang="de-DE" sz="2200" dirty="0"/>
+              <a:t>, </a:t>
+            </a:r>
+            <a:r>
+              <a:rPr lang="de-DE" sz="2200" dirty="0" err="1"/>
+              <a:t>Primuss</a:t>
+            </a:r>
+            <a:r>
+              <a:rPr lang="de-DE" sz="2200" dirty="0"/>
+              <a:t>, </a:t>
+            </a:r>
+            <a:r>
+              <a:rPr lang="de-DE" sz="2200" dirty="0" err="1"/>
+              <a:t>usw</a:t>
+            </a:r>
+            <a:r>
+              <a:rPr lang="de-DE" sz="2200" dirty="0"/>
+              <a:t>…)</a:t>
+            </a:r>
+          </a:p>
+          <a:p>
+            <a:pPr>
+              <a:lnSpc>
+                <a:spcPct val="150000"/>
+              </a:lnSpc>
+            </a:pPr>
+            <a:endParaRPr lang="de-DE" sz="2200" dirty="0"/>
+          </a:p>
+          <a:p>
+            <a:pPr>
+              <a:lnSpc>
+                <a:spcPct val="150000"/>
+              </a:lnSpc>
+            </a:pPr>
+            <a:r>
+              <a:rPr lang="de-DE" sz="2200" dirty="0"/>
+              <a:t>Zielplattformen: iOS und Android</a:t>
+            </a:r>
+          </a:p>
+          <a:p>
+            <a:pPr lvl="1">
+              <a:lnSpc>
+                <a:spcPct val="150000"/>
+              </a:lnSpc>
+              <a:buFont typeface="Wingdings" panose="05000000000000000000" pitchFamily="2" charset="2"/>
+              <a:buChar char="§"/>
+            </a:pPr>
+            <a:endParaRPr lang="de-DE" sz="2400" dirty="0"/>
+          </a:p>
+          <a:p>
+            <a:pPr>
+              <a:lnSpc>
+                <a:spcPct val="150000"/>
+              </a:lnSpc>
+              <a:buFont typeface="Wingdings" panose="05000000000000000000" pitchFamily="2" charset="2"/>
+              <a:buChar char="§"/>
+            </a:pPr>
+            <a:endParaRPr lang="de-DE" sz="2400" dirty="0"/>
+          </a:p>
+          <a:p>
+            <a:pPr>
+              <a:lnSpc>
+                <a:spcPct val="150000"/>
+              </a:lnSpc>
+            </a:pPr>
+            <a:endParaRPr lang="de-DE" sz="2000" dirty="0"/>
+          </a:p>
+          <a:p>
+            <a:pPr>
+              <a:lnSpc>
+                <a:spcPct val="150000"/>
+              </a:lnSpc>
+            </a:pPr>
+            <a:endParaRPr lang="de-DE" sz="2000" dirty="0"/>
+          </a:p>
+          <a:p>
+            <a:pPr>
+              <a:lnSpc>
+                <a:spcPct val="150000"/>
+              </a:lnSpc>
+            </a:pPr>
+            <a:endParaRPr lang="de-DE" sz="2000" dirty="0"/>
+          </a:p>
+          <a:p>
+            <a:pPr>
+              <a:lnSpc>
+                <a:spcPct val="150000"/>
+              </a:lnSpc>
+            </a:pPr>
+            <a:endParaRPr lang="en-US" sz="2000" dirty="0"/>
+          </a:p>
+        </p:txBody>
+      </p:sp>
+      <p:sp>
+        <p:nvSpPr>
+          <p:cNvPr id="4" name="Datumsplatzhalter 3">
+            <a:extLst>
+              <a:ext uri="{FF2B5EF4-FFF2-40B4-BE49-F238E27FC236}">
+                <a16:creationId xmlns:a16="http://schemas.microsoft.com/office/drawing/2014/main" id="{3E27E49D-D42A-DCD6-40AA-AF4EC31EAA70}"/>
+              </a:ext>
+            </a:extLst>
+          </p:cNvPr>
+          <p:cNvSpPr>
+            <a:spLocks noGrp="1"/>
+          </p:cNvSpPr>
+          <p:nvPr>
+            <p:ph type="dt" sz="half" idx="10"/>
+          </p:nvPr>
+        </p:nvSpPr>
+        <p:spPr>
+          <a:xfrm>
+            <a:off x="1789332" y="6069025"/>
+            <a:ext cx="3084342" cy="550838"/>
+          </a:xfrm>
+        </p:spPr>
+        <p:txBody>
+          <a:bodyPr/>
+          <a:lstStyle/>
+          <a:p>
+            <a:r>
+              <a:rPr lang="de-DE" dirty="0"/>
+              <a:t>Organisation App </a:t>
+            </a:r>
+          </a:p>
+          <a:p>
+            <a:r>
+              <a:rPr lang="en-US" dirty="0"/>
+              <a:t>18.01.2024</a:t>
+            </a:r>
+          </a:p>
+          <a:p>
+            <a:r>
+              <a:rPr lang="de-DE" sz="1100" b="0" dirty="0"/>
+              <a:t>Jan Weller, Leon Beckert, Ángel </a:t>
+            </a:r>
+            <a:r>
+              <a:rPr lang="de-DE" sz="1100" b="0" dirty="0" err="1"/>
+              <a:t>Currás</a:t>
+            </a:r>
+            <a:r>
+              <a:rPr lang="de-DE" sz="1100" b="0" dirty="0"/>
+              <a:t> Sánchez</a:t>
+            </a:r>
+            <a:endParaRPr lang="de-DE" dirty="0"/>
+          </a:p>
+        </p:txBody>
+      </p:sp>
+      <p:sp>
+        <p:nvSpPr>
+          <p:cNvPr id="8" name="Foliennummernplatzhalter 7">
+            <a:extLst>
+              <a:ext uri="{FF2B5EF4-FFF2-40B4-BE49-F238E27FC236}">
+                <a16:creationId xmlns:a16="http://schemas.microsoft.com/office/drawing/2014/main" id="{6B418D23-1367-C4DE-FEEA-860208C1D163}"/>
+              </a:ext>
+            </a:extLst>
+          </p:cNvPr>
+          <p:cNvSpPr>
+            <a:spLocks noGrp="1"/>
+          </p:cNvSpPr>
+          <p:nvPr>
+            <p:ph type="sldNum" sz="quarter" idx="12"/>
+          </p:nvPr>
+        </p:nvSpPr>
+        <p:spPr/>
+        <p:txBody>
+          <a:bodyPr/>
+          <a:lstStyle/>
+          <a:p>
+            <a:fld id="{A13361CF-9A47-4C8C-A01E-566DC0626ACC}" type="slidenum">
+              <a:rPr lang="de-DE" smtClean="0"/>
+              <a:t>3</a:t>
+            </a:fld>
+            <a:endParaRPr lang="de-DE"/>
+          </a:p>
+        </p:txBody>
+      </p:sp>
+      <p:pic>
+        <p:nvPicPr>
+          <p:cNvPr id="5" name="Graphic 4">
+            <a:extLst>
+              <a:ext uri="{FF2B5EF4-FFF2-40B4-BE49-F238E27FC236}">
+                <a16:creationId xmlns:a16="http://schemas.microsoft.com/office/drawing/2014/main" id="{C61E608C-7EE3-A73F-F143-E34E39A2E4D4}"/>
+              </a:ext>
+            </a:extLst>
+          </p:cNvPr>
+          <p:cNvPicPr>
+            <a:picLocks noChangeAspect="1"/>
+          </p:cNvPicPr>
+          <p:nvPr/>
+        </p:nvPicPr>
+        <p:blipFill>
+          <a:blip r:embed="rId2">
+            <a:extLst>
+              <a:ext uri="{28A0092B-C50C-407E-A947-70E740481C1C}">
+                <a14:useLocalDpi xmlns:a14="http://schemas.microsoft.com/office/drawing/2010/main" val="0"/>
+              </a:ext>
+              <a:ext uri="{96DAC541-7B7A-43D3-8B79-37D633B846F1}">
+                <asvg:svgBlip xmlns:asvg="http://schemas.microsoft.com/office/drawing/2016/SVG/main" r:embed="rId3"/>
+              </a:ext>
+            </a:extLst>
+          </a:blip>
+          <a:stretch>
+            <a:fillRect/>
+          </a:stretch>
+        </p:blipFill>
+        <p:spPr>
+          <a:xfrm>
+            <a:off x="7082473" y="6064883"/>
+            <a:ext cx="1881279" cy="546696"/>
+          </a:xfrm>
+          <a:prstGeom prst="rect">
+            <a:avLst/>
+          </a:prstGeom>
+        </p:spPr>
+      </p:pic>
+      <p:pic>
+        <p:nvPicPr>
+          <p:cNvPr id="9" name="Graphic 8">
+            <a:extLst>
+              <a:ext uri="{FF2B5EF4-FFF2-40B4-BE49-F238E27FC236}">
+                <a16:creationId xmlns:a16="http://schemas.microsoft.com/office/drawing/2014/main" id="{B8863ADC-E172-3604-B68D-BE80D8CD86C2}"/>
+              </a:ext>
+            </a:extLst>
+          </p:cNvPr>
+          <p:cNvPicPr>
+            <a:picLocks noChangeAspect="1"/>
+          </p:cNvPicPr>
+          <p:nvPr/>
+        </p:nvPicPr>
+        <p:blipFill>
+          <a:blip r:embed="rId4">
+            <a:extLst>
+              <a:ext uri="{28A0092B-C50C-407E-A947-70E740481C1C}">
+                <a14:useLocalDpi xmlns:a14="http://schemas.microsoft.com/office/drawing/2010/main" val="0"/>
+              </a:ext>
+              <a:ext uri="{96DAC541-7B7A-43D3-8B79-37D633B846F1}">
+                <asvg:svgBlip xmlns:asvg="http://schemas.microsoft.com/office/drawing/2016/SVG/main" r:embed="rId5"/>
+              </a:ext>
+            </a:extLst>
+          </a:blip>
+          <a:stretch>
+            <a:fillRect/>
+          </a:stretch>
+        </p:blipFill>
+        <p:spPr>
+          <a:xfrm>
+            <a:off x="9400100" y="6069025"/>
+            <a:ext cx="2177611" cy="559957"/>
+          </a:xfrm>
+          <a:prstGeom prst="rect">
+            <a:avLst/>
+          </a:prstGeom>
+        </p:spPr>
+      </p:pic>
+      <p:pic>
+        <p:nvPicPr>
+          <p:cNvPr id="11" name="Picture 10" descr="A red cube with a white strip&#10;&#10;Description automatically generated">
+            <a:extLst>
+              <a:ext uri="{FF2B5EF4-FFF2-40B4-BE49-F238E27FC236}">
+                <a16:creationId xmlns:a16="http://schemas.microsoft.com/office/drawing/2014/main" id="{8847A58D-6FC4-4172-6730-2177D2998BC8}"/>
+              </a:ext>
+            </a:extLst>
+          </p:cNvPr>
+          <p:cNvPicPr>
+            <a:picLocks noChangeAspect="1"/>
+          </p:cNvPicPr>
+          <p:nvPr/>
+        </p:nvPicPr>
+        <p:blipFill>
+          <a:blip r:embed="rId6">
+            <a:extLst>
+              <a:ext uri="{28A0092B-C50C-407E-A947-70E740481C1C}">
+                <a14:useLocalDpi xmlns:a14="http://schemas.microsoft.com/office/drawing/2010/main" val="0"/>
+              </a:ext>
+            </a:extLst>
+          </a:blip>
+          <a:stretch>
+            <a:fillRect/>
+          </a:stretch>
+        </p:blipFill>
+        <p:spPr>
+          <a:xfrm>
+            <a:off x="6096000" y="6064883"/>
+            <a:ext cx="550838" cy="550838"/>
+          </a:xfrm>
+          <a:prstGeom prst="rect">
+            <a:avLst/>
+          </a:prstGeom>
+        </p:spPr>
+      </p:pic>
+      <p:pic>
+        <p:nvPicPr>
+          <p:cNvPr id="13" name="Picture 12" descr="A black and white photo&#10;&#10;Description automatically generated">
+            <a:extLst>
+              <a:ext uri="{FF2B5EF4-FFF2-40B4-BE49-F238E27FC236}">
+                <a16:creationId xmlns:a16="http://schemas.microsoft.com/office/drawing/2014/main" id="{5C0B2F17-4EEB-C778-9B30-B53A3F7D1050}"/>
+              </a:ext>
+            </a:extLst>
+          </p:cNvPr>
+          <p:cNvPicPr>
+            <a:picLocks noChangeAspect="1"/>
+          </p:cNvPicPr>
+          <p:nvPr/>
+        </p:nvPicPr>
+        <p:blipFill>
+          <a:blip r:embed="rId7">
+            <a:extLst>
+              <a:ext uri="{28A0092B-C50C-407E-A947-70E740481C1C}">
+                <a14:useLocalDpi xmlns:a14="http://schemas.microsoft.com/office/drawing/2010/main" val="0"/>
+              </a:ext>
+            </a:extLst>
+          </a:blip>
+          <a:stretch>
+            <a:fillRect/>
+          </a:stretch>
+        </p:blipFill>
+        <p:spPr>
+          <a:xfrm>
+            <a:off x="6096713" y="6585802"/>
+            <a:ext cx="549412" cy="166325"/>
+          </a:xfrm>
+          <a:prstGeom prst="rect">
+            <a:avLst/>
+          </a:prstGeom>
+        </p:spPr>
+      </p:pic>
+    </p:spTree>
+    <p:extLst>
+      <p:ext uri="{BB962C8B-B14F-4D97-AF65-F5344CB8AC3E}">
+        <p14:creationId xmlns:p14="http://schemas.microsoft.com/office/powerpoint/2010/main" val="3480397246"/>
+      </p:ext>
+    </p:extLst>
+  </p:cSld>
+  <p:clrMapOvr>
+    <a:masterClrMapping/>
+  </p:clrMapOvr>
+  <p:transition spd="slow">
+    <p:push dir="u"/>
+  </p:transition>
+</p:sld>
+</file>
+
+<file path=ppt/slides/slide4.xml><?xml version="1.0" encoding="utf-8"?>
+<p:sld xmlns:a="http://schemas.openxmlformats.org/drawingml/2006/main" xmlns:r="http://schemas.openxmlformats.org/officeDocument/2006/relationships" xmlns:p="http://schemas.openxmlformats.org/presentationml/2006/main">
+  <p:cSld>
+    <p:spTree>
+      <p:nvGrpSpPr>
+        <p:cNvPr id="1" name="">
+          <a:extLst>
+            <a:ext uri="{FF2B5EF4-FFF2-40B4-BE49-F238E27FC236}">
+              <a16:creationId xmlns:a16="http://schemas.microsoft.com/office/drawing/2014/main" id="{5A47A8C7-1D50-E839-7FFF-F1909999C80B}"/>
+            </a:ext>
+          </a:extLst>
+        </p:cNvPr>
+        <p:cNvGrpSpPr/>
+        <p:nvPr/>
+      </p:nvGrpSpPr>
+      <p:grpSpPr>
+        <a:xfrm>
+          <a:off x="0" y="0"/>
+          <a:ext cx="0" cy="0"/>
+          <a:chOff x="0" y="0"/>
+          <a:chExt cx="0" cy="0"/>
+        </a:xfrm>
+      </p:grpSpPr>
+      <p:sp>
+        <p:nvSpPr>
+          <p:cNvPr id="2" name="Titel 1">
+            <a:extLst>
+              <a:ext uri="{FF2B5EF4-FFF2-40B4-BE49-F238E27FC236}">
+                <a16:creationId xmlns:a16="http://schemas.microsoft.com/office/drawing/2014/main" id="{34E5E2DD-4513-B4F3-E96F-9712D1741C8C}"/>
+              </a:ext>
+            </a:extLst>
+          </p:cNvPr>
+          <p:cNvSpPr>
+            <a:spLocks noGrp="1"/>
+          </p:cNvSpPr>
+          <p:nvPr>
+            <p:ph type="title"/>
+          </p:nvPr>
+        </p:nvSpPr>
+        <p:spPr>
+          <a:xfrm>
+            <a:off x="582489" y="506469"/>
+            <a:ext cx="5364164" cy="648000"/>
+          </a:xfrm>
+        </p:spPr>
+        <p:txBody>
+          <a:bodyPr/>
+          <a:lstStyle/>
+          <a:p>
+            <a:r>
+              <a:rPr lang="de-DE" sz="3200" dirty="0">
+                <a:cs typeface="Arial"/>
+              </a:rPr>
+              <a:t>Kernanforderungen</a:t>
+            </a:r>
+            <a:endParaRPr lang="de-DE" sz="3200" dirty="0"/>
+          </a:p>
+        </p:txBody>
+      </p:sp>
+      <p:sp>
+        <p:nvSpPr>
+          <p:cNvPr id="3" name="Inhaltsplatzhalter 2">
+            <a:extLst>
+              <a:ext uri="{FF2B5EF4-FFF2-40B4-BE49-F238E27FC236}">
+                <a16:creationId xmlns:a16="http://schemas.microsoft.com/office/drawing/2014/main" id="{8E7A288A-5F34-0E3D-2BCE-19434EDA0DAD}"/>
+              </a:ext>
+            </a:extLst>
+          </p:cNvPr>
+          <p:cNvSpPr>
+            <a:spLocks noGrp="1"/>
+          </p:cNvSpPr>
+          <p:nvPr>
+            <p:ph idx="1"/>
+          </p:nvPr>
+        </p:nvSpPr>
+        <p:spPr>
+          <a:xfrm>
+            <a:off x="757762" y="1374631"/>
+            <a:ext cx="11062762" cy="4456427"/>
+          </a:xfrm>
+        </p:spPr>
+        <p:txBody>
+          <a:bodyPr/>
+          <a:lstStyle/>
+          <a:p>
+            <a:pPr lvl="1">
+              <a:lnSpc>
+                <a:spcPct val="150000"/>
+              </a:lnSpc>
+              <a:buFont typeface="Arial" panose="020B0604020202020204" pitchFamily="34" charset="0"/>
+              <a:buChar char="•"/>
+            </a:pPr>
+            <a:r>
+              <a:rPr lang="de-DE" sz="2400" dirty="0"/>
+              <a:t>Studierenden müssen sich anmelden können</a:t>
+            </a:r>
+          </a:p>
+          <a:p>
+            <a:pPr lvl="1">
+              <a:lnSpc>
+                <a:spcPct val="150000"/>
+              </a:lnSpc>
+              <a:buFont typeface="Arial" panose="020B0604020202020204" pitchFamily="34" charset="0"/>
+              <a:buChar char="•"/>
+            </a:pPr>
+            <a:r>
+              <a:rPr lang="de-DE" sz="2400" dirty="0"/>
+              <a:t>Die Module aus ZPA müssen ersichtlich sein</a:t>
+            </a:r>
+          </a:p>
+          <a:p>
+            <a:pPr lvl="1">
+              <a:lnSpc>
+                <a:spcPct val="150000"/>
+              </a:lnSpc>
+              <a:buFont typeface="Arial" panose="020B0604020202020204" pitchFamily="34" charset="0"/>
+              <a:buChar char="•"/>
+            </a:pPr>
+            <a:r>
+              <a:rPr lang="de-DE" sz="2400" dirty="0"/>
+              <a:t>Kurse können in der App verwaltet werden</a:t>
+            </a:r>
+          </a:p>
+          <a:p>
+            <a:pPr lvl="1">
+              <a:lnSpc>
+                <a:spcPct val="150000"/>
+              </a:lnSpc>
+              <a:buFont typeface="Arial" panose="020B0604020202020204" pitchFamily="34" charset="0"/>
+              <a:buChar char="•"/>
+            </a:pPr>
+            <a:r>
+              <a:rPr lang="de-DE" sz="2400" dirty="0"/>
+              <a:t>Ein Fortschritt im Kurs muss dargestellt sein.</a:t>
+            </a:r>
+          </a:p>
+          <a:p>
+            <a:pPr lvl="1">
+              <a:lnSpc>
+                <a:spcPct val="150000"/>
+              </a:lnSpc>
+              <a:buFont typeface="Arial" panose="020B0604020202020204" pitchFamily="34" charset="0"/>
+              <a:buChar char="•"/>
+            </a:pPr>
+            <a:r>
+              <a:rPr lang="de-DE" sz="2400" dirty="0"/>
+              <a:t>Aufgaben werden manuell/automatisch erstellt und priorisiert</a:t>
+            </a:r>
+          </a:p>
+          <a:p>
+            <a:pPr lvl="1">
+              <a:lnSpc>
+                <a:spcPct val="150000"/>
+              </a:lnSpc>
+              <a:buFont typeface="Arial" panose="020B0604020202020204" pitchFamily="34" charset="0"/>
+              <a:buChar char="•"/>
+            </a:pPr>
+            <a:r>
+              <a:rPr lang="de-DE" sz="2400" dirty="0"/>
+              <a:t>HM-</a:t>
+            </a:r>
+            <a:r>
+              <a:rPr lang="de-DE" sz="2400" dirty="0" err="1"/>
+              <a:t>Moodle</a:t>
+            </a:r>
+            <a:r>
+              <a:rPr lang="de-DE" sz="2400" dirty="0"/>
+              <a:t>, HM-</a:t>
+            </a:r>
+            <a:r>
+              <a:rPr lang="de-DE" sz="2400" dirty="0" err="1"/>
+              <a:t>Primuss</a:t>
+            </a:r>
+            <a:r>
+              <a:rPr lang="de-DE" sz="2400" dirty="0"/>
+              <a:t> und HM-</a:t>
+            </a:r>
+            <a:r>
+              <a:rPr lang="de-DE" sz="2400" dirty="0" err="1"/>
+              <a:t>ChatGPT</a:t>
+            </a:r>
+            <a:r>
+              <a:rPr lang="de-DE" sz="2400" dirty="0"/>
+              <a:t> können in der App verwendet werden</a:t>
+            </a:r>
+          </a:p>
+          <a:p>
+            <a:pPr lvl="1">
+              <a:lnSpc>
+                <a:spcPct val="150000"/>
+              </a:lnSpc>
+              <a:buFont typeface="Arial" panose="020B0604020202020204" pitchFamily="34" charset="0"/>
+              <a:buChar char="•"/>
+            </a:pPr>
+            <a:endParaRPr lang="de-DE" sz="2400" dirty="0"/>
+          </a:p>
+          <a:p>
+            <a:pPr marL="180975" lvl="1" indent="0">
+              <a:lnSpc>
+                <a:spcPct val="150000"/>
+              </a:lnSpc>
+              <a:buNone/>
+            </a:pPr>
+            <a:endParaRPr lang="de-DE" sz="2400" dirty="0"/>
+          </a:p>
+          <a:p>
+            <a:pPr>
+              <a:lnSpc>
+                <a:spcPct val="150000"/>
+              </a:lnSpc>
+              <a:buFont typeface="Wingdings" panose="05000000000000000000" pitchFamily="2" charset="2"/>
+              <a:buChar char="§"/>
+            </a:pPr>
+            <a:endParaRPr lang="de-DE" sz="2400" dirty="0"/>
+          </a:p>
+          <a:p>
+            <a:pPr>
+              <a:lnSpc>
+                <a:spcPct val="150000"/>
+              </a:lnSpc>
+            </a:pPr>
+            <a:endParaRPr lang="de-DE" sz="2000" dirty="0"/>
+          </a:p>
+          <a:p>
+            <a:pPr>
+              <a:lnSpc>
+                <a:spcPct val="150000"/>
+              </a:lnSpc>
+            </a:pPr>
+            <a:endParaRPr lang="de-DE" sz="2000" dirty="0"/>
+          </a:p>
+          <a:p>
+            <a:pPr>
+              <a:lnSpc>
+                <a:spcPct val="150000"/>
+              </a:lnSpc>
+            </a:pPr>
+            <a:endParaRPr lang="de-DE" sz="2000" dirty="0"/>
+          </a:p>
+          <a:p>
+            <a:pPr>
+              <a:lnSpc>
+                <a:spcPct val="150000"/>
+              </a:lnSpc>
+            </a:pPr>
+            <a:endParaRPr lang="en-US" sz="2000" dirty="0"/>
+          </a:p>
+        </p:txBody>
+      </p:sp>
+      <p:sp>
+        <p:nvSpPr>
+          <p:cNvPr id="4" name="Datumsplatzhalter 3">
+            <a:extLst>
+              <a:ext uri="{FF2B5EF4-FFF2-40B4-BE49-F238E27FC236}">
+                <a16:creationId xmlns:a16="http://schemas.microsoft.com/office/drawing/2014/main" id="{9167E4BE-A1FF-A280-2629-9CFEBD494F0A}"/>
+              </a:ext>
+            </a:extLst>
+          </p:cNvPr>
+          <p:cNvSpPr>
+            <a:spLocks noGrp="1"/>
+          </p:cNvSpPr>
+          <p:nvPr>
+            <p:ph type="dt" sz="half" idx="10"/>
+          </p:nvPr>
+        </p:nvSpPr>
+        <p:spPr>
+          <a:xfrm>
+            <a:off x="1789332" y="6069025"/>
+            <a:ext cx="3084342" cy="550838"/>
+          </a:xfrm>
+        </p:spPr>
+        <p:txBody>
+          <a:bodyPr/>
+          <a:lstStyle/>
+          <a:p>
+            <a:r>
+              <a:rPr lang="de-DE" dirty="0"/>
+              <a:t>Organisation App </a:t>
+            </a:r>
+          </a:p>
+          <a:p>
+            <a:r>
+              <a:rPr lang="en-US" dirty="0"/>
+              <a:t>18.01.2024</a:t>
+            </a:r>
+          </a:p>
+          <a:p>
+            <a:r>
+              <a:rPr lang="de-DE" sz="1100" b="0" dirty="0"/>
+              <a:t>Jan Weller, Leon Beckert, Ángel </a:t>
+            </a:r>
+            <a:r>
+              <a:rPr lang="de-DE" sz="1100" b="0" dirty="0" err="1"/>
+              <a:t>Currás</a:t>
+            </a:r>
+            <a:r>
+              <a:rPr lang="de-DE" sz="1100" b="0" dirty="0"/>
+              <a:t> Sánchez</a:t>
+            </a:r>
+            <a:endParaRPr lang="de-DE" dirty="0"/>
+          </a:p>
+        </p:txBody>
+      </p:sp>
+      <p:sp>
+        <p:nvSpPr>
+          <p:cNvPr id="8" name="Foliennummernplatzhalter 7">
+            <a:extLst>
+              <a:ext uri="{FF2B5EF4-FFF2-40B4-BE49-F238E27FC236}">
+                <a16:creationId xmlns:a16="http://schemas.microsoft.com/office/drawing/2014/main" id="{4AE20B5D-3D08-2DFE-505B-A2EFC060BD7D}"/>
+              </a:ext>
+            </a:extLst>
+          </p:cNvPr>
+          <p:cNvSpPr>
+            <a:spLocks noGrp="1"/>
+          </p:cNvSpPr>
+          <p:nvPr>
+            <p:ph type="sldNum" sz="quarter" idx="12"/>
+          </p:nvPr>
+        </p:nvSpPr>
+        <p:spPr/>
+        <p:txBody>
+          <a:bodyPr/>
+          <a:lstStyle/>
+          <a:p>
+            <a:fld id="{A13361CF-9A47-4C8C-A01E-566DC0626ACC}" type="slidenum">
+              <a:rPr lang="de-DE" smtClean="0"/>
+              <a:t>4</a:t>
+            </a:fld>
+            <a:endParaRPr lang="de-DE"/>
+          </a:p>
+        </p:txBody>
+      </p:sp>
+      <p:pic>
+        <p:nvPicPr>
+          <p:cNvPr id="5" name="Graphic 4">
+            <a:extLst>
+              <a:ext uri="{FF2B5EF4-FFF2-40B4-BE49-F238E27FC236}">
+                <a16:creationId xmlns:a16="http://schemas.microsoft.com/office/drawing/2014/main" id="{DFAD4C24-350A-44DC-5B81-DE51AD0D93C3}"/>
+              </a:ext>
+            </a:extLst>
+          </p:cNvPr>
+          <p:cNvPicPr>
+            <a:picLocks noChangeAspect="1"/>
+          </p:cNvPicPr>
+          <p:nvPr/>
+        </p:nvPicPr>
+        <p:blipFill>
+          <a:blip r:embed="rId2">
+            <a:extLst>
+              <a:ext uri="{28A0092B-C50C-407E-A947-70E740481C1C}">
+                <a14:useLocalDpi xmlns:a14="http://schemas.microsoft.com/office/drawing/2010/main" val="0"/>
+              </a:ext>
+              <a:ext uri="{96DAC541-7B7A-43D3-8B79-37D633B846F1}">
+                <asvg:svgBlip xmlns:asvg="http://schemas.microsoft.com/office/drawing/2016/SVG/main" r:embed="rId3"/>
+              </a:ext>
+            </a:extLst>
+          </a:blip>
+          <a:stretch>
+            <a:fillRect/>
+          </a:stretch>
+        </p:blipFill>
+        <p:spPr>
+          <a:xfrm>
+            <a:off x="7082473" y="6064883"/>
+            <a:ext cx="1881279" cy="546696"/>
+          </a:xfrm>
+          <a:prstGeom prst="rect">
+            <a:avLst/>
+          </a:prstGeom>
+        </p:spPr>
+      </p:pic>
+      <p:pic>
+        <p:nvPicPr>
+          <p:cNvPr id="9" name="Graphic 8">
+            <a:extLst>
+              <a:ext uri="{FF2B5EF4-FFF2-40B4-BE49-F238E27FC236}">
+                <a16:creationId xmlns:a16="http://schemas.microsoft.com/office/drawing/2014/main" id="{6C23FDA1-2283-2B3E-216A-789525991D77}"/>
+              </a:ext>
+            </a:extLst>
+          </p:cNvPr>
+          <p:cNvPicPr>
+            <a:picLocks noChangeAspect="1"/>
+          </p:cNvPicPr>
+          <p:nvPr/>
+        </p:nvPicPr>
+        <p:blipFill>
+          <a:blip r:embed="rId4">
+            <a:extLst>
+              <a:ext uri="{28A0092B-C50C-407E-A947-70E740481C1C}">
+                <a14:useLocalDpi xmlns:a14="http://schemas.microsoft.com/office/drawing/2010/main" val="0"/>
+              </a:ext>
+              <a:ext uri="{96DAC541-7B7A-43D3-8B79-37D633B846F1}">
+                <asvg:svgBlip xmlns:asvg="http://schemas.microsoft.com/office/drawing/2016/SVG/main" r:embed="rId5"/>
+              </a:ext>
+            </a:extLst>
+          </a:blip>
+          <a:stretch>
+            <a:fillRect/>
+          </a:stretch>
+        </p:blipFill>
+        <p:spPr>
+          <a:xfrm>
+            <a:off x="9400100" y="6069025"/>
+            <a:ext cx="2177611" cy="559957"/>
+          </a:xfrm>
+          <a:prstGeom prst="rect">
+            <a:avLst/>
+          </a:prstGeom>
+        </p:spPr>
+      </p:pic>
+      <p:pic>
+        <p:nvPicPr>
+          <p:cNvPr id="11" name="Picture 10" descr="A red cube with a white strip&#10;&#10;Description automatically generated">
+            <a:extLst>
+              <a:ext uri="{FF2B5EF4-FFF2-40B4-BE49-F238E27FC236}">
+                <a16:creationId xmlns:a16="http://schemas.microsoft.com/office/drawing/2014/main" id="{523C5EB7-BE90-8DC1-A092-F83E91A4CC43}"/>
+              </a:ext>
+            </a:extLst>
+          </p:cNvPr>
+          <p:cNvPicPr>
+            <a:picLocks noChangeAspect="1"/>
+          </p:cNvPicPr>
+          <p:nvPr/>
+        </p:nvPicPr>
+        <p:blipFill>
+          <a:blip r:embed="rId6">
+            <a:extLst>
+              <a:ext uri="{28A0092B-C50C-407E-A947-70E740481C1C}">
+                <a14:useLocalDpi xmlns:a14="http://schemas.microsoft.com/office/drawing/2010/main" val="0"/>
+              </a:ext>
+            </a:extLst>
+          </a:blip>
+          <a:stretch>
+            <a:fillRect/>
+          </a:stretch>
+        </p:blipFill>
+        <p:spPr>
+          <a:xfrm>
+            <a:off x="6096000" y="6064883"/>
+            <a:ext cx="550838" cy="550838"/>
+          </a:xfrm>
+          <a:prstGeom prst="rect">
+            <a:avLst/>
+          </a:prstGeom>
+        </p:spPr>
+      </p:pic>
+      <p:pic>
+        <p:nvPicPr>
+          <p:cNvPr id="13" name="Picture 12" descr="A black and white photo&#10;&#10;Description automatically generated">
+            <a:extLst>
+              <a:ext uri="{FF2B5EF4-FFF2-40B4-BE49-F238E27FC236}">
+                <a16:creationId xmlns:a16="http://schemas.microsoft.com/office/drawing/2014/main" id="{7B042320-E900-26C3-0280-70C6CA7B7247}"/>
+              </a:ext>
+            </a:extLst>
+          </p:cNvPr>
+          <p:cNvPicPr>
+            <a:picLocks noChangeAspect="1"/>
+          </p:cNvPicPr>
+          <p:nvPr/>
+        </p:nvPicPr>
+        <p:blipFill>
+          <a:blip r:embed="rId7">
+            <a:extLst>
+              <a:ext uri="{28A0092B-C50C-407E-A947-70E740481C1C}">
+                <a14:useLocalDpi xmlns:a14="http://schemas.microsoft.com/office/drawing/2010/main" val="0"/>
+              </a:ext>
+            </a:extLst>
+          </a:blip>
+          <a:stretch>
+            <a:fillRect/>
+          </a:stretch>
+        </p:blipFill>
+        <p:spPr>
+          <a:xfrm>
+            <a:off x="6096713" y="6585802"/>
+            <a:ext cx="549412" cy="166325"/>
+          </a:xfrm>
+          <a:prstGeom prst="rect">
+            <a:avLst/>
+          </a:prstGeom>
+        </p:spPr>
+      </p:pic>
+      <p:pic>
+        <p:nvPicPr>
+          <p:cNvPr id="6" name="Picture 5" descr="Screens screenshot of a cell phone&#10;&#10;Description automatically generated">
+            <a:extLst>
+              <a:ext uri="{FF2B5EF4-FFF2-40B4-BE49-F238E27FC236}">
+                <a16:creationId xmlns:a16="http://schemas.microsoft.com/office/drawing/2014/main" id="{C93B783E-CF24-79DE-8196-8A239B61A1BD}"/>
+              </a:ext>
+            </a:extLst>
+          </p:cNvPr>
+          <p:cNvPicPr>
+            <a:picLocks noChangeAspect="1"/>
+          </p:cNvPicPr>
+          <p:nvPr/>
+        </p:nvPicPr>
+        <p:blipFill>
+          <a:blip r:embed="rId8">
+            <a:extLst>
+              <a:ext uri="{28A0092B-C50C-407E-A947-70E740481C1C}">
+                <a14:useLocalDpi xmlns:a14="http://schemas.microsoft.com/office/drawing/2010/main" val="0"/>
+              </a:ext>
+            </a:extLst>
+          </a:blip>
+          <a:stretch>
+            <a:fillRect/>
+          </a:stretch>
+        </p:blipFill>
+        <p:spPr>
+          <a:xfrm>
+            <a:off x="12328142" y="-147711"/>
+            <a:ext cx="134820" cy="92136"/>
+          </a:xfrm>
+          <a:prstGeom prst="rect">
+            <a:avLst/>
+          </a:prstGeom>
+        </p:spPr>
+      </p:pic>
+    </p:spTree>
+    <p:extLst>
+      <p:ext uri="{BB962C8B-B14F-4D97-AF65-F5344CB8AC3E}">
+        <p14:creationId xmlns:p14="http://schemas.microsoft.com/office/powerpoint/2010/main" val="1927324400"/>
+      </p:ext>
+    </p:extLst>
+  </p:cSld>
+  <p:clrMapOvr>
+    <a:masterClrMapping/>
+  </p:clrMapOvr>
+  <p:transition spd="slow">
+    <p:push dir="u"/>
+  </p:transition>
+</p:sld>
+</file>
+
+<file path=ppt/slides/slide5.xml><?xml version="1.0" encoding="utf-8"?>
+<p:sld xmlns:a="http://schemas.openxmlformats.org/drawingml/2006/main" xmlns:r="http://schemas.openxmlformats.org/officeDocument/2006/relationships" xmlns:p="http://schemas.openxmlformats.org/presentationml/2006/main">
+  <p:cSld>
+    <p:spTree>
+      <p:nvGrpSpPr>
+        <p:cNvPr id="1" name="">
+          <a:extLst>
+            <a:ext uri="{FF2B5EF4-FFF2-40B4-BE49-F238E27FC236}">
+              <a16:creationId xmlns:a16="http://schemas.microsoft.com/office/drawing/2014/main" id="{34271EB7-6402-6F22-9904-47F5004378C4}"/>
+            </a:ext>
+          </a:extLst>
+        </p:cNvPr>
+        <p:cNvGrpSpPr/>
+        <p:nvPr/>
+      </p:nvGrpSpPr>
+      <p:grpSpPr>
+        <a:xfrm>
+          <a:off x="0" y="0"/>
+          <a:ext cx="0" cy="0"/>
+          <a:chOff x="0" y="0"/>
+          <a:chExt cx="0" cy="0"/>
+        </a:xfrm>
+      </p:grpSpPr>
+      <p:sp>
+        <p:nvSpPr>
+          <p:cNvPr id="2" name="Titel 1">
+            <a:extLst>
+              <a:ext uri="{FF2B5EF4-FFF2-40B4-BE49-F238E27FC236}">
+                <a16:creationId xmlns:a16="http://schemas.microsoft.com/office/drawing/2014/main" id="{462C364F-2C0C-7024-F5DF-A2147CC9D20F}"/>
+              </a:ext>
+            </a:extLst>
+          </p:cNvPr>
+          <p:cNvSpPr>
+            <a:spLocks noGrp="1"/>
+          </p:cNvSpPr>
+          <p:nvPr>
+            <p:ph type="title"/>
+          </p:nvPr>
+        </p:nvSpPr>
+        <p:spPr>
+          <a:xfrm>
+            <a:off x="582489" y="506469"/>
+            <a:ext cx="5364164" cy="648000"/>
+          </a:xfrm>
+        </p:spPr>
+        <p:txBody>
+          <a:bodyPr/>
+          <a:lstStyle/>
+          <a:p>
+            <a:r>
+              <a:rPr lang="de-DE" sz="3200" dirty="0">
+                <a:cs typeface="Arial"/>
+              </a:rPr>
+              <a:t>UI: Wireframes (1)</a:t>
+            </a:r>
+            <a:endParaRPr lang="de-DE" sz="3200" dirty="0"/>
+          </a:p>
+        </p:txBody>
+      </p:sp>
+      <p:sp>
+        <p:nvSpPr>
+          <p:cNvPr id="4" name="Datumsplatzhalter 3">
+            <a:extLst>
+              <a:ext uri="{FF2B5EF4-FFF2-40B4-BE49-F238E27FC236}">
+                <a16:creationId xmlns:a16="http://schemas.microsoft.com/office/drawing/2014/main" id="{11E73782-B336-8ACD-F26C-ADC55666AD26}"/>
+              </a:ext>
+            </a:extLst>
+          </p:cNvPr>
+          <p:cNvSpPr>
+            <a:spLocks noGrp="1"/>
+          </p:cNvSpPr>
+          <p:nvPr>
+            <p:ph type="dt" sz="half" idx="10"/>
+          </p:nvPr>
+        </p:nvSpPr>
+        <p:spPr>
+          <a:xfrm>
+            <a:off x="1789332" y="6069025"/>
+            <a:ext cx="3084342" cy="550838"/>
+          </a:xfrm>
+        </p:spPr>
+        <p:txBody>
+          <a:bodyPr/>
+          <a:lstStyle/>
+          <a:p>
+            <a:r>
+              <a:rPr lang="de-DE" dirty="0"/>
+              <a:t>Organisation App </a:t>
+            </a:r>
+          </a:p>
+          <a:p>
+            <a:r>
+              <a:rPr lang="en-US" dirty="0"/>
+              <a:t>18.01.2024</a:t>
+            </a:r>
+          </a:p>
+          <a:p>
+            <a:r>
+              <a:rPr lang="de-DE" sz="1100" b="0" dirty="0"/>
+              <a:t>Jan Weller, Leon Beckert, Ángel </a:t>
+            </a:r>
+            <a:r>
+              <a:rPr lang="de-DE" sz="1100" b="0" dirty="0" err="1"/>
+              <a:t>Currás</a:t>
+            </a:r>
+            <a:r>
+              <a:rPr lang="de-DE" sz="1100" b="0" dirty="0"/>
+              <a:t> Sánchez</a:t>
+            </a:r>
+            <a:endParaRPr lang="de-DE" dirty="0"/>
+          </a:p>
+        </p:txBody>
+      </p:sp>
+      <p:sp>
+        <p:nvSpPr>
+          <p:cNvPr id="8" name="Foliennummernplatzhalter 7">
+            <a:extLst>
+              <a:ext uri="{FF2B5EF4-FFF2-40B4-BE49-F238E27FC236}">
+                <a16:creationId xmlns:a16="http://schemas.microsoft.com/office/drawing/2014/main" id="{B7B3FA02-0F08-4C9A-10C2-4BA16D72B428}"/>
+              </a:ext>
+            </a:extLst>
+          </p:cNvPr>
+          <p:cNvSpPr>
+            <a:spLocks noGrp="1"/>
+          </p:cNvSpPr>
+          <p:nvPr>
+            <p:ph type="sldNum" sz="quarter" idx="12"/>
+          </p:nvPr>
+        </p:nvSpPr>
+        <p:spPr/>
+        <p:txBody>
+          <a:bodyPr/>
+          <a:lstStyle/>
+          <a:p>
+            <a:fld id="{A13361CF-9A47-4C8C-A01E-566DC0626ACC}" type="slidenum">
+              <a:rPr lang="de-DE" smtClean="0"/>
+              <a:t>5</a:t>
+            </a:fld>
+            <a:endParaRPr lang="de-DE"/>
+          </a:p>
+        </p:txBody>
+      </p:sp>
+      <p:pic>
+        <p:nvPicPr>
+          <p:cNvPr id="5" name="Graphic 4">
+            <a:extLst>
+              <a:ext uri="{FF2B5EF4-FFF2-40B4-BE49-F238E27FC236}">
+                <a16:creationId xmlns:a16="http://schemas.microsoft.com/office/drawing/2014/main" id="{D440A560-6658-B97B-6C97-A9BC4628C2B4}"/>
+              </a:ext>
+            </a:extLst>
+          </p:cNvPr>
+          <p:cNvPicPr>
+            <a:picLocks noChangeAspect="1"/>
+          </p:cNvPicPr>
+          <p:nvPr/>
+        </p:nvPicPr>
+        <p:blipFill>
+          <a:blip r:embed="rId2">
+            <a:extLst>
+              <a:ext uri="{28A0092B-C50C-407E-A947-70E740481C1C}">
+                <a14:useLocalDpi xmlns:a14="http://schemas.microsoft.com/office/drawing/2010/main" val="0"/>
+              </a:ext>
+              <a:ext uri="{96DAC541-7B7A-43D3-8B79-37D633B846F1}">
+                <asvg:svgBlip xmlns:asvg="http://schemas.microsoft.com/office/drawing/2016/SVG/main" r:embed="rId3"/>
+              </a:ext>
+            </a:extLst>
+          </a:blip>
+          <a:stretch>
+            <a:fillRect/>
+          </a:stretch>
+        </p:blipFill>
+        <p:spPr>
+          <a:xfrm>
+            <a:off x="7082473" y="6064883"/>
+            <a:ext cx="1881279" cy="546696"/>
+          </a:xfrm>
+          <a:prstGeom prst="rect">
+            <a:avLst/>
+          </a:prstGeom>
+        </p:spPr>
+      </p:pic>
+      <p:pic>
+        <p:nvPicPr>
+          <p:cNvPr id="9" name="Graphic 8">
+            <a:extLst>
+              <a:ext uri="{FF2B5EF4-FFF2-40B4-BE49-F238E27FC236}">
+                <a16:creationId xmlns:a16="http://schemas.microsoft.com/office/drawing/2014/main" id="{26D90AF6-393D-7757-6DE3-7E99A4760AC6}"/>
+              </a:ext>
+            </a:extLst>
+          </p:cNvPr>
+          <p:cNvPicPr>
+            <a:picLocks noChangeAspect="1"/>
+          </p:cNvPicPr>
+          <p:nvPr/>
+        </p:nvPicPr>
+        <p:blipFill>
+          <a:blip r:embed="rId4">
+            <a:extLst>
+              <a:ext uri="{28A0092B-C50C-407E-A947-70E740481C1C}">
+                <a14:useLocalDpi xmlns:a14="http://schemas.microsoft.com/office/drawing/2010/main" val="0"/>
+              </a:ext>
+              <a:ext uri="{96DAC541-7B7A-43D3-8B79-37D633B846F1}">
+                <asvg:svgBlip xmlns:asvg="http://schemas.microsoft.com/office/drawing/2016/SVG/main" r:embed="rId5"/>
+              </a:ext>
+            </a:extLst>
+          </a:blip>
+          <a:stretch>
+            <a:fillRect/>
+          </a:stretch>
+        </p:blipFill>
+        <p:spPr>
+          <a:xfrm>
+            <a:off x="9400100" y="6069025"/>
+            <a:ext cx="2177611" cy="559957"/>
+          </a:xfrm>
+          <a:prstGeom prst="rect">
+            <a:avLst/>
+          </a:prstGeom>
+        </p:spPr>
+      </p:pic>
+      <p:pic>
+        <p:nvPicPr>
+          <p:cNvPr id="11" name="Picture 10" descr="A red cube with a white strip&#10;&#10;Description automatically generated">
+            <a:extLst>
+              <a:ext uri="{FF2B5EF4-FFF2-40B4-BE49-F238E27FC236}">
+                <a16:creationId xmlns:a16="http://schemas.microsoft.com/office/drawing/2014/main" id="{15DCCFA9-2BFB-BA7C-1979-D1BA2F11EB8E}"/>
+              </a:ext>
+            </a:extLst>
+          </p:cNvPr>
+          <p:cNvPicPr>
+            <a:picLocks noChangeAspect="1"/>
+          </p:cNvPicPr>
+          <p:nvPr/>
+        </p:nvPicPr>
+        <p:blipFill>
+          <a:blip r:embed="rId6">
+            <a:extLst>
+              <a:ext uri="{28A0092B-C50C-407E-A947-70E740481C1C}">
+                <a14:useLocalDpi xmlns:a14="http://schemas.microsoft.com/office/drawing/2010/main" val="0"/>
+              </a:ext>
+            </a:extLst>
+          </a:blip>
+          <a:stretch>
+            <a:fillRect/>
+          </a:stretch>
+        </p:blipFill>
+        <p:spPr>
+          <a:xfrm>
+            <a:off x="6096000" y="6064883"/>
+            <a:ext cx="550838" cy="550838"/>
+          </a:xfrm>
+          <a:prstGeom prst="rect">
+            <a:avLst/>
+          </a:prstGeom>
+        </p:spPr>
+      </p:pic>
+      <p:pic>
+        <p:nvPicPr>
+          <p:cNvPr id="13" name="Picture 12" descr="A black and white photo&#10;&#10;Description automatically generated">
+            <a:extLst>
+              <a:ext uri="{FF2B5EF4-FFF2-40B4-BE49-F238E27FC236}">
+                <a16:creationId xmlns:a16="http://schemas.microsoft.com/office/drawing/2014/main" id="{36474D49-D369-FE33-B84B-1B17BA38AB24}"/>
+              </a:ext>
+            </a:extLst>
+          </p:cNvPr>
+          <p:cNvPicPr>
+            <a:picLocks noChangeAspect="1"/>
+          </p:cNvPicPr>
+          <p:nvPr/>
+        </p:nvPicPr>
+        <p:blipFill>
+          <a:blip r:embed="rId7">
+            <a:extLst>
+              <a:ext uri="{28A0092B-C50C-407E-A947-70E740481C1C}">
+                <a14:useLocalDpi xmlns:a14="http://schemas.microsoft.com/office/drawing/2010/main" val="0"/>
+              </a:ext>
+            </a:extLst>
+          </a:blip>
+          <a:stretch>
+            <a:fillRect/>
+          </a:stretch>
+        </p:blipFill>
+        <p:spPr>
+          <a:xfrm>
+            <a:off x="6096713" y="6585802"/>
+            <a:ext cx="549412" cy="166325"/>
+          </a:xfrm>
+          <a:prstGeom prst="rect">
+            <a:avLst/>
+          </a:prstGeom>
+        </p:spPr>
+      </p:pic>
+      <p:pic>
+        <p:nvPicPr>
+          <p:cNvPr id="12" name="Picture 11" descr="Screens screenshot of a cell phone&#10;&#10;Description automatically generated">
+            <a:extLst>
+              <a:ext uri="{FF2B5EF4-FFF2-40B4-BE49-F238E27FC236}">
+                <a16:creationId xmlns:a16="http://schemas.microsoft.com/office/drawing/2014/main" id="{8D2D4103-4E2F-9280-F120-50642638D453}"/>
+              </a:ext>
+            </a:extLst>
+          </p:cNvPr>
+          <p:cNvPicPr>
+            <a:picLocks noChangeAspect="1"/>
+          </p:cNvPicPr>
+          <p:nvPr/>
+        </p:nvPicPr>
+        <p:blipFill>
+          <a:blip r:embed="rId8">
+            <a:extLst>
+              <a:ext uri="{28A0092B-C50C-407E-A947-70E740481C1C}">
+                <a14:useLocalDpi xmlns:a14="http://schemas.microsoft.com/office/drawing/2010/main" val="0"/>
+              </a:ext>
+            </a:extLst>
+          </a:blip>
+          <a:stretch>
+            <a:fillRect/>
+          </a:stretch>
+        </p:blipFill>
+        <p:spPr>
+          <a:xfrm>
+            <a:off x="2755076" y="1145820"/>
+            <a:ext cx="6681847" cy="4566359"/>
+          </a:xfrm>
+          <a:prstGeom prst="rect">
+            <a:avLst/>
+          </a:prstGeom>
+        </p:spPr>
+      </p:pic>
+    </p:spTree>
+    <p:extLst>
+      <p:ext uri="{BB962C8B-B14F-4D97-AF65-F5344CB8AC3E}">
+        <p14:creationId xmlns:p14="http://schemas.microsoft.com/office/powerpoint/2010/main" val="1164000530"/>
+      </p:ext>
+    </p:extLst>
+  </p:cSld>
+  <p:clrMapOvr>
+    <a:masterClrMapping/>
+  </p:clrMapOvr>
+  <mc:AlternateContent xmlns:mc="http://schemas.openxmlformats.org/markup-compatibility/2006">
+    <mc:Choice xmlns:p159="http://schemas.microsoft.com/office/powerpoint/2015/09/main" Requires="p159">
+      <p:transition xmlns:p14="http://schemas.microsoft.com/office/powerpoint/2010/main" spd="slow" p14:dur="2000">
+        <p159:morph option="byObject"/>
+      </p:transition>
+    </mc:Choice>
+    <mc:Fallback>
+      <p:transition spd="slow">
+        <p:fade/>
+      </p:transition>
+    </mc:Fallback>
+  </mc:AlternateContent>
+</p:sld>
+</file>
+
+<file path=ppt/slides/slide6.xml><?xml version="1.0" encoding="utf-8"?>
+<p:sld xmlns:a="http://schemas.openxmlformats.org/drawingml/2006/main" xmlns:r="http://schemas.openxmlformats.org/officeDocument/2006/relationships" xmlns:p="http://schemas.openxmlformats.org/presentationml/2006/main">
+  <p:cSld>
+    <p:spTree>
+      <p:nvGrpSpPr>
+        <p:cNvPr id="1" name="">
+          <a:extLst>
+            <a:ext uri="{FF2B5EF4-FFF2-40B4-BE49-F238E27FC236}">
+              <a16:creationId xmlns:a16="http://schemas.microsoft.com/office/drawing/2014/main" id="{899B231A-860D-3972-8612-255B2FD3EB19}"/>
+            </a:ext>
+          </a:extLst>
+        </p:cNvPr>
+        <p:cNvGrpSpPr/>
+        <p:nvPr/>
+      </p:nvGrpSpPr>
+      <p:grpSpPr>
+        <a:xfrm>
+          <a:off x="0" y="0"/>
+          <a:ext cx="0" cy="0"/>
+          <a:chOff x="0" y="0"/>
+          <a:chExt cx="0" cy="0"/>
+        </a:xfrm>
+      </p:grpSpPr>
+      <p:sp>
+        <p:nvSpPr>
+          <p:cNvPr id="2" name="Titel 1">
+            <a:extLst>
+              <a:ext uri="{FF2B5EF4-FFF2-40B4-BE49-F238E27FC236}">
+                <a16:creationId xmlns:a16="http://schemas.microsoft.com/office/drawing/2014/main" id="{E834E898-B3D8-8501-FAEB-D77B359FD3DE}"/>
+              </a:ext>
+            </a:extLst>
+          </p:cNvPr>
+          <p:cNvSpPr>
+            <a:spLocks noGrp="1"/>
+          </p:cNvSpPr>
+          <p:nvPr>
+            <p:ph type="title"/>
+          </p:nvPr>
+        </p:nvSpPr>
+        <p:spPr>
+          <a:xfrm>
+            <a:off x="582489" y="506469"/>
+            <a:ext cx="5364164" cy="648000"/>
+          </a:xfrm>
+        </p:spPr>
+        <p:txBody>
+          <a:bodyPr/>
+          <a:lstStyle/>
+          <a:p>
+            <a:r>
+              <a:rPr lang="de-DE" sz="3200" dirty="0">
+                <a:cs typeface="Arial"/>
+              </a:rPr>
+              <a:t>UI: Wireframes (2)</a:t>
+            </a:r>
+            <a:endParaRPr lang="de-DE" sz="3200" dirty="0"/>
+          </a:p>
+        </p:txBody>
+      </p:sp>
+      <p:sp>
+        <p:nvSpPr>
+          <p:cNvPr id="4" name="Datumsplatzhalter 3">
+            <a:extLst>
+              <a:ext uri="{FF2B5EF4-FFF2-40B4-BE49-F238E27FC236}">
+                <a16:creationId xmlns:a16="http://schemas.microsoft.com/office/drawing/2014/main" id="{336CB57C-4DA9-1881-480D-2C69DB8D20AF}"/>
+              </a:ext>
+            </a:extLst>
+          </p:cNvPr>
+          <p:cNvSpPr>
+            <a:spLocks noGrp="1"/>
+          </p:cNvSpPr>
+          <p:nvPr>
+            <p:ph type="dt" sz="half" idx="10"/>
+          </p:nvPr>
+        </p:nvSpPr>
+        <p:spPr>
+          <a:xfrm>
+            <a:off x="1789332" y="6069025"/>
+            <a:ext cx="3084342" cy="550838"/>
+          </a:xfrm>
+        </p:spPr>
+        <p:txBody>
+          <a:bodyPr/>
+          <a:lstStyle/>
+          <a:p>
+            <a:r>
+              <a:rPr lang="de-DE" dirty="0"/>
+              <a:t>Organisation App </a:t>
+            </a:r>
+          </a:p>
+          <a:p>
+            <a:r>
+              <a:rPr lang="en-US" dirty="0"/>
+              <a:t>18.01.2024</a:t>
+            </a:r>
+          </a:p>
+          <a:p>
+            <a:r>
+              <a:rPr lang="de-DE" sz="1100" b="0" dirty="0"/>
+              <a:t>Jan Weller, Leon Beckert, Ángel </a:t>
+            </a:r>
+            <a:r>
+              <a:rPr lang="de-DE" sz="1100" b="0" dirty="0" err="1"/>
+              <a:t>Currás</a:t>
+            </a:r>
+            <a:r>
+              <a:rPr lang="de-DE" sz="1100" b="0" dirty="0"/>
+              <a:t> Sánchez</a:t>
+            </a:r>
+            <a:endParaRPr lang="de-DE" dirty="0"/>
+          </a:p>
+        </p:txBody>
+      </p:sp>
+      <p:sp>
+        <p:nvSpPr>
+          <p:cNvPr id="8" name="Foliennummernplatzhalter 7">
+            <a:extLst>
+              <a:ext uri="{FF2B5EF4-FFF2-40B4-BE49-F238E27FC236}">
+                <a16:creationId xmlns:a16="http://schemas.microsoft.com/office/drawing/2014/main" id="{DA0D7269-5537-0C17-5869-F20F688B428F}"/>
+              </a:ext>
+            </a:extLst>
+          </p:cNvPr>
+          <p:cNvSpPr>
+            <a:spLocks noGrp="1"/>
+          </p:cNvSpPr>
+          <p:nvPr>
+            <p:ph type="sldNum" sz="quarter" idx="12"/>
+          </p:nvPr>
+        </p:nvSpPr>
+        <p:spPr/>
+        <p:txBody>
+          <a:bodyPr/>
+          <a:lstStyle/>
+          <a:p>
+            <a:fld id="{A13361CF-9A47-4C8C-A01E-566DC0626ACC}" type="slidenum">
+              <a:rPr lang="de-DE" smtClean="0"/>
+              <a:t>6</a:t>
+            </a:fld>
+            <a:endParaRPr lang="de-DE"/>
+          </a:p>
+        </p:txBody>
+      </p:sp>
+      <p:pic>
+        <p:nvPicPr>
+          <p:cNvPr id="5" name="Graphic 4">
+            <a:extLst>
+              <a:ext uri="{FF2B5EF4-FFF2-40B4-BE49-F238E27FC236}">
+                <a16:creationId xmlns:a16="http://schemas.microsoft.com/office/drawing/2014/main" id="{E9013FE8-3219-C048-152D-382C721613D5}"/>
+              </a:ext>
+            </a:extLst>
+          </p:cNvPr>
+          <p:cNvPicPr>
+            <a:picLocks noChangeAspect="1"/>
+          </p:cNvPicPr>
+          <p:nvPr/>
+        </p:nvPicPr>
+        <p:blipFill>
+          <a:blip r:embed="rId2">
+            <a:extLst>
+              <a:ext uri="{28A0092B-C50C-407E-A947-70E740481C1C}">
+                <a14:useLocalDpi xmlns:a14="http://schemas.microsoft.com/office/drawing/2010/main" val="0"/>
+              </a:ext>
+              <a:ext uri="{96DAC541-7B7A-43D3-8B79-37D633B846F1}">
+                <asvg:svgBlip xmlns:asvg="http://schemas.microsoft.com/office/drawing/2016/SVG/main" r:embed="rId3"/>
+              </a:ext>
+            </a:extLst>
+          </a:blip>
+          <a:stretch>
+            <a:fillRect/>
+          </a:stretch>
+        </p:blipFill>
+        <p:spPr>
+          <a:xfrm>
+            <a:off x="7082473" y="6064883"/>
+            <a:ext cx="1881279" cy="546696"/>
+          </a:xfrm>
+          <a:prstGeom prst="rect">
+            <a:avLst/>
+          </a:prstGeom>
+        </p:spPr>
+      </p:pic>
+      <p:pic>
+        <p:nvPicPr>
+          <p:cNvPr id="9" name="Graphic 8">
+            <a:extLst>
+              <a:ext uri="{FF2B5EF4-FFF2-40B4-BE49-F238E27FC236}">
+                <a16:creationId xmlns:a16="http://schemas.microsoft.com/office/drawing/2014/main" id="{4B9FF4E2-6EAB-B2B4-5846-F8D1621BBC0F}"/>
+              </a:ext>
+            </a:extLst>
+          </p:cNvPr>
+          <p:cNvPicPr>
+            <a:picLocks noChangeAspect="1"/>
+          </p:cNvPicPr>
+          <p:nvPr/>
+        </p:nvPicPr>
+        <p:blipFill>
+          <a:blip r:embed="rId4">
+            <a:extLst>
+              <a:ext uri="{28A0092B-C50C-407E-A947-70E740481C1C}">
+                <a14:useLocalDpi xmlns:a14="http://schemas.microsoft.com/office/drawing/2010/main" val="0"/>
+              </a:ext>
+              <a:ext uri="{96DAC541-7B7A-43D3-8B79-37D633B846F1}">
+                <asvg:svgBlip xmlns:asvg="http://schemas.microsoft.com/office/drawing/2016/SVG/main" r:embed="rId5"/>
+              </a:ext>
+            </a:extLst>
+          </a:blip>
+          <a:stretch>
+            <a:fillRect/>
+          </a:stretch>
+        </p:blipFill>
+        <p:spPr>
+          <a:xfrm>
+            <a:off x="9400100" y="6069025"/>
+            <a:ext cx="2177611" cy="559957"/>
+          </a:xfrm>
+          <a:prstGeom prst="rect">
+            <a:avLst/>
+          </a:prstGeom>
+        </p:spPr>
+      </p:pic>
+      <p:pic>
+        <p:nvPicPr>
+          <p:cNvPr id="11" name="Picture 10" descr="A red cube with a white strip&#10;&#10;Description automatically generated">
+            <a:extLst>
+              <a:ext uri="{FF2B5EF4-FFF2-40B4-BE49-F238E27FC236}">
+                <a16:creationId xmlns:a16="http://schemas.microsoft.com/office/drawing/2014/main" id="{A1BA5B40-6204-74EA-17F8-E95ABD4033E7}"/>
+              </a:ext>
+            </a:extLst>
+          </p:cNvPr>
+          <p:cNvPicPr>
+            <a:picLocks noChangeAspect="1"/>
+          </p:cNvPicPr>
+          <p:nvPr/>
+        </p:nvPicPr>
+        <p:blipFill>
+          <a:blip r:embed="rId6">
+            <a:extLst>
+              <a:ext uri="{28A0092B-C50C-407E-A947-70E740481C1C}">
+                <a14:useLocalDpi xmlns:a14="http://schemas.microsoft.com/office/drawing/2010/main" val="0"/>
+              </a:ext>
+            </a:extLst>
+          </a:blip>
+          <a:stretch>
+            <a:fillRect/>
+          </a:stretch>
+        </p:blipFill>
+        <p:spPr>
+          <a:xfrm>
+            <a:off x="6096000" y="6064883"/>
+            <a:ext cx="550838" cy="550838"/>
+          </a:xfrm>
+          <a:prstGeom prst="rect">
+            <a:avLst/>
+          </a:prstGeom>
+        </p:spPr>
+      </p:pic>
+      <p:pic>
+        <p:nvPicPr>
+          <p:cNvPr id="13" name="Picture 12" descr="A black and white photo&#10;&#10;Description automatically generated">
+            <a:extLst>
+              <a:ext uri="{FF2B5EF4-FFF2-40B4-BE49-F238E27FC236}">
+                <a16:creationId xmlns:a16="http://schemas.microsoft.com/office/drawing/2014/main" id="{C2DBEE5F-F36E-7FFE-C938-0F75CBD9CFC3}"/>
+              </a:ext>
+            </a:extLst>
+          </p:cNvPr>
+          <p:cNvPicPr>
+            <a:picLocks noChangeAspect="1"/>
+          </p:cNvPicPr>
+          <p:nvPr/>
+        </p:nvPicPr>
+        <p:blipFill>
+          <a:blip r:embed="rId7">
+            <a:extLst>
+              <a:ext uri="{28A0092B-C50C-407E-A947-70E740481C1C}">
+                <a14:useLocalDpi xmlns:a14="http://schemas.microsoft.com/office/drawing/2010/main" val="0"/>
+              </a:ext>
+            </a:extLst>
+          </a:blip>
+          <a:stretch>
+            <a:fillRect/>
+          </a:stretch>
+        </p:blipFill>
+        <p:spPr>
+          <a:xfrm>
+            <a:off x="6096713" y="6585802"/>
+            <a:ext cx="549412" cy="166325"/>
+          </a:xfrm>
+          <a:prstGeom prst="rect">
+            <a:avLst/>
+          </a:prstGeom>
+        </p:spPr>
+      </p:pic>
+      <p:pic>
+        <p:nvPicPr>
+          <p:cNvPr id="6" name="Picture 5" descr="A screenshot of a cell phone&#10;&#10;Description automatically generated">
+            <a:extLst>
+              <a:ext uri="{FF2B5EF4-FFF2-40B4-BE49-F238E27FC236}">
+                <a16:creationId xmlns:a16="http://schemas.microsoft.com/office/drawing/2014/main" id="{55DC419D-409D-3FA3-228C-9E21E540AC97}"/>
+              </a:ext>
+            </a:extLst>
+          </p:cNvPr>
+          <p:cNvPicPr>
+            <a:picLocks noChangeAspect="1"/>
+          </p:cNvPicPr>
+          <p:nvPr/>
+        </p:nvPicPr>
+        <p:blipFill>
+          <a:blip r:embed="rId8">
+            <a:extLst>
+              <a:ext uri="{28A0092B-C50C-407E-A947-70E740481C1C}">
+                <a14:useLocalDpi xmlns:a14="http://schemas.microsoft.com/office/drawing/2010/main" val="0"/>
+              </a:ext>
+            </a:extLst>
+          </a:blip>
+          <a:stretch>
+            <a:fillRect/>
+          </a:stretch>
+        </p:blipFill>
+        <p:spPr>
+          <a:xfrm>
+            <a:off x="2755077" y="1118414"/>
+            <a:ext cx="6681846" cy="4621172"/>
+          </a:xfrm>
+          <a:prstGeom prst="rect">
+            <a:avLst/>
+          </a:prstGeom>
+        </p:spPr>
+      </p:pic>
+    </p:spTree>
+    <p:extLst>
+      <p:ext uri="{BB962C8B-B14F-4D97-AF65-F5344CB8AC3E}">
+        <p14:creationId xmlns:p14="http://schemas.microsoft.com/office/powerpoint/2010/main" val="2685809367"/>
+      </p:ext>
+    </p:extLst>
+  </p:cSld>
+  <p:clrMapOvr>
+    <a:masterClrMapping/>
+  </p:clrMapOvr>
+  <p:transition spd="slow">
+    <p:wipe/>
+  </p:transition>
+</p:sld>
+</file>
+
+<file path=ppt/slides/slide7.xml><?xml version="1.0" encoding="utf-8"?>
+<p:sld xmlns:a="http://schemas.openxmlformats.org/drawingml/2006/main" xmlns:r="http://schemas.openxmlformats.org/officeDocument/2006/relationships" xmlns:p="http://schemas.openxmlformats.org/presentationml/2006/main">
+  <p:cSld>
+    <p:spTree>
+      <p:nvGrpSpPr>
+        <p:cNvPr id="1" name="">
+          <a:extLst>
+            <a:ext uri="{FF2B5EF4-FFF2-40B4-BE49-F238E27FC236}">
+              <a16:creationId xmlns:a16="http://schemas.microsoft.com/office/drawing/2014/main" id="{B0C9B0B2-6853-A555-6CEE-47AD99A6935C}"/>
+            </a:ext>
+          </a:extLst>
+        </p:cNvPr>
+        <p:cNvGrpSpPr/>
+        <p:nvPr/>
+      </p:nvGrpSpPr>
+      <p:grpSpPr>
+        <a:xfrm>
+          <a:off x="0" y="0"/>
+          <a:ext cx="0" cy="0"/>
+          <a:chOff x="0" y="0"/>
+          <a:chExt cx="0" cy="0"/>
+        </a:xfrm>
+      </p:grpSpPr>
+      <p:sp>
+        <p:nvSpPr>
+          <p:cNvPr id="2" name="Titel 1">
+            <a:extLst>
+              <a:ext uri="{FF2B5EF4-FFF2-40B4-BE49-F238E27FC236}">
+                <a16:creationId xmlns:a16="http://schemas.microsoft.com/office/drawing/2014/main" id="{ADC0AF1B-0E26-CD58-A279-FD04D9373F8F}"/>
+              </a:ext>
+            </a:extLst>
+          </p:cNvPr>
+          <p:cNvSpPr>
+            <a:spLocks noGrp="1"/>
+          </p:cNvSpPr>
+          <p:nvPr>
+            <p:ph type="title"/>
+          </p:nvPr>
+        </p:nvSpPr>
+        <p:spPr>
+          <a:xfrm>
+            <a:off x="582489" y="506469"/>
+            <a:ext cx="5364164" cy="648000"/>
+          </a:xfrm>
+        </p:spPr>
+        <p:txBody>
+          <a:bodyPr/>
+          <a:lstStyle/>
+          <a:p>
+            <a:r>
+              <a:rPr lang="de-DE" sz="3200" dirty="0">
+                <a:cs typeface="Arial"/>
+              </a:rPr>
+              <a:t>UI: Wireframes (3)</a:t>
+            </a:r>
+            <a:endParaRPr lang="de-DE" sz="3200" dirty="0"/>
+          </a:p>
+        </p:txBody>
+      </p:sp>
+      <p:sp>
+        <p:nvSpPr>
+          <p:cNvPr id="4" name="Datumsplatzhalter 3">
+            <a:extLst>
+              <a:ext uri="{FF2B5EF4-FFF2-40B4-BE49-F238E27FC236}">
+                <a16:creationId xmlns:a16="http://schemas.microsoft.com/office/drawing/2014/main" id="{AAF2F641-AED5-D9D0-BC0E-7B1333361875}"/>
+              </a:ext>
+            </a:extLst>
+          </p:cNvPr>
+          <p:cNvSpPr>
+            <a:spLocks noGrp="1"/>
+          </p:cNvSpPr>
+          <p:nvPr>
+            <p:ph type="dt" sz="half" idx="10"/>
+          </p:nvPr>
+        </p:nvSpPr>
+        <p:spPr>
+          <a:xfrm>
+            <a:off x="1789332" y="6069025"/>
+            <a:ext cx="3084342" cy="550838"/>
+          </a:xfrm>
+        </p:spPr>
+        <p:txBody>
+          <a:bodyPr/>
+          <a:lstStyle/>
+          <a:p>
+            <a:r>
+              <a:rPr lang="de-DE" dirty="0"/>
+              <a:t>Organisation App </a:t>
+            </a:r>
+          </a:p>
+          <a:p>
+            <a:r>
+              <a:rPr lang="en-US" dirty="0"/>
+              <a:t>18.01.2024</a:t>
+            </a:r>
+          </a:p>
+          <a:p>
+            <a:r>
+              <a:rPr lang="de-DE" sz="1100" b="0" dirty="0"/>
+              <a:t>Jan Weller, Leon Beckert, Ángel </a:t>
+            </a:r>
+            <a:r>
+              <a:rPr lang="de-DE" sz="1100" b="0" dirty="0" err="1"/>
+              <a:t>Currás</a:t>
+            </a:r>
+            <a:r>
+              <a:rPr lang="de-DE" sz="1100" b="0" dirty="0"/>
+              <a:t> Sánchez</a:t>
+            </a:r>
+            <a:endParaRPr lang="de-DE" dirty="0"/>
+          </a:p>
+        </p:txBody>
+      </p:sp>
+      <p:sp>
+        <p:nvSpPr>
+          <p:cNvPr id="8" name="Foliennummernplatzhalter 7">
+            <a:extLst>
+              <a:ext uri="{FF2B5EF4-FFF2-40B4-BE49-F238E27FC236}">
+                <a16:creationId xmlns:a16="http://schemas.microsoft.com/office/drawing/2014/main" id="{71196B34-F969-489C-E4C9-A1893FBD4C9E}"/>
+              </a:ext>
+            </a:extLst>
+          </p:cNvPr>
+          <p:cNvSpPr>
+            <a:spLocks noGrp="1"/>
+          </p:cNvSpPr>
+          <p:nvPr>
+            <p:ph type="sldNum" sz="quarter" idx="12"/>
+          </p:nvPr>
+        </p:nvSpPr>
+        <p:spPr/>
+        <p:txBody>
+          <a:bodyPr/>
+          <a:lstStyle/>
+          <a:p>
+            <a:fld id="{A13361CF-9A47-4C8C-A01E-566DC0626ACC}" type="slidenum">
+              <a:rPr lang="de-DE" smtClean="0"/>
+              <a:t>7</a:t>
+            </a:fld>
+            <a:endParaRPr lang="de-DE"/>
+          </a:p>
+        </p:txBody>
+      </p:sp>
+      <p:pic>
+        <p:nvPicPr>
+          <p:cNvPr id="5" name="Graphic 4">
+            <a:extLst>
+              <a:ext uri="{FF2B5EF4-FFF2-40B4-BE49-F238E27FC236}">
+                <a16:creationId xmlns:a16="http://schemas.microsoft.com/office/drawing/2014/main" id="{31D198CC-5742-F40E-E573-B6998156230F}"/>
+              </a:ext>
+            </a:extLst>
+          </p:cNvPr>
+          <p:cNvPicPr>
+            <a:picLocks noChangeAspect="1"/>
+          </p:cNvPicPr>
+          <p:nvPr/>
+        </p:nvPicPr>
+        <p:blipFill>
+          <a:blip r:embed="rId2">
+            <a:extLst>
+              <a:ext uri="{28A0092B-C50C-407E-A947-70E740481C1C}">
+                <a14:useLocalDpi xmlns:a14="http://schemas.microsoft.com/office/drawing/2010/main" val="0"/>
+              </a:ext>
+              <a:ext uri="{96DAC541-7B7A-43D3-8B79-37D633B846F1}">
+                <asvg:svgBlip xmlns:asvg="http://schemas.microsoft.com/office/drawing/2016/SVG/main" r:embed="rId3"/>
+              </a:ext>
+            </a:extLst>
+          </a:blip>
+          <a:stretch>
+            <a:fillRect/>
+          </a:stretch>
+        </p:blipFill>
+        <p:spPr>
+          <a:xfrm>
+            <a:off x="7082473" y="6064883"/>
+            <a:ext cx="1881279" cy="546696"/>
+          </a:xfrm>
+          <a:prstGeom prst="rect">
+            <a:avLst/>
+          </a:prstGeom>
+        </p:spPr>
+      </p:pic>
+      <p:pic>
+        <p:nvPicPr>
+          <p:cNvPr id="9" name="Graphic 8">
+            <a:extLst>
+              <a:ext uri="{FF2B5EF4-FFF2-40B4-BE49-F238E27FC236}">
+                <a16:creationId xmlns:a16="http://schemas.microsoft.com/office/drawing/2014/main" id="{47170248-6A11-F311-CAF6-1FACF5EDBDEE}"/>
+              </a:ext>
+            </a:extLst>
+          </p:cNvPr>
+          <p:cNvPicPr>
+            <a:picLocks noChangeAspect="1"/>
+          </p:cNvPicPr>
+          <p:nvPr/>
+        </p:nvPicPr>
+        <p:blipFill>
+          <a:blip r:embed="rId4">
+            <a:extLst>
+              <a:ext uri="{28A0092B-C50C-407E-A947-70E740481C1C}">
+                <a14:useLocalDpi xmlns:a14="http://schemas.microsoft.com/office/drawing/2010/main" val="0"/>
+              </a:ext>
+              <a:ext uri="{96DAC541-7B7A-43D3-8B79-37D633B846F1}">
+                <asvg:svgBlip xmlns:asvg="http://schemas.microsoft.com/office/drawing/2016/SVG/main" r:embed="rId5"/>
+              </a:ext>
+            </a:extLst>
+          </a:blip>
+          <a:stretch>
+            <a:fillRect/>
+          </a:stretch>
+        </p:blipFill>
+        <p:spPr>
+          <a:xfrm>
+            <a:off x="9400100" y="6069025"/>
+            <a:ext cx="2177611" cy="559957"/>
+          </a:xfrm>
+          <a:prstGeom prst="rect">
+            <a:avLst/>
+          </a:prstGeom>
+        </p:spPr>
+      </p:pic>
+      <p:pic>
+        <p:nvPicPr>
+          <p:cNvPr id="11" name="Picture 10" descr="A red cube with a white strip&#10;&#10;Description automatically generated">
+            <a:extLst>
+              <a:ext uri="{FF2B5EF4-FFF2-40B4-BE49-F238E27FC236}">
+                <a16:creationId xmlns:a16="http://schemas.microsoft.com/office/drawing/2014/main" id="{9BDEBA11-593B-FC39-420E-659CCA6FE909}"/>
+              </a:ext>
+            </a:extLst>
+          </p:cNvPr>
+          <p:cNvPicPr>
+            <a:picLocks noChangeAspect="1"/>
+          </p:cNvPicPr>
+          <p:nvPr/>
+        </p:nvPicPr>
+        <p:blipFill>
+          <a:blip r:embed="rId6">
+            <a:extLst>
+              <a:ext uri="{28A0092B-C50C-407E-A947-70E740481C1C}">
+                <a14:useLocalDpi xmlns:a14="http://schemas.microsoft.com/office/drawing/2010/main" val="0"/>
+              </a:ext>
+            </a:extLst>
+          </a:blip>
+          <a:stretch>
+            <a:fillRect/>
+          </a:stretch>
+        </p:blipFill>
+        <p:spPr>
+          <a:xfrm>
+            <a:off x="6096000" y="6064883"/>
+            <a:ext cx="550838" cy="550838"/>
+          </a:xfrm>
+          <a:prstGeom prst="rect">
+            <a:avLst/>
+          </a:prstGeom>
+        </p:spPr>
+      </p:pic>
+      <p:pic>
+        <p:nvPicPr>
+          <p:cNvPr id="13" name="Picture 12" descr="A black and white photo&#10;&#10;Description automatically generated">
+            <a:extLst>
+              <a:ext uri="{FF2B5EF4-FFF2-40B4-BE49-F238E27FC236}">
+                <a16:creationId xmlns:a16="http://schemas.microsoft.com/office/drawing/2014/main" id="{4769AA92-E14B-5CDF-9235-7BAF433A2BDD}"/>
+              </a:ext>
+            </a:extLst>
+          </p:cNvPr>
+          <p:cNvPicPr>
+            <a:picLocks noChangeAspect="1"/>
+          </p:cNvPicPr>
+          <p:nvPr/>
+        </p:nvPicPr>
+        <p:blipFill>
+          <a:blip r:embed="rId7">
+            <a:extLst>
+              <a:ext uri="{28A0092B-C50C-407E-A947-70E740481C1C}">
+                <a14:useLocalDpi xmlns:a14="http://schemas.microsoft.com/office/drawing/2010/main" val="0"/>
+              </a:ext>
+            </a:extLst>
+          </a:blip>
+          <a:stretch>
+            <a:fillRect/>
+          </a:stretch>
+        </p:blipFill>
+        <p:spPr>
+          <a:xfrm>
+            <a:off x="6096713" y="6585802"/>
+            <a:ext cx="549412" cy="166325"/>
+          </a:xfrm>
+          <a:prstGeom prst="rect">
+            <a:avLst/>
+          </a:prstGeom>
+        </p:spPr>
+      </p:pic>
+      <p:pic>
+        <p:nvPicPr>
+          <p:cNvPr id="7" name="Picture 6" descr="A screenshot of a cell phone&#10;&#10;Description automatically generated">
+            <a:extLst>
+              <a:ext uri="{FF2B5EF4-FFF2-40B4-BE49-F238E27FC236}">
+                <a16:creationId xmlns:a16="http://schemas.microsoft.com/office/drawing/2014/main" id="{6D56B034-5AC7-3ED4-B218-9470A874A9E1}"/>
+              </a:ext>
+            </a:extLst>
+          </p:cNvPr>
+          <p:cNvPicPr>
+            <a:picLocks noChangeAspect="1"/>
+          </p:cNvPicPr>
+          <p:nvPr/>
+        </p:nvPicPr>
+        <p:blipFill rotWithShape="1">
+          <a:blip r:embed="rId8">
+            <a:extLst>
+              <a:ext uri="{28A0092B-C50C-407E-A947-70E740481C1C}">
+                <a14:useLocalDpi xmlns:a14="http://schemas.microsoft.com/office/drawing/2010/main" val="0"/>
+              </a:ext>
+            </a:extLst>
+          </a:blip>
+          <a:srcRect r="33406"/>
+          <a:stretch/>
+        </p:blipFill>
+        <p:spPr>
+          <a:xfrm>
+            <a:off x="3871152" y="1118414"/>
+            <a:ext cx="4449696" cy="4621172"/>
+          </a:xfrm>
+          <a:prstGeom prst="rect">
+            <a:avLst/>
+          </a:prstGeom>
+        </p:spPr>
+      </p:pic>
+      <p:pic>
+        <p:nvPicPr>
+          <p:cNvPr id="10" name="Picture 9">
+            <a:extLst>
+              <a:ext uri="{FF2B5EF4-FFF2-40B4-BE49-F238E27FC236}">
+                <a16:creationId xmlns:a16="http://schemas.microsoft.com/office/drawing/2014/main" id="{C0A657C0-1823-4D60-DD8D-C0F2338BE650}"/>
+              </a:ext>
+            </a:extLst>
+          </p:cNvPr>
+          <p:cNvPicPr>
+            <a:picLocks noChangeAspect="1"/>
+          </p:cNvPicPr>
+          <p:nvPr/>
+        </p:nvPicPr>
+        <p:blipFill>
+          <a:blip r:embed="rId9"/>
+          <a:stretch>
+            <a:fillRect/>
+          </a:stretch>
+        </p:blipFill>
+        <p:spPr>
+          <a:xfrm>
+            <a:off x="524551" y="6936876"/>
+            <a:ext cx="57938" cy="128640"/>
+          </a:xfrm>
+          <a:prstGeom prst="rect">
+            <a:avLst/>
+          </a:prstGeom>
+        </p:spPr>
+      </p:pic>
+      <p:pic>
+        <p:nvPicPr>
+          <p:cNvPr id="14" name="Picture 13">
+            <a:extLst>
+              <a:ext uri="{FF2B5EF4-FFF2-40B4-BE49-F238E27FC236}">
+                <a16:creationId xmlns:a16="http://schemas.microsoft.com/office/drawing/2014/main" id="{79D75CF2-D8F0-98B5-BD60-B00E92FD8DFC}"/>
+              </a:ext>
+            </a:extLst>
+          </p:cNvPr>
+          <p:cNvPicPr>
+            <a:picLocks noChangeAspect="1"/>
+          </p:cNvPicPr>
+          <p:nvPr/>
+        </p:nvPicPr>
+        <p:blipFill>
+          <a:blip r:embed="rId10"/>
+          <a:stretch>
+            <a:fillRect/>
+          </a:stretch>
+        </p:blipFill>
+        <p:spPr>
+          <a:xfrm>
+            <a:off x="2620354" y="6937686"/>
+            <a:ext cx="57938" cy="128664"/>
+          </a:xfrm>
+          <a:prstGeom prst="rect">
+            <a:avLst/>
+          </a:prstGeom>
+        </p:spPr>
+      </p:pic>
+      <p:pic>
+        <p:nvPicPr>
+          <p:cNvPr id="15" name="Picture 14">
+            <a:extLst>
+              <a:ext uri="{FF2B5EF4-FFF2-40B4-BE49-F238E27FC236}">
+                <a16:creationId xmlns:a16="http://schemas.microsoft.com/office/drawing/2014/main" id="{13ABB442-F376-CAB2-93A3-67B7F1D14326}"/>
+              </a:ext>
+            </a:extLst>
+          </p:cNvPr>
+          <p:cNvPicPr>
+            <a:picLocks noChangeAspect="1"/>
+          </p:cNvPicPr>
+          <p:nvPr/>
+        </p:nvPicPr>
+        <p:blipFill>
+          <a:blip r:embed="rId11"/>
+          <a:stretch>
+            <a:fillRect/>
+          </a:stretch>
+        </p:blipFill>
+        <p:spPr>
+          <a:xfrm>
+            <a:off x="4906150" y="6917894"/>
+            <a:ext cx="66245" cy="147621"/>
+          </a:xfrm>
+          <a:prstGeom prst="rect">
+            <a:avLst/>
+          </a:prstGeom>
+        </p:spPr>
+      </p:pic>
+      <p:pic>
+        <p:nvPicPr>
+          <p:cNvPr id="16" name="Picture 15">
+            <a:extLst>
+              <a:ext uri="{FF2B5EF4-FFF2-40B4-BE49-F238E27FC236}">
+                <a16:creationId xmlns:a16="http://schemas.microsoft.com/office/drawing/2014/main" id="{86B55E77-B69E-0826-8B1D-B01DC4ADD587}"/>
+              </a:ext>
+            </a:extLst>
+          </p:cNvPr>
+          <p:cNvPicPr>
+            <a:picLocks noChangeAspect="1"/>
+          </p:cNvPicPr>
+          <p:nvPr/>
+        </p:nvPicPr>
+        <p:blipFill>
+          <a:blip r:embed="rId12"/>
+          <a:stretch>
+            <a:fillRect/>
+          </a:stretch>
+        </p:blipFill>
+        <p:spPr>
+          <a:xfrm>
+            <a:off x="7248340" y="6917893"/>
+            <a:ext cx="66289" cy="147621"/>
+          </a:xfrm>
+          <a:prstGeom prst="rect">
+            <a:avLst/>
+          </a:prstGeom>
+        </p:spPr>
+      </p:pic>
+      <p:pic>
+        <p:nvPicPr>
+          <p:cNvPr id="17" name="Picture 16">
+            <a:extLst>
+              <a:ext uri="{FF2B5EF4-FFF2-40B4-BE49-F238E27FC236}">
+                <a16:creationId xmlns:a16="http://schemas.microsoft.com/office/drawing/2014/main" id="{E4F74A62-57D2-2A2A-A93D-A17FD5BA834B}"/>
+              </a:ext>
+            </a:extLst>
+          </p:cNvPr>
+          <p:cNvPicPr>
+            <a:picLocks noChangeAspect="1"/>
+          </p:cNvPicPr>
+          <p:nvPr/>
+        </p:nvPicPr>
+        <p:blipFill>
+          <a:blip r:embed="rId13"/>
+          <a:stretch>
+            <a:fillRect/>
+          </a:stretch>
+        </p:blipFill>
+        <p:spPr>
+          <a:xfrm>
+            <a:off x="9592036" y="6917892"/>
+            <a:ext cx="66232" cy="147621"/>
+          </a:xfrm>
+          <a:prstGeom prst="rect">
+            <a:avLst/>
+          </a:prstGeom>
+        </p:spPr>
+      </p:pic>
+    </p:spTree>
+    <p:extLst>
+      <p:ext uri="{BB962C8B-B14F-4D97-AF65-F5344CB8AC3E}">
+        <p14:creationId xmlns:p14="http://schemas.microsoft.com/office/powerpoint/2010/main" val="909081146"/>
+      </p:ext>
+    </p:extLst>
+  </p:cSld>
+  <p:clrMapOvr>
+    <a:masterClrMapping/>
+  </p:clrMapOvr>
+  <p:transition spd="slow">
+    <p:wipe/>
+  </p:transition>
+</p:sld>
+</file>
+
+<file path=ppt/slides/slide8.xml><?xml version="1.0" encoding="utf-8"?>
+<p:sld xmlns:a="http://schemas.openxmlformats.org/drawingml/2006/main" xmlns:r="http://schemas.openxmlformats.org/officeDocument/2006/relationships" xmlns:p="http://schemas.openxmlformats.org/presentationml/2006/main">
+  <p:cSld>
+    <p:spTree>
+      <p:nvGrpSpPr>
+        <p:cNvPr id="1" name="">
+          <a:extLst>
+            <a:ext uri="{FF2B5EF4-FFF2-40B4-BE49-F238E27FC236}">
+              <a16:creationId xmlns:a16="http://schemas.microsoft.com/office/drawing/2014/main" id="{B4B622CB-8AA2-0EBA-66D9-F887DF70EC31}"/>
+            </a:ext>
+          </a:extLst>
+        </p:cNvPr>
+        <p:cNvGrpSpPr/>
+        <p:nvPr/>
+      </p:nvGrpSpPr>
+      <p:grpSpPr>
+        <a:xfrm>
+          <a:off x="0" y="0"/>
+          <a:ext cx="0" cy="0"/>
+          <a:chOff x="0" y="0"/>
+          <a:chExt cx="0" cy="0"/>
+        </a:xfrm>
+      </p:grpSpPr>
+      <p:sp>
+        <p:nvSpPr>
+          <p:cNvPr id="2" name="Titel 1">
+            <a:extLst>
+              <a:ext uri="{FF2B5EF4-FFF2-40B4-BE49-F238E27FC236}">
+                <a16:creationId xmlns:a16="http://schemas.microsoft.com/office/drawing/2014/main" id="{7FAB82ED-57DA-C1A0-F7BE-683533FE9CE9}"/>
+              </a:ext>
+            </a:extLst>
+          </p:cNvPr>
+          <p:cNvSpPr>
+            <a:spLocks noGrp="1"/>
+          </p:cNvSpPr>
+          <p:nvPr>
+            <p:ph type="title"/>
+          </p:nvPr>
+        </p:nvSpPr>
+        <p:spPr>
+          <a:xfrm>
+            <a:off x="582489" y="506469"/>
+            <a:ext cx="5364164" cy="648000"/>
+          </a:xfrm>
+        </p:spPr>
+        <p:txBody>
+          <a:bodyPr/>
+          <a:lstStyle/>
+          <a:p>
+            <a:r>
+              <a:rPr lang="de-DE" sz="3200" dirty="0">
+                <a:cs typeface="Arial"/>
+              </a:rPr>
+              <a:t>Was kann die App?</a:t>
+            </a:r>
+            <a:endParaRPr lang="de-DE" sz="3200" dirty="0"/>
+          </a:p>
+        </p:txBody>
+      </p:sp>
+      <p:sp>
+        <p:nvSpPr>
+          <p:cNvPr id="3" name="Inhaltsplatzhalter 2">
+            <a:extLst>
+              <a:ext uri="{FF2B5EF4-FFF2-40B4-BE49-F238E27FC236}">
+                <a16:creationId xmlns:a16="http://schemas.microsoft.com/office/drawing/2014/main" id="{A05AD34B-181A-4C90-3CEA-CD04378DC9E6}"/>
+              </a:ext>
+            </a:extLst>
+          </p:cNvPr>
+          <p:cNvSpPr>
+            <a:spLocks noGrp="1"/>
+          </p:cNvSpPr>
+          <p:nvPr>
+            <p:ph idx="1"/>
+          </p:nvPr>
+        </p:nvSpPr>
+        <p:spPr>
+          <a:xfrm>
+            <a:off x="757762" y="1379392"/>
+            <a:ext cx="11062762" cy="4456427"/>
+          </a:xfrm>
+        </p:spPr>
+        <p:txBody>
+          <a:bodyPr/>
+          <a:lstStyle/>
+          <a:p>
+            <a:pPr lvl="1">
+              <a:lnSpc>
+                <a:spcPct val="150000"/>
+              </a:lnSpc>
+              <a:buFont typeface="Arial" panose="020B0604020202020204" pitchFamily="34" charset="0"/>
+              <a:buChar char="•"/>
+            </a:pPr>
+            <a:endParaRPr lang="de-DE" sz="2400" dirty="0"/>
+          </a:p>
+          <a:p>
+            <a:pPr marL="180975" lvl="1" indent="0">
+              <a:lnSpc>
+                <a:spcPct val="150000"/>
+              </a:lnSpc>
+              <a:buNone/>
+            </a:pPr>
+            <a:endParaRPr lang="de-DE" sz="2400" dirty="0"/>
+          </a:p>
+          <a:p>
+            <a:pPr>
+              <a:lnSpc>
+                <a:spcPct val="150000"/>
+              </a:lnSpc>
+              <a:buFont typeface="Wingdings" panose="05000000000000000000" pitchFamily="2" charset="2"/>
+              <a:buChar char="§"/>
+            </a:pPr>
+            <a:endParaRPr lang="de-DE" sz="2400" dirty="0"/>
+          </a:p>
+          <a:p>
+            <a:pPr>
+              <a:lnSpc>
+                <a:spcPct val="150000"/>
+              </a:lnSpc>
+            </a:pPr>
+            <a:endParaRPr lang="de-DE" sz="2000" dirty="0"/>
+          </a:p>
+          <a:p>
+            <a:pPr>
+              <a:lnSpc>
+                <a:spcPct val="150000"/>
+              </a:lnSpc>
+            </a:pPr>
+            <a:endParaRPr lang="de-DE" sz="2000" dirty="0"/>
+          </a:p>
+          <a:p>
+            <a:pPr>
+              <a:lnSpc>
+                <a:spcPct val="150000"/>
+              </a:lnSpc>
+            </a:pPr>
+            <a:endParaRPr lang="de-DE" sz="2000" dirty="0"/>
+          </a:p>
+          <a:p>
+            <a:pPr>
+              <a:lnSpc>
+                <a:spcPct val="150000"/>
+              </a:lnSpc>
+            </a:pPr>
+            <a:endParaRPr lang="en-US" sz="2000" dirty="0"/>
+          </a:p>
+        </p:txBody>
+      </p:sp>
+      <p:sp>
+        <p:nvSpPr>
+          <p:cNvPr id="4" name="Datumsplatzhalter 3">
+            <a:extLst>
+              <a:ext uri="{FF2B5EF4-FFF2-40B4-BE49-F238E27FC236}">
+                <a16:creationId xmlns:a16="http://schemas.microsoft.com/office/drawing/2014/main" id="{4C5ED650-5CFD-FB7C-66E5-6CC4A03EC055}"/>
+              </a:ext>
+            </a:extLst>
+          </p:cNvPr>
+          <p:cNvSpPr>
+            <a:spLocks noGrp="1"/>
+          </p:cNvSpPr>
+          <p:nvPr>
+            <p:ph type="dt" sz="half" idx="10"/>
+          </p:nvPr>
+        </p:nvSpPr>
+        <p:spPr>
+          <a:xfrm>
+            <a:off x="1789332" y="6069025"/>
+            <a:ext cx="3084342" cy="550838"/>
+          </a:xfrm>
+        </p:spPr>
+        <p:txBody>
+          <a:bodyPr/>
+          <a:lstStyle/>
+          <a:p>
+            <a:r>
+              <a:rPr lang="de-DE" dirty="0"/>
+              <a:t>Organisation App </a:t>
+            </a:r>
+          </a:p>
+          <a:p>
+            <a:r>
+              <a:rPr lang="en-US" dirty="0"/>
+              <a:t>18.01.2024</a:t>
+            </a:r>
+          </a:p>
+          <a:p>
+            <a:r>
+              <a:rPr lang="de-DE" sz="1100" b="0" dirty="0"/>
+              <a:t>Jan Weller, Leon Beckert, Ángel </a:t>
+            </a:r>
+            <a:r>
+              <a:rPr lang="de-DE" sz="1100" b="0" dirty="0" err="1"/>
+              <a:t>Currás</a:t>
+            </a:r>
+            <a:r>
+              <a:rPr lang="de-DE" sz="1100" b="0" dirty="0"/>
+              <a:t> Sánchez</a:t>
+            </a:r>
+            <a:endParaRPr lang="de-DE" dirty="0"/>
+          </a:p>
+        </p:txBody>
+      </p:sp>
+      <p:sp>
+        <p:nvSpPr>
+          <p:cNvPr id="8" name="Foliennummernplatzhalter 7">
+            <a:extLst>
+              <a:ext uri="{FF2B5EF4-FFF2-40B4-BE49-F238E27FC236}">
+                <a16:creationId xmlns:a16="http://schemas.microsoft.com/office/drawing/2014/main" id="{3D91E7B3-A9D0-0E41-7B9A-A269FE101EAA}"/>
+              </a:ext>
+            </a:extLst>
+          </p:cNvPr>
+          <p:cNvSpPr>
+            <a:spLocks noGrp="1"/>
+          </p:cNvSpPr>
+          <p:nvPr>
+            <p:ph type="sldNum" sz="quarter" idx="12"/>
+          </p:nvPr>
+        </p:nvSpPr>
+        <p:spPr/>
+        <p:txBody>
+          <a:bodyPr/>
+          <a:lstStyle/>
+          <a:p>
+            <a:fld id="{A13361CF-9A47-4C8C-A01E-566DC0626ACC}" type="slidenum">
+              <a:rPr lang="de-DE" smtClean="0"/>
+              <a:t>8</a:t>
+            </a:fld>
+            <a:endParaRPr lang="de-DE"/>
+          </a:p>
+        </p:txBody>
+      </p:sp>
+      <p:pic>
+        <p:nvPicPr>
+          <p:cNvPr id="5" name="Graphic 4">
+            <a:extLst>
+              <a:ext uri="{FF2B5EF4-FFF2-40B4-BE49-F238E27FC236}">
+                <a16:creationId xmlns:a16="http://schemas.microsoft.com/office/drawing/2014/main" id="{D393FD27-80A6-FA66-4DD2-D62801F0D16B}"/>
+              </a:ext>
+            </a:extLst>
+          </p:cNvPr>
+          <p:cNvPicPr>
+            <a:picLocks noChangeAspect="1"/>
+          </p:cNvPicPr>
+          <p:nvPr/>
+        </p:nvPicPr>
+        <p:blipFill>
+          <a:blip r:embed="rId2">
+            <a:extLst>
+              <a:ext uri="{28A0092B-C50C-407E-A947-70E740481C1C}">
+                <a14:useLocalDpi xmlns:a14="http://schemas.microsoft.com/office/drawing/2010/main" val="0"/>
+              </a:ext>
+              <a:ext uri="{96DAC541-7B7A-43D3-8B79-37D633B846F1}">
+                <asvg:svgBlip xmlns:asvg="http://schemas.microsoft.com/office/drawing/2016/SVG/main" r:embed="rId3"/>
+              </a:ext>
+            </a:extLst>
+          </a:blip>
+          <a:stretch>
+            <a:fillRect/>
+          </a:stretch>
+        </p:blipFill>
+        <p:spPr>
+          <a:xfrm>
+            <a:off x="7082473" y="6064883"/>
+            <a:ext cx="1881279" cy="546696"/>
+          </a:xfrm>
+          <a:prstGeom prst="rect">
+            <a:avLst/>
+          </a:prstGeom>
+        </p:spPr>
+      </p:pic>
+      <p:pic>
+        <p:nvPicPr>
+          <p:cNvPr id="9" name="Graphic 8">
+            <a:extLst>
+              <a:ext uri="{FF2B5EF4-FFF2-40B4-BE49-F238E27FC236}">
+                <a16:creationId xmlns:a16="http://schemas.microsoft.com/office/drawing/2014/main" id="{E7C73D4C-C388-7DF2-2BA3-F91B4E88AE76}"/>
+              </a:ext>
+            </a:extLst>
+          </p:cNvPr>
+          <p:cNvPicPr>
+            <a:picLocks noChangeAspect="1"/>
+          </p:cNvPicPr>
+          <p:nvPr/>
+        </p:nvPicPr>
+        <p:blipFill>
+          <a:blip r:embed="rId4">
+            <a:extLst>
+              <a:ext uri="{28A0092B-C50C-407E-A947-70E740481C1C}">
+                <a14:useLocalDpi xmlns:a14="http://schemas.microsoft.com/office/drawing/2010/main" val="0"/>
+              </a:ext>
+              <a:ext uri="{96DAC541-7B7A-43D3-8B79-37D633B846F1}">
+                <asvg:svgBlip xmlns:asvg="http://schemas.microsoft.com/office/drawing/2016/SVG/main" r:embed="rId5"/>
+              </a:ext>
+            </a:extLst>
+          </a:blip>
+          <a:stretch>
+            <a:fillRect/>
+          </a:stretch>
+        </p:blipFill>
+        <p:spPr>
+          <a:xfrm>
+            <a:off x="9400100" y="6069025"/>
+            <a:ext cx="2177611" cy="559957"/>
+          </a:xfrm>
+          <a:prstGeom prst="rect">
+            <a:avLst/>
+          </a:prstGeom>
+        </p:spPr>
+      </p:pic>
+      <p:pic>
+        <p:nvPicPr>
+          <p:cNvPr id="11" name="Picture 10" descr="A red cube with a white strip&#10;&#10;Description automatically generated">
+            <a:extLst>
+              <a:ext uri="{FF2B5EF4-FFF2-40B4-BE49-F238E27FC236}">
+                <a16:creationId xmlns:a16="http://schemas.microsoft.com/office/drawing/2014/main" id="{50331C0B-FDF9-DD6A-7EF7-EDBE4B47C473}"/>
+              </a:ext>
+            </a:extLst>
+          </p:cNvPr>
+          <p:cNvPicPr>
+            <a:picLocks noChangeAspect="1"/>
+          </p:cNvPicPr>
+          <p:nvPr/>
+        </p:nvPicPr>
+        <p:blipFill>
+          <a:blip r:embed="rId6">
+            <a:extLst>
+              <a:ext uri="{28A0092B-C50C-407E-A947-70E740481C1C}">
+                <a14:useLocalDpi xmlns:a14="http://schemas.microsoft.com/office/drawing/2010/main" val="0"/>
+              </a:ext>
+            </a:extLst>
+          </a:blip>
+          <a:stretch>
+            <a:fillRect/>
+          </a:stretch>
+        </p:blipFill>
+        <p:spPr>
+          <a:xfrm>
+            <a:off x="6096000" y="6064883"/>
+            <a:ext cx="550838" cy="550838"/>
+          </a:xfrm>
+          <a:prstGeom prst="rect">
+            <a:avLst/>
+          </a:prstGeom>
+        </p:spPr>
+      </p:pic>
+      <p:pic>
+        <p:nvPicPr>
+          <p:cNvPr id="13" name="Picture 12" descr="A black and white photo&#10;&#10;Description automatically generated">
+            <a:extLst>
+              <a:ext uri="{FF2B5EF4-FFF2-40B4-BE49-F238E27FC236}">
+                <a16:creationId xmlns:a16="http://schemas.microsoft.com/office/drawing/2014/main" id="{F607800D-8C74-25F2-94DF-511CDF084CA4}"/>
+              </a:ext>
+            </a:extLst>
+          </p:cNvPr>
+          <p:cNvPicPr>
+            <a:picLocks noChangeAspect="1"/>
+          </p:cNvPicPr>
+          <p:nvPr/>
+        </p:nvPicPr>
+        <p:blipFill>
+          <a:blip r:embed="rId7">
+            <a:extLst>
+              <a:ext uri="{28A0092B-C50C-407E-A947-70E740481C1C}">
+                <a14:useLocalDpi xmlns:a14="http://schemas.microsoft.com/office/drawing/2010/main" val="0"/>
+              </a:ext>
+            </a:extLst>
+          </a:blip>
+          <a:stretch>
+            <a:fillRect/>
+          </a:stretch>
+        </p:blipFill>
+        <p:spPr>
+          <a:xfrm>
+            <a:off x="6096713" y="6585802"/>
+            <a:ext cx="549412" cy="166325"/>
+          </a:xfrm>
+          <a:prstGeom prst="rect">
+            <a:avLst/>
+          </a:prstGeom>
+        </p:spPr>
+      </p:pic>
+      <p:pic>
+        <p:nvPicPr>
+          <p:cNvPr id="15" name="Picture 14">
+            <a:extLst>
+              <a:ext uri="{FF2B5EF4-FFF2-40B4-BE49-F238E27FC236}">
+                <a16:creationId xmlns:a16="http://schemas.microsoft.com/office/drawing/2014/main" id="{A532A4F8-AEE4-3B21-7983-134AB506FBCA}"/>
+              </a:ext>
+            </a:extLst>
+          </p:cNvPr>
+          <p:cNvPicPr>
+            <a:picLocks noChangeAspect="1"/>
+          </p:cNvPicPr>
+          <p:nvPr/>
+        </p:nvPicPr>
+        <p:blipFill>
+          <a:blip r:embed="rId8"/>
+          <a:stretch>
+            <a:fillRect/>
+          </a:stretch>
+        </p:blipFill>
+        <p:spPr>
+          <a:xfrm>
+            <a:off x="582489" y="1154469"/>
+            <a:ext cx="1978024" cy="4391819"/>
+          </a:xfrm>
+          <a:prstGeom prst="rect">
+            <a:avLst/>
+          </a:prstGeom>
+        </p:spPr>
+      </p:pic>
+      <p:pic>
+        <p:nvPicPr>
+          <p:cNvPr id="19" name="Picture 18">
+            <a:extLst>
+              <a:ext uri="{FF2B5EF4-FFF2-40B4-BE49-F238E27FC236}">
+                <a16:creationId xmlns:a16="http://schemas.microsoft.com/office/drawing/2014/main" id="{66FCE61D-E788-0A3C-FB46-E7EECF466279}"/>
+              </a:ext>
+            </a:extLst>
+          </p:cNvPr>
+          <p:cNvPicPr>
+            <a:picLocks noChangeAspect="1"/>
+          </p:cNvPicPr>
+          <p:nvPr/>
+        </p:nvPicPr>
+        <p:blipFill>
+          <a:blip r:embed="rId9"/>
+          <a:stretch>
+            <a:fillRect/>
+          </a:stretch>
+        </p:blipFill>
+        <p:spPr>
+          <a:xfrm>
+            <a:off x="2678292" y="1154469"/>
+            <a:ext cx="1978024" cy="4392654"/>
+          </a:xfrm>
+          <a:prstGeom prst="rect">
+            <a:avLst/>
+          </a:prstGeom>
+        </p:spPr>
+      </p:pic>
+      <p:pic>
+        <p:nvPicPr>
+          <p:cNvPr id="21" name="Picture 20">
+            <a:extLst>
+              <a:ext uri="{FF2B5EF4-FFF2-40B4-BE49-F238E27FC236}">
+                <a16:creationId xmlns:a16="http://schemas.microsoft.com/office/drawing/2014/main" id="{28A638C7-3C01-EA1C-0565-2CF1995E4134}"/>
+              </a:ext>
+            </a:extLst>
+          </p:cNvPr>
+          <p:cNvPicPr>
+            <a:picLocks noChangeAspect="1"/>
+          </p:cNvPicPr>
+          <p:nvPr/>
+        </p:nvPicPr>
+        <p:blipFill>
+          <a:blip r:embed="rId10"/>
+          <a:stretch>
+            <a:fillRect/>
+          </a:stretch>
+        </p:blipFill>
+        <p:spPr>
+          <a:xfrm>
+            <a:off x="4964089" y="506464"/>
+            <a:ext cx="2261626" cy="5039824"/>
+          </a:xfrm>
+          <a:prstGeom prst="rect">
+            <a:avLst/>
+          </a:prstGeom>
+        </p:spPr>
+      </p:pic>
+      <p:pic>
+        <p:nvPicPr>
+          <p:cNvPr id="23" name="Picture 22">
+            <a:extLst>
+              <a:ext uri="{FF2B5EF4-FFF2-40B4-BE49-F238E27FC236}">
+                <a16:creationId xmlns:a16="http://schemas.microsoft.com/office/drawing/2014/main" id="{278D8B45-574E-5034-EF3C-9588D298734F}"/>
+              </a:ext>
+            </a:extLst>
+          </p:cNvPr>
+          <p:cNvPicPr>
+            <a:picLocks noChangeAspect="1"/>
+          </p:cNvPicPr>
+          <p:nvPr/>
+        </p:nvPicPr>
+        <p:blipFill>
+          <a:blip r:embed="rId11"/>
+          <a:stretch>
+            <a:fillRect/>
+          </a:stretch>
+        </p:blipFill>
+        <p:spPr>
+          <a:xfrm>
+            <a:off x="7306278" y="506463"/>
+            <a:ext cx="2263133" cy="5039823"/>
+          </a:xfrm>
+          <a:prstGeom prst="rect">
+            <a:avLst/>
+          </a:prstGeom>
+        </p:spPr>
+      </p:pic>
+      <p:pic>
+        <p:nvPicPr>
+          <p:cNvPr id="25" name="Picture 24">
+            <a:extLst>
+              <a:ext uri="{FF2B5EF4-FFF2-40B4-BE49-F238E27FC236}">
+                <a16:creationId xmlns:a16="http://schemas.microsoft.com/office/drawing/2014/main" id="{011DF102-41B5-1AF4-A4BF-579DEA7B75B7}"/>
+              </a:ext>
+            </a:extLst>
+          </p:cNvPr>
+          <p:cNvPicPr>
+            <a:picLocks noChangeAspect="1"/>
+          </p:cNvPicPr>
+          <p:nvPr/>
+        </p:nvPicPr>
+        <p:blipFill>
+          <a:blip r:embed="rId12"/>
+          <a:stretch>
+            <a:fillRect/>
+          </a:stretch>
+        </p:blipFill>
+        <p:spPr>
+          <a:xfrm>
+            <a:off x="9649974" y="506462"/>
+            <a:ext cx="2261179" cy="5039823"/>
+          </a:xfrm>
+          <a:prstGeom prst="rect">
+            <a:avLst/>
+          </a:prstGeom>
+        </p:spPr>
+      </p:pic>
+    </p:spTree>
+    <p:extLst>
+      <p:ext uri="{BB962C8B-B14F-4D97-AF65-F5344CB8AC3E}">
+        <p14:creationId xmlns:p14="http://schemas.microsoft.com/office/powerpoint/2010/main" val="3214768828"/>
+      </p:ext>
+    </p:extLst>
+  </p:cSld>
+  <p:clrMapOvr>
+    <a:masterClrMapping/>
+  </p:clrMapOvr>
+  <mc:AlternateContent xmlns:mc="http://schemas.openxmlformats.org/markup-compatibility/2006">
+    <mc:Choice xmlns:p159="http://schemas.microsoft.com/office/powerpoint/2015/09/main" Requires="p159">
+      <p:transition xmlns:p14="http://schemas.microsoft.com/office/powerpoint/2010/main" spd="slow" p14:dur="2000">
+        <p159:morph option="byObject"/>
+      </p:transition>
+    </mc:Choice>
+    <mc:Fallback>
+      <p:transition spd="slow">
+        <p:fade/>
+      </p:transition>
+    </mc:Fallback>
+  </mc:AlternateContent>
+</p:sld>
+</file>
+
+<file path=ppt/slides/slide9.xml><?xml version="1.0" encoding="utf-8"?>
+<p:sld xmlns:a="http://schemas.openxmlformats.org/drawingml/2006/main" xmlns:r="http://schemas.openxmlformats.org/officeDocument/2006/relationships" xmlns:p="http://schemas.openxmlformats.org/presentationml/2006/main">
+  <p:cSld>
+    <p:spTree>
+      <p:nvGrpSpPr>
+        <p:cNvPr id="1" name="">
+          <a:extLst>
+            <a:ext uri="{FF2B5EF4-FFF2-40B4-BE49-F238E27FC236}">
+              <a16:creationId xmlns:a16="http://schemas.microsoft.com/office/drawing/2014/main" id="{52D167B9-5AA9-3949-1A89-37D19ECF2AEE}"/>
+            </a:ext>
+          </a:extLst>
+        </p:cNvPr>
+        <p:cNvGrpSpPr/>
+        <p:nvPr/>
+      </p:nvGrpSpPr>
+      <p:grpSpPr>
+        <a:xfrm>
+          <a:off x="0" y="0"/>
+          <a:ext cx="0" cy="0"/>
+          <a:chOff x="0" y="0"/>
+          <a:chExt cx="0" cy="0"/>
+        </a:xfrm>
+      </p:grpSpPr>
+      <p:sp>
+        <p:nvSpPr>
+          <p:cNvPr id="2" name="Titel 1">
+            <a:extLst>
+              <a:ext uri="{FF2B5EF4-FFF2-40B4-BE49-F238E27FC236}">
+                <a16:creationId xmlns:a16="http://schemas.microsoft.com/office/drawing/2014/main" id="{92CF4B5A-78EB-ADB6-E7DA-BFA0B7513E7B}"/>
+              </a:ext>
+            </a:extLst>
+          </p:cNvPr>
+          <p:cNvSpPr>
+            <a:spLocks noGrp="1"/>
+          </p:cNvSpPr>
+          <p:nvPr>
+            <p:ph type="title"/>
+          </p:nvPr>
+        </p:nvSpPr>
+        <p:spPr>
+          <a:xfrm>
+            <a:off x="582489" y="506469"/>
+            <a:ext cx="5364164" cy="648000"/>
+          </a:xfrm>
+        </p:spPr>
+        <p:txBody>
+          <a:bodyPr/>
+          <a:lstStyle/>
+          <a:p>
+            <a:r>
+              <a:rPr lang="de-DE" sz="3200" dirty="0">
+                <a:cs typeface="Arial"/>
+              </a:rPr>
+              <a:t>Extra Features</a:t>
+            </a:r>
+            <a:endParaRPr lang="de-DE" sz="3200" dirty="0"/>
+          </a:p>
+        </p:txBody>
+      </p:sp>
+      <p:sp>
+        <p:nvSpPr>
+          <p:cNvPr id="3" name="Inhaltsplatzhalter 2">
+            <a:extLst>
+              <a:ext uri="{FF2B5EF4-FFF2-40B4-BE49-F238E27FC236}">
+                <a16:creationId xmlns:a16="http://schemas.microsoft.com/office/drawing/2014/main" id="{B8A64E6E-F98D-BDF8-77A2-483757D0702A}"/>
+              </a:ext>
+            </a:extLst>
+          </p:cNvPr>
+          <p:cNvSpPr>
+            <a:spLocks noGrp="1"/>
+          </p:cNvSpPr>
+          <p:nvPr>
+            <p:ph idx="1"/>
+          </p:nvPr>
+        </p:nvSpPr>
+        <p:spPr>
+          <a:xfrm>
+            <a:off x="757762" y="1374631"/>
+            <a:ext cx="11062762" cy="4456427"/>
+          </a:xfrm>
+        </p:spPr>
+        <p:txBody>
+          <a:bodyPr/>
+          <a:lstStyle/>
+          <a:p>
+            <a:pPr lvl="1">
+              <a:lnSpc>
+                <a:spcPct val="150000"/>
+              </a:lnSpc>
+              <a:buFont typeface="Arial" panose="020B0604020202020204" pitchFamily="34" charset="0"/>
+              <a:buChar char="•"/>
+            </a:pPr>
+            <a:endParaRPr lang="de-DE" sz="2400" dirty="0"/>
+          </a:p>
+          <a:p>
+            <a:pPr marL="180975" lvl="1" indent="0">
+              <a:lnSpc>
+                <a:spcPct val="150000"/>
+              </a:lnSpc>
+              <a:buNone/>
+            </a:pPr>
+            <a:endParaRPr lang="de-DE" sz="2400" dirty="0"/>
+          </a:p>
+          <a:p>
+            <a:pPr>
+              <a:lnSpc>
+                <a:spcPct val="150000"/>
+              </a:lnSpc>
+              <a:buFont typeface="Wingdings" panose="05000000000000000000" pitchFamily="2" charset="2"/>
+              <a:buChar char="§"/>
+            </a:pPr>
+            <a:endParaRPr lang="de-DE" sz="2400" dirty="0"/>
+          </a:p>
+          <a:p>
+            <a:pPr>
+              <a:lnSpc>
+                <a:spcPct val="150000"/>
+              </a:lnSpc>
+            </a:pPr>
+            <a:endParaRPr lang="de-DE" sz="2000" dirty="0"/>
+          </a:p>
+          <a:p>
+            <a:pPr>
+              <a:lnSpc>
+                <a:spcPct val="150000"/>
+              </a:lnSpc>
+            </a:pPr>
+            <a:endParaRPr lang="de-DE" sz="2000" dirty="0"/>
+          </a:p>
+          <a:p>
+            <a:pPr>
+              <a:lnSpc>
+                <a:spcPct val="150000"/>
+              </a:lnSpc>
+            </a:pPr>
+            <a:endParaRPr lang="de-DE" sz="2000" dirty="0"/>
+          </a:p>
+          <a:p>
+            <a:pPr>
+              <a:lnSpc>
+                <a:spcPct val="150000"/>
+              </a:lnSpc>
+            </a:pPr>
+            <a:endParaRPr lang="en-US" sz="2000" dirty="0"/>
+          </a:p>
+        </p:txBody>
+      </p:sp>
+      <p:sp>
+        <p:nvSpPr>
+          <p:cNvPr id="4" name="Datumsplatzhalter 3">
+            <a:extLst>
+              <a:ext uri="{FF2B5EF4-FFF2-40B4-BE49-F238E27FC236}">
+                <a16:creationId xmlns:a16="http://schemas.microsoft.com/office/drawing/2014/main" id="{8E75A058-F8D1-5417-F0B4-AA67FB43913A}"/>
+              </a:ext>
+            </a:extLst>
+          </p:cNvPr>
+          <p:cNvSpPr>
+            <a:spLocks noGrp="1"/>
+          </p:cNvSpPr>
+          <p:nvPr>
+            <p:ph type="dt" sz="half" idx="10"/>
+          </p:nvPr>
+        </p:nvSpPr>
+        <p:spPr>
+          <a:xfrm>
+            <a:off x="1789332" y="6069025"/>
+            <a:ext cx="3084342" cy="550838"/>
+          </a:xfrm>
+        </p:spPr>
+        <p:txBody>
+          <a:bodyPr/>
+          <a:lstStyle/>
+          <a:p>
+            <a:r>
+              <a:rPr lang="de-DE" dirty="0"/>
+              <a:t>Organisation App </a:t>
+            </a:r>
+          </a:p>
+          <a:p>
+            <a:r>
+              <a:rPr lang="en-US" dirty="0"/>
+              <a:t>18.01.2024</a:t>
+            </a:r>
+          </a:p>
+          <a:p>
+            <a:r>
+              <a:rPr lang="de-DE" sz="1100" b="0" dirty="0"/>
+              <a:t>Jan Weller, Leon Beckert, Ángel </a:t>
+            </a:r>
+            <a:r>
+              <a:rPr lang="de-DE" sz="1100" b="0" dirty="0" err="1"/>
+              <a:t>Currás</a:t>
+            </a:r>
+            <a:r>
+              <a:rPr lang="de-DE" sz="1100" b="0" dirty="0"/>
+              <a:t> Sánchez</a:t>
+            </a:r>
+            <a:endParaRPr lang="de-DE" dirty="0"/>
+          </a:p>
+        </p:txBody>
+      </p:sp>
+      <p:sp>
+        <p:nvSpPr>
+          <p:cNvPr id="8" name="Foliennummernplatzhalter 7">
+            <a:extLst>
+              <a:ext uri="{FF2B5EF4-FFF2-40B4-BE49-F238E27FC236}">
+                <a16:creationId xmlns:a16="http://schemas.microsoft.com/office/drawing/2014/main" id="{D2DDFB3C-EFA6-4D54-D7B7-2581569CB9D3}"/>
+              </a:ext>
+            </a:extLst>
+          </p:cNvPr>
+          <p:cNvSpPr>
+            <a:spLocks noGrp="1"/>
+          </p:cNvSpPr>
+          <p:nvPr>
+            <p:ph type="sldNum" sz="quarter" idx="12"/>
+          </p:nvPr>
+        </p:nvSpPr>
+        <p:spPr/>
+        <p:txBody>
+          <a:bodyPr/>
+          <a:lstStyle/>
+          <a:p>
+            <a:fld id="{A13361CF-9A47-4C8C-A01E-566DC0626ACC}" type="slidenum">
+              <a:rPr lang="de-DE" smtClean="0"/>
+              <a:t>9</a:t>
+            </a:fld>
+            <a:endParaRPr lang="de-DE"/>
+          </a:p>
+        </p:txBody>
+      </p:sp>
+      <p:pic>
+        <p:nvPicPr>
+          <p:cNvPr id="5" name="Graphic 4">
+            <a:extLst>
+              <a:ext uri="{FF2B5EF4-FFF2-40B4-BE49-F238E27FC236}">
+                <a16:creationId xmlns:a16="http://schemas.microsoft.com/office/drawing/2014/main" id="{DD781C51-5937-E6C7-E0B7-A882B9D0F64A}"/>
+              </a:ext>
+            </a:extLst>
+          </p:cNvPr>
+          <p:cNvPicPr>
+            <a:picLocks noChangeAspect="1"/>
+          </p:cNvPicPr>
+          <p:nvPr/>
+        </p:nvPicPr>
+        <p:blipFill>
+          <a:blip r:embed="rId2">
+            <a:extLst>
+              <a:ext uri="{28A0092B-C50C-407E-A947-70E740481C1C}">
+                <a14:useLocalDpi xmlns:a14="http://schemas.microsoft.com/office/drawing/2010/main" val="0"/>
+              </a:ext>
+              <a:ext uri="{96DAC541-7B7A-43D3-8B79-37D633B846F1}">
+                <asvg:svgBlip xmlns:asvg="http://schemas.microsoft.com/office/drawing/2016/SVG/main" r:embed="rId3"/>
+              </a:ext>
+            </a:extLst>
+          </a:blip>
+          <a:stretch>
+            <a:fillRect/>
+          </a:stretch>
+        </p:blipFill>
+        <p:spPr>
+          <a:xfrm>
+            <a:off x="7082473" y="6064883"/>
+            <a:ext cx="1881279" cy="546696"/>
+          </a:xfrm>
+          <a:prstGeom prst="rect">
+            <a:avLst/>
+          </a:prstGeom>
+        </p:spPr>
+      </p:pic>
+      <p:pic>
+        <p:nvPicPr>
+          <p:cNvPr id="9" name="Graphic 8">
+            <a:extLst>
+              <a:ext uri="{FF2B5EF4-FFF2-40B4-BE49-F238E27FC236}">
+                <a16:creationId xmlns:a16="http://schemas.microsoft.com/office/drawing/2014/main" id="{50703841-E136-1A67-537E-E631255657A1}"/>
+              </a:ext>
+            </a:extLst>
+          </p:cNvPr>
+          <p:cNvPicPr>
+            <a:picLocks noChangeAspect="1"/>
+          </p:cNvPicPr>
+          <p:nvPr/>
+        </p:nvPicPr>
+        <p:blipFill>
+          <a:blip r:embed="rId4">
+            <a:extLst>
+              <a:ext uri="{28A0092B-C50C-407E-A947-70E740481C1C}">
+                <a14:useLocalDpi xmlns:a14="http://schemas.microsoft.com/office/drawing/2010/main" val="0"/>
+              </a:ext>
+              <a:ext uri="{96DAC541-7B7A-43D3-8B79-37D633B846F1}">
+                <asvg:svgBlip xmlns:asvg="http://schemas.microsoft.com/office/drawing/2016/SVG/main" r:embed="rId5"/>
+              </a:ext>
+            </a:extLst>
+          </a:blip>
+          <a:stretch>
+            <a:fillRect/>
+          </a:stretch>
+        </p:blipFill>
+        <p:spPr>
+          <a:xfrm>
+            <a:off x="9400100" y="6069025"/>
+            <a:ext cx="2177611" cy="559957"/>
+          </a:xfrm>
+          <a:prstGeom prst="rect">
+            <a:avLst/>
+          </a:prstGeom>
+        </p:spPr>
+      </p:pic>
+      <p:pic>
+        <p:nvPicPr>
+          <p:cNvPr id="11" name="Picture 10" descr="A red cube with a white strip&#10;&#10;Description automatically generated">
+            <a:extLst>
+              <a:ext uri="{FF2B5EF4-FFF2-40B4-BE49-F238E27FC236}">
+                <a16:creationId xmlns:a16="http://schemas.microsoft.com/office/drawing/2014/main" id="{05121043-A7E7-7FA2-CA18-F8B18B0CE90B}"/>
+              </a:ext>
+            </a:extLst>
+          </p:cNvPr>
+          <p:cNvPicPr>
+            <a:picLocks noChangeAspect="1"/>
+          </p:cNvPicPr>
+          <p:nvPr/>
+        </p:nvPicPr>
+        <p:blipFill>
+          <a:blip r:embed="rId6">
+            <a:extLst>
+              <a:ext uri="{28A0092B-C50C-407E-A947-70E740481C1C}">
+                <a14:useLocalDpi xmlns:a14="http://schemas.microsoft.com/office/drawing/2010/main" val="0"/>
+              </a:ext>
+            </a:extLst>
+          </a:blip>
+          <a:stretch>
+            <a:fillRect/>
+          </a:stretch>
+        </p:blipFill>
+        <p:spPr>
+          <a:xfrm>
+            <a:off x="6096000" y="6064883"/>
+            <a:ext cx="550838" cy="550838"/>
+          </a:xfrm>
+          <a:prstGeom prst="rect">
+            <a:avLst/>
+          </a:prstGeom>
+        </p:spPr>
+      </p:pic>
+      <p:pic>
+        <p:nvPicPr>
+          <p:cNvPr id="13" name="Picture 12" descr="A black and white photo&#10;&#10;Description automatically generated">
+            <a:extLst>
+              <a:ext uri="{FF2B5EF4-FFF2-40B4-BE49-F238E27FC236}">
+                <a16:creationId xmlns:a16="http://schemas.microsoft.com/office/drawing/2014/main" id="{2BFF1AFA-0D0D-641C-7251-5D5877D88F3B}"/>
+              </a:ext>
+            </a:extLst>
+          </p:cNvPr>
+          <p:cNvPicPr>
+            <a:picLocks noChangeAspect="1"/>
+          </p:cNvPicPr>
+          <p:nvPr/>
+        </p:nvPicPr>
+        <p:blipFill>
+          <a:blip r:embed="rId7">
+            <a:extLst>
+              <a:ext uri="{28A0092B-C50C-407E-A947-70E740481C1C}">
+                <a14:useLocalDpi xmlns:a14="http://schemas.microsoft.com/office/drawing/2010/main" val="0"/>
+              </a:ext>
+            </a:extLst>
+          </a:blip>
+          <a:stretch>
+            <a:fillRect/>
+          </a:stretch>
+        </p:blipFill>
+        <p:spPr>
+          <a:xfrm>
+            <a:off x="6096713" y="6585802"/>
+            <a:ext cx="549412" cy="166325"/>
+          </a:xfrm>
+          <a:prstGeom prst="rect">
+            <a:avLst/>
+          </a:prstGeom>
+        </p:spPr>
+      </p:pic>
+      <p:pic>
+        <p:nvPicPr>
+          <p:cNvPr id="27" name="Picture 26">
+            <a:extLst>
+              <a:ext uri="{FF2B5EF4-FFF2-40B4-BE49-F238E27FC236}">
+                <a16:creationId xmlns:a16="http://schemas.microsoft.com/office/drawing/2014/main" id="{5683D717-7CAC-F7FD-32D8-F34EF817AC0C}"/>
+              </a:ext>
+            </a:extLst>
+          </p:cNvPr>
+          <p:cNvPicPr>
+            <a:picLocks noChangeAspect="1"/>
+          </p:cNvPicPr>
+          <p:nvPr/>
+        </p:nvPicPr>
+        <p:blipFill>
+          <a:blip r:embed="rId8"/>
+          <a:stretch>
+            <a:fillRect/>
+          </a:stretch>
+        </p:blipFill>
+        <p:spPr>
+          <a:xfrm>
+            <a:off x="1830831" y="1086670"/>
+            <a:ext cx="2106281" cy="4676589"/>
+          </a:xfrm>
+          <a:prstGeom prst="rect">
+            <a:avLst/>
+          </a:prstGeom>
+        </p:spPr>
+      </p:pic>
+      <p:pic>
+        <p:nvPicPr>
+          <p:cNvPr id="29" name="Picture 28">
+            <a:extLst>
+              <a:ext uri="{FF2B5EF4-FFF2-40B4-BE49-F238E27FC236}">
+                <a16:creationId xmlns:a16="http://schemas.microsoft.com/office/drawing/2014/main" id="{9B3FCE44-B6AC-99A6-E945-FF3C56E17A49}"/>
+              </a:ext>
+            </a:extLst>
+          </p:cNvPr>
+          <p:cNvPicPr>
+            <a:picLocks noChangeAspect="1"/>
+          </p:cNvPicPr>
+          <p:nvPr/>
+        </p:nvPicPr>
+        <p:blipFill>
+          <a:blip r:embed="rId9"/>
+          <a:stretch>
+            <a:fillRect/>
+          </a:stretch>
+        </p:blipFill>
+        <p:spPr>
+          <a:xfrm>
+            <a:off x="5042859" y="1086670"/>
+            <a:ext cx="2106281" cy="4676589"/>
+          </a:xfrm>
+          <a:prstGeom prst="rect">
+            <a:avLst/>
+          </a:prstGeom>
+        </p:spPr>
+      </p:pic>
+      <p:pic>
+        <p:nvPicPr>
+          <p:cNvPr id="7" name="Picture 6">
+            <a:extLst>
+              <a:ext uri="{FF2B5EF4-FFF2-40B4-BE49-F238E27FC236}">
+                <a16:creationId xmlns:a16="http://schemas.microsoft.com/office/drawing/2014/main" id="{4C035F06-A5E4-5309-4EA5-7BA5E23ED986}"/>
+              </a:ext>
+            </a:extLst>
+          </p:cNvPr>
+          <p:cNvPicPr>
+            <a:picLocks noChangeAspect="1"/>
+          </p:cNvPicPr>
+          <p:nvPr/>
+        </p:nvPicPr>
+        <p:blipFill>
+          <a:blip r:embed="rId10"/>
+          <a:stretch>
+            <a:fillRect/>
+          </a:stretch>
+        </p:blipFill>
+        <p:spPr>
+          <a:xfrm>
+            <a:off x="8254888" y="1086670"/>
+            <a:ext cx="2106281" cy="4680624"/>
+          </a:xfrm>
+          <a:prstGeom prst="rect">
+            <a:avLst/>
+          </a:prstGeom>
+        </p:spPr>
+      </p:pic>
+    </p:spTree>
+    <p:extLst>
+      <p:ext uri="{BB962C8B-B14F-4D97-AF65-F5344CB8AC3E}">
+        <p14:creationId xmlns:p14="http://schemas.microsoft.com/office/powerpoint/2010/main" val="1562979571"/>
+      </p:ext>
+    </p:extLst>
+  </p:cSld>
+  <p:clrMapOvr>
+    <a:masterClrMapping/>
+  </p:clrMapOvr>
+  <mc:AlternateContent xmlns:mc="http://schemas.openxmlformats.org/markup-compatibility/2006">
+    <mc:Choice xmlns:p14="http://schemas.microsoft.com/office/powerpoint/2010/main" Requires="p14">
+      <p:transition spd="slow">
+        <p14:flash/>
+      </p:transition>
+    </mc:Choice>
+    <mc:Fallback>
+      <p:transition spd="slow">
+        <p:fade/>
+      </p:transition>
+    </mc:Fallback>
+  </mc:AlternateContent>
 </p:sld>
 </file>
 
